--- a/Documentação/apresentação - modelo.pptx
+++ b/Documentação/apresentação - modelo.pptx
@@ -2,8 +2,11 @@
 <file path=ppt/presentation.xml><?xml version="1.0" encoding="utf-8"?>
 <p:presentation xmlns:a="http://schemas.openxmlformats.org/drawingml/2006/main" xmlns:r="http://schemas.openxmlformats.org/officeDocument/2006/relationships" xmlns:p="http://schemas.openxmlformats.org/presentationml/2006/main" saveSubsetFonts="1">
   <p:sldMasterIdLst>
-    <p:sldMasterId id="2147483648" r:id="rId1"/>
+    <p:sldMasterId id="2147483660" r:id="rId1"/>
   </p:sldMasterIdLst>
+  <p:notesMasterIdLst>
+    <p:notesMasterId r:id="rId9"/>
+  </p:notesMasterIdLst>
   <p:sldIdLst>
     <p:sldId id="256" r:id="rId2"/>
     <p:sldId id="257" r:id="rId3"/>
@@ -17,9 +20,9 @@
   <p:notesSz cx="6858000" cy="9144000"/>
   <p:defaultTextStyle>
     <a:defPPr>
-      <a:defRPr lang="pt-BR"/>
+      <a:defRPr lang="en-US"/>
     </a:defPPr>
-    <a:lvl1pPr marL="0" algn="l" defTabSz="914400" rtl="0" eaLnBrk="1" latinLnBrk="0" hangingPunct="1">
+    <a:lvl1pPr marL="0" algn="l" defTabSz="457200" rtl="0" eaLnBrk="1" latinLnBrk="0" hangingPunct="1">
       <a:defRPr sz="1800" kern="1200">
         <a:solidFill>
           <a:schemeClr val="tx1"/>
@@ -29,7 +32,7 @@
         <a:cs typeface="+mn-cs"/>
       </a:defRPr>
     </a:lvl1pPr>
-    <a:lvl2pPr marL="457200" algn="l" defTabSz="914400" rtl="0" eaLnBrk="1" latinLnBrk="0" hangingPunct="1">
+    <a:lvl2pPr marL="457200" algn="l" defTabSz="457200" rtl="0" eaLnBrk="1" latinLnBrk="0" hangingPunct="1">
       <a:defRPr sz="1800" kern="1200">
         <a:solidFill>
           <a:schemeClr val="tx1"/>
@@ -39,7 +42,7 @@
         <a:cs typeface="+mn-cs"/>
       </a:defRPr>
     </a:lvl2pPr>
-    <a:lvl3pPr marL="914400" algn="l" defTabSz="914400" rtl="0" eaLnBrk="1" latinLnBrk="0" hangingPunct="1">
+    <a:lvl3pPr marL="914400" algn="l" defTabSz="457200" rtl="0" eaLnBrk="1" latinLnBrk="0" hangingPunct="1">
       <a:defRPr sz="1800" kern="1200">
         <a:solidFill>
           <a:schemeClr val="tx1"/>
@@ -49,7 +52,7 @@
         <a:cs typeface="+mn-cs"/>
       </a:defRPr>
     </a:lvl3pPr>
-    <a:lvl4pPr marL="1371600" algn="l" defTabSz="914400" rtl="0" eaLnBrk="1" latinLnBrk="0" hangingPunct="1">
+    <a:lvl4pPr marL="1371600" algn="l" defTabSz="457200" rtl="0" eaLnBrk="1" latinLnBrk="0" hangingPunct="1">
       <a:defRPr sz="1800" kern="1200">
         <a:solidFill>
           <a:schemeClr val="tx1"/>
@@ -59,7 +62,7 @@
         <a:cs typeface="+mn-cs"/>
       </a:defRPr>
     </a:lvl4pPr>
-    <a:lvl5pPr marL="1828800" algn="l" defTabSz="914400" rtl="0" eaLnBrk="1" latinLnBrk="0" hangingPunct="1">
+    <a:lvl5pPr marL="1828800" algn="l" defTabSz="457200" rtl="0" eaLnBrk="1" latinLnBrk="0" hangingPunct="1">
       <a:defRPr sz="1800" kern="1200">
         <a:solidFill>
           <a:schemeClr val="tx1"/>
@@ -69,7 +72,7 @@
         <a:cs typeface="+mn-cs"/>
       </a:defRPr>
     </a:lvl5pPr>
-    <a:lvl6pPr marL="2286000" algn="l" defTabSz="914400" rtl="0" eaLnBrk="1" latinLnBrk="0" hangingPunct="1">
+    <a:lvl6pPr marL="2286000" algn="l" defTabSz="457200" rtl="0" eaLnBrk="1" latinLnBrk="0" hangingPunct="1">
       <a:defRPr sz="1800" kern="1200">
         <a:solidFill>
           <a:schemeClr val="tx1"/>
@@ -79,7 +82,7 @@
         <a:cs typeface="+mn-cs"/>
       </a:defRPr>
     </a:lvl6pPr>
-    <a:lvl7pPr marL="2743200" algn="l" defTabSz="914400" rtl="0" eaLnBrk="1" latinLnBrk="0" hangingPunct="1">
+    <a:lvl7pPr marL="2743200" algn="l" defTabSz="457200" rtl="0" eaLnBrk="1" latinLnBrk="0" hangingPunct="1">
       <a:defRPr sz="1800" kern="1200">
         <a:solidFill>
           <a:schemeClr val="tx1"/>
@@ -89,7 +92,7 @@
         <a:cs typeface="+mn-cs"/>
       </a:defRPr>
     </a:lvl7pPr>
-    <a:lvl8pPr marL="3200400" algn="l" defTabSz="914400" rtl="0" eaLnBrk="1" latinLnBrk="0" hangingPunct="1">
+    <a:lvl8pPr marL="3200400" algn="l" defTabSz="457200" rtl="0" eaLnBrk="1" latinLnBrk="0" hangingPunct="1">
       <a:defRPr sz="1800" kern="1200">
         <a:solidFill>
           <a:schemeClr val="tx1"/>
@@ -99,7 +102,7 @@
         <a:cs typeface="+mn-cs"/>
       </a:defRPr>
     </a:lvl8pPr>
-    <a:lvl9pPr marL="3657600" algn="l" defTabSz="914400" rtl="0" eaLnBrk="1" latinLnBrk="0" hangingPunct="1">
+    <a:lvl9pPr marL="3657600" algn="l" defTabSz="457200" rtl="0" eaLnBrk="1" latinLnBrk="0" hangingPunct="1">
       <a:defRPr sz="1800" kern="1200">
         <a:solidFill>
           <a:schemeClr val="tx1"/>
@@ -110,12 +113,33 @@
       </a:defRPr>
     </a:lvl9pPr>
   </p:defaultTextStyle>
+  <p:extLst>
+    <p:ext uri="{EFAFB233-063F-42B5-8137-9DF3F51BA10A}">
+      <p15:sldGuideLst xmlns:p15="http://schemas.microsoft.com/office/powerpoint/2012/main">
+        <p15:guide id="1" orient="horz" pos="2160">
+          <p15:clr>
+            <a:srgbClr val="A4A3A4"/>
+          </p15:clr>
+        </p15:guide>
+        <p15:guide id="2" pos="2880">
+          <p15:clr>
+            <a:srgbClr val="A4A3A4"/>
+          </p15:clr>
+        </p15:guide>
+      </p15:sldGuideLst>
+    </p:ext>
+  </p:extLst>
 </p:presentation>
 </file>
 
-<file path=ppt/slideLayouts/slideLayout1.xml><?xml version="1.0" encoding="utf-8"?>
-<p:sldLayout xmlns:a="http://schemas.openxmlformats.org/drawingml/2006/main" xmlns:r="http://schemas.openxmlformats.org/officeDocument/2006/relationships" xmlns:p="http://schemas.openxmlformats.org/presentationml/2006/main" type="title" preserve="1">
-  <p:cSld name="Slide de título">
+<file path=ppt/notesMasters/notesMaster1.xml><?xml version="1.0" encoding="utf-8"?>
+<p:notesMaster xmlns:a="http://schemas.openxmlformats.org/drawingml/2006/main" xmlns:r="http://schemas.openxmlformats.org/officeDocument/2006/relationships" xmlns:p="http://schemas.openxmlformats.org/presentationml/2006/main">
+  <p:cSld>
+    <p:bg>
+      <p:bgRef idx="1001">
+        <a:schemeClr val="bg1"/>
+      </p:bgRef>
+    </p:bg>
     <p:spTree>
       <p:nvGrpSpPr>
         <p:cNvPr id="1" name=""/>
@@ -132,169 +156,65 @@
       </p:grpSpPr>
       <p:sp>
         <p:nvSpPr>
-          <p:cNvPr id="2" name="Título 1"/>
-          <p:cNvSpPr>
-            <a:spLocks noGrp="1"/>
-          </p:cNvSpPr>
-          <p:nvPr>
-            <p:ph type="ctrTitle"/>
+          <p:cNvPr id="2" name="Espaço Reservado para Cabeçalho 1"/>
+          <p:cNvSpPr>
+            <a:spLocks noGrp="1"/>
+          </p:cNvSpPr>
+          <p:nvPr>
+            <p:ph type="hdr" sz="quarter"/>
           </p:nvPr>
         </p:nvSpPr>
         <p:spPr>
           <a:xfrm>
-            <a:off x="685800" y="2130425"/>
-            <a:ext cx="7772400" cy="1470025"/>
+            <a:off x="0" y="0"/>
+            <a:ext cx="2971800" cy="458788"/>
           </a:xfrm>
+          <a:prstGeom prst="rect">
+            <a:avLst/>
+          </a:prstGeom>
         </p:spPr>
         <p:txBody>
-          <a:bodyPr/>
-          <a:lstStyle/>
-          <a:p>
-            <a:r>
-              <a:rPr lang="pt-BR" smtClean="0"/>
-              <a:t>Clique para editar o estilo do título mestre</a:t>
-            </a:r>
+          <a:bodyPr vert="horz" lIns="91440" tIns="45720" rIns="91440" bIns="45720" rtlCol="0"/>
+          <a:lstStyle>
+            <a:lvl1pPr algn="l">
+              <a:defRPr sz="1200"/>
+            </a:lvl1pPr>
+          </a:lstStyle>
+          <a:p>
             <a:endParaRPr lang="pt-BR"/>
           </a:p>
         </p:txBody>
       </p:sp>
       <p:sp>
         <p:nvSpPr>
-          <p:cNvPr id="3" name="Subtítulo 2"/>
-          <p:cNvSpPr>
-            <a:spLocks noGrp="1"/>
-          </p:cNvSpPr>
-          <p:nvPr>
-            <p:ph type="subTitle" idx="1"/>
+          <p:cNvPr id="3" name="Espaço Reservado para Data 2"/>
+          <p:cNvSpPr>
+            <a:spLocks noGrp="1"/>
+          </p:cNvSpPr>
+          <p:nvPr>
+            <p:ph type="dt" idx="1"/>
           </p:nvPr>
         </p:nvSpPr>
         <p:spPr>
           <a:xfrm>
-            <a:off x="1371600" y="3886200"/>
-            <a:ext cx="6400800" cy="1752600"/>
+            <a:off x="3884613" y="0"/>
+            <a:ext cx="2971800" cy="458788"/>
           </a:xfrm>
+          <a:prstGeom prst="rect">
+            <a:avLst/>
+          </a:prstGeom>
         </p:spPr>
         <p:txBody>
-          <a:bodyPr/>
+          <a:bodyPr vert="horz" lIns="91440" tIns="45720" rIns="91440" bIns="45720" rtlCol="0"/>
           <a:lstStyle>
-            <a:lvl1pPr marL="0" indent="0" algn="ctr">
-              <a:buNone/>
-              <a:defRPr>
-                <a:solidFill>
-                  <a:schemeClr val="tx1">
-                    <a:tint val="75000"/>
-                  </a:schemeClr>
-                </a:solidFill>
-              </a:defRPr>
+            <a:lvl1pPr algn="r">
+              <a:defRPr sz="1200"/>
             </a:lvl1pPr>
-            <a:lvl2pPr marL="457200" indent="0" algn="ctr">
-              <a:buNone/>
-              <a:defRPr>
-                <a:solidFill>
-                  <a:schemeClr val="tx1">
-                    <a:tint val="75000"/>
-                  </a:schemeClr>
-                </a:solidFill>
-              </a:defRPr>
-            </a:lvl2pPr>
-            <a:lvl3pPr marL="914400" indent="0" algn="ctr">
-              <a:buNone/>
-              <a:defRPr>
-                <a:solidFill>
-                  <a:schemeClr val="tx1">
-                    <a:tint val="75000"/>
-                  </a:schemeClr>
-                </a:solidFill>
-              </a:defRPr>
-            </a:lvl3pPr>
-            <a:lvl4pPr marL="1371600" indent="0" algn="ctr">
-              <a:buNone/>
-              <a:defRPr>
-                <a:solidFill>
-                  <a:schemeClr val="tx1">
-                    <a:tint val="75000"/>
-                  </a:schemeClr>
-                </a:solidFill>
-              </a:defRPr>
-            </a:lvl4pPr>
-            <a:lvl5pPr marL="1828800" indent="0" algn="ctr">
-              <a:buNone/>
-              <a:defRPr>
-                <a:solidFill>
-                  <a:schemeClr val="tx1">
-                    <a:tint val="75000"/>
-                  </a:schemeClr>
-                </a:solidFill>
-              </a:defRPr>
-            </a:lvl5pPr>
-            <a:lvl6pPr marL="2286000" indent="0" algn="ctr">
-              <a:buNone/>
-              <a:defRPr>
-                <a:solidFill>
-                  <a:schemeClr val="tx1">
-                    <a:tint val="75000"/>
-                  </a:schemeClr>
-                </a:solidFill>
-              </a:defRPr>
-            </a:lvl6pPr>
-            <a:lvl7pPr marL="2743200" indent="0" algn="ctr">
-              <a:buNone/>
-              <a:defRPr>
-                <a:solidFill>
-                  <a:schemeClr val="tx1">
-                    <a:tint val="75000"/>
-                  </a:schemeClr>
-                </a:solidFill>
-              </a:defRPr>
-            </a:lvl7pPr>
-            <a:lvl8pPr marL="3200400" indent="0" algn="ctr">
-              <a:buNone/>
-              <a:defRPr>
-                <a:solidFill>
-                  <a:schemeClr val="tx1">
-                    <a:tint val="75000"/>
-                  </a:schemeClr>
-                </a:solidFill>
-              </a:defRPr>
-            </a:lvl8pPr>
-            <a:lvl9pPr marL="3657600" indent="0" algn="ctr">
-              <a:buNone/>
-              <a:defRPr>
-                <a:solidFill>
-                  <a:schemeClr val="tx1">
-                    <a:tint val="75000"/>
-                  </a:schemeClr>
-                </a:solidFill>
-              </a:defRPr>
-            </a:lvl9pPr>
           </a:lstStyle>
           <a:p>
-            <a:r>
+            <a:fld id="{B2BFAC2F-E0C7-4D74-97C0-316056CE39BC}" type="datetimeFigureOut">
               <a:rPr lang="pt-BR" smtClean="0"/>
-              <a:t>Clique para editar o estilo do subtítulo mestre</a:t>
-            </a:r>
-            <a:endParaRPr lang="pt-BR"/>
-          </a:p>
-        </p:txBody>
-      </p:sp>
-      <p:sp>
-        <p:nvSpPr>
-          <p:cNvPr id="4" name="Espaço Reservado para Data 3"/>
-          <p:cNvSpPr>
-            <a:spLocks noGrp="1"/>
-          </p:cNvSpPr>
-          <p:nvPr>
-            <p:ph type="dt" sz="half" idx="10"/>
-          </p:nvPr>
-        </p:nvSpPr>
-        <p:spPr/>
-        <p:txBody>
-          <a:bodyPr/>
-          <a:lstStyle/>
-          <a:p>
-            <a:fld id="{39F04FFC-F542-43E7-9AF8-932ABA3A3110}" type="datetimeFigureOut">
-              <a:rPr lang="pt-BR" smtClean="0"/>
-              <a:t>25/04/2016</a:t>
+              <a:t>03/06/2019</a:t>
             </a:fld>
             <a:endParaRPr lang="pt-BR"/>
           </a:p>
@@ -302,17 +222,31 @@
       </p:sp>
       <p:sp>
         <p:nvSpPr>
-          <p:cNvPr id="5" name="Espaço Reservado para Rodapé 4"/>
-          <p:cNvSpPr>
-            <a:spLocks noGrp="1"/>
-          </p:cNvSpPr>
-          <p:nvPr>
-            <p:ph type="ftr" sz="quarter" idx="11"/>
-          </p:nvPr>
-        </p:nvSpPr>
-        <p:spPr/>
-        <p:txBody>
-          <a:bodyPr/>
+          <p:cNvPr id="4" name="Espaço Reservado para Imagem de Slide 3"/>
+          <p:cNvSpPr>
+            <a:spLocks noGrp="1" noRot="1" noChangeAspect="1"/>
+          </p:cNvSpPr>
+          <p:nvPr>
+            <p:ph type="sldImg" idx="2"/>
+          </p:nvPr>
+        </p:nvSpPr>
+        <p:spPr>
+          <a:xfrm>
+            <a:off x="1371600" y="1143000"/>
+            <a:ext cx="4114800" cy="3086100"/>
+          </a:xfrm>
+          <a:prstGeom prst="rect">
+            <a:avLst/>
+          </a:prstGeom>
+          <a:noFill/>
+          <a:ln w="12700">
+            <a:solidFill>
+              <a:prstClr val="black"/>
+            </a:solidFill>
+          </a:ln>
+        </p:spPr>
+        <p:txBody>
+          <a:bodyPr vert="horz" lIns="91440" tIns="45720" rIns="91440" bIns="45720" rtlCol="0" anchor="ctr"/>
           <a:lstStyle/>
           <a:p>
             <a:endParaRPr lang="pt-BR"/>
@@ -321,20 +255,122 @@
       </p:sp>
       <p:sp>
         <p:nvSpPr>
-          <p:cNvPr id="6" name="Espaço Reservado para Número de Slide 5"/>
-          <p:cNvSpPr>
-            <a:spLocks noGrp="1"/>
-          </p:cNvSpPr>
-          <p:nvPr>
-            <p:ph type="sldNum" sz="quarter" idx="12"/>
-          </p:nvPr>
-        </p:nvSpPr>
-        <p:spPr/>
-        <p:txBody>
-          <a:bodyPr/>
-          <a:lstStyle/>
-          <a:p>
-            <a:fld id="{0F69E2D7-9232-4386-800D-D41BF41C2FD8}" type="slidenum">
+          <p:cNvPr id="5" name="Espaço Reservado para Anotações 4"/>
+          <p:cNvSpPr>
+            <a:spLocks noGrp="1"/>
+          </p:cNvSpPr>
+          <p:nvPr>
+            <p:ph type="body" sz="quarter" idx="3"/>
+          </p:nvPr>
+        </p:nvSpPr>
+        <p:spPr>
+          <a:xfrm>
+            <a:off x="685800" y="4400550"/>
+            <a:ext cx="5486400" cy="3600450"/>
+          </a:xfrm>
+          <a:prstGeom prst="rect">
+            <a:avLst/>
+          </a:prstGeom>
+        </p:spPr>
+        <p:txBody>
+          <a:bodyPr vert="horz" lIns="91440" tIns="45720" rIns="91440" bIns="45720" rtlCol="0"/>
+          <a:lstStyle/>
+          <a:p>
+            <a:pPr lvl="0"/>
+            <a:r>
+              <a:rPr lang="pt-BR"/>
+              <a:t>Clique para editar os estilos de texto Mestres</a:t>
+            </a:r>
+          </a:p>
+          <a:p>
+            <a:pPr lvl="1"/>
+            <a:r>
+              <a:rPr lang="pt-BR"/>
+              <a:t>Segundo nível</a:t>
+            </a:r>
+          </a:p>
+          <a:p>
+            <a:pPr lvl="2"/>
+            <a:r>
+              <a:rPr lang="pt-BR"/>
+              <a:t>Terceiro nível</a:t>
+            </a:r>
+          </a:p>
+          <a:p>
+            <a:pPr lvl="3"/>
+            <a:r>
+              <a:rPr lang="pt-BR"/>
+              <a:t>Quarto nível</a:t>
+            </a:r>
+          </a:p>
+          <a:p>
+            <a:pPr lvl="4"/>
+            <a:r>
+              <a:rPr lang="pt-BR"/>
+              <a:t>Quinto nível</a:t>
+            </a:r>
+          </a:p>
+        </p:txBody>
+      </p:sp>
+      <p:sp>
+        <p:nvSpPr>
+          <p:cNvPr id="6" name="Espaço Reservado para Rodapé 5"/>
+          <p:cNvSpPr>
+            <a:spLocks noGrp="1"/>
+          </p:cNvSpPr>
+          <p:nvPr>
+            <p:ph type="ftr" sz="quarter" idx="4"/>
+          </p:nvPr>
+        </p:nvSpPr>
+        <p:spPr>
+          <a:xfrm>
+            <a:off x="0" y="8685213"/>
+            <a:ext cx="2971800" cy="458787"/>
+          </a:xfrm>
+          <a:prstGeom prst="rect">
+            <a:avLst/>
+          </a:prstGeom>
+        </p:spPr>
+        <p:txBody>
+          <a:bodyPr vert="horz" lIns="91440" tIns="45720" rIns="91440" bIns="45720" rtlCol="0" anchor="b"/>
+          <a:lstStyle>
+            <a:lvl1pPr algn="l">
+              <a:defRPr sz="1200"/>
+            </a:lvl1pPr>
+          </a:lstStyle>
+          <a:p>
+            <a:endParaRPr lang="pt-BR"/>
+          </a:p>
+        </p:txBody>
+      </p:sp>
+      <p:sp>
+        <p:nvSpPr>
+          <p:cNvPr id="7" name="Espaço Reservado para Número de Slide 6"/>
+          <p:cNvSpPr>
+            <a:spLocks noGrp="1"/>
+          </p:cNvSpPr>
+          <p:nvPr>
+            <p:ph type="sldNum" sz="quarter" idx="5"/>
+          </p:nvPr>
+        </p:nvSpPr>
+        <p:spPr>
+          <a:xfrm>
+            <a:off x="3884613" y="8685213"/>
+            <a:ext cx="2971800" cy="458787"/>
+          </a:xfrm>
+          <a:prstGeom prst="rect">
+            <a:avLst/>
+          </a:prstGeom>
+        </p:spPr>
+        <p:txBody>
+          <a:bodyPr vert="horz" lIns="91440" tIns="45720" rIns="91440" bIns="45720" rtlCol="0" anchor="b"/>
+          <a:lstStyle>
+            <a:lvl1pPr algn="r">
+              <a:defRPr sz="1200"/>
+            </a:lvl1pPr>
+          </a:lstStyle>
+          <a:p>
+            <a:fld id="{8B9F854E-D71C-4D23-B3BF-1322E693D0A2}" type="slidenum">
               <a:rPr lang="pt-BR" smtClean="0"/>
               <a:t>‹nº›</a:t>
             </a:fld>
@@ -343,16 +379,111 @@
         </p:txBody>
       </p:sp>
     </p:spTree>
+    <p:extLst>
+      <p:ext uri="{BB962C8B-B14F-4D97-AF65-F5344CB8AC3E}">
+        <p14:creationId xmlns:p14="http://schemas.microsoft.com/office/powerpoint/2010/main" val="2822322155"/>
+      </p:ext>
+    </p:extLst>
   </p:cSld>
-  <p:clrMapOvr>
-    <a:masterClrMapping/>
-  </p:clrMapOvr>
-</p:sldLayout>
+  <p:clrMap bg1="lt1" tx1="dk1" bg2="lt2" tx2="dk2" accent1="accent1" accent2="accent2" accent3="accent3" accent4="accent4" accent5="accent5" accent6="accent6" hlink="hlink" folHlink="folHlink"/>
+  <p:notesStyle>
+    <a:lvl1pPr marL="0" algn="l" defTabSz="914400" rtl="0" eaLnBrk="1" latinLnBrk="0" hangingPunct="1">
+      <a:defRPr sz="1200" kern="1200">
+        <a:solidFill>
+          <a:schemeClr val="tx1"/>
+        </a:solidFill>
+        <a:latin typeface="+mn-lt"/>
+        <a:ea typeface="+mn-ea"/>
+        <a:cs typeface="+mn-cs"/>
+      </a:defRPr>
+    </a:lvl1pPr>
+    <a:lvl2pPr marL="457200" algn="l" defTabSz="914400" rtl="0" eaLnBrk="1" latinLnBrk="0" hangingPunct="1">
+      <a:defRPr sz="1200" kern="1200">
+        <a:solidFill>
+          <a:schemeClr val="tx1"/>
+        </a:solidFill>
+        <a:latin typeface="+mn-lt"/>
+        <a:ea typeface="+mn-ea"/>
+        <a:cs typeface="+mn-cs"/>
+      </a:defRPr>
+    </a:lvl2pPr>
+    <a:lvl3pPr marL="914400" algn="l" defTabSz="914400" rtl="0" eaLnBrk="1" latinLnBrk="0" hangingPunct="1">
+      <a:defRPr sz="1200" kern="1200">
+        <a:solidFill>
+          <a:schemeClr val="tx1"/>
+        </a:solidFill>
+        <a:latin typeface="+mn-lt"/>
+        <a:ea typeface="+mn-ea"/>
+        <a:cs typeface="+mn-cs"/>
+      </a:defRPr>
+    </a:lvl3pPr>
+    <a:lvl4pPr marL="1371600" algn="l" defTabSz="914400" rtl="0" eaLnBrk="1" latinLnBrk="0" hangingPunct="1">
+      <a:defRPr sz="1200" kern="1200">
+        <a:solidFill>
+          <a:schemeClr val="tx1"/>
+        </a:solidFill>
+        <a:latin typeface="+mn-lt"/>
+        <a:ea typeface="+mn-ea"/>
+        <a:cs typeface="+mn-cs"/>
+      </a:defRPr>
+    </a:lvl4pPr>
+    <a:lvl5pPr marL="1828800" algn="l" defTabSz="914400" rtl="0" eaLnBrk="1" latinLnBrk="0" hangingPunct="1">
+      <a:defRPr sz="1200" kern="1200">
+        <a:solidFill>
+          <a:schemeClr val="tx1"/>
+        </a:solidFill>
+        <a:latin typeface="+mn-lt"/>
+        <a:ea typeface="+mn-ea"/>
+        <a:cs typeface="+mn-cs"/>
+      </a:defRPr>
+    </a:lvl5pPr>
+    <a:lvl6pPr marL="2286000" algn="l" defTabSz="914400" rtl="0" eaLnBrk="1" latinLnBrk="0" hangingPunct="1">
+      <a:defRPr sz="1200" kern="1200">
+        <a:solidFill>
+          <a:schemeClr val="tx1"/>
+        </a:solidFill>
+        <a:latin typeface="+mn-lt"/>
+        <a:ea typeface="+mn-ea"/>
+        <a:cs typeface="+mn-cs"/>
+      </a:defRPr>
+    </a:lvl6pPr>
+    <a:lvl7pPr marL="2743200" algn="l" defTabSz="914400" rtl="0" eaLnBrk="1" latinLnBrk="0" hangingPunct="1">
+      <a:defRPr sz="1200" kern="1200">
+        <a:solidFill>
+          <a:schemeClr val="tx1"/>
+        </a:solidFill>
+        <a:latin typeface="+mn-lt"/>
+        <a:ea typeface="+mn-ea"/>
+        <a:cs typeface="+mn-cs"/>
+      </a:defRPr>
+    </a:lvl7pPr>
+    <a:lvl8pPr marL="3200400" algn="l" defTabSz="914400" rtl="0" eaLnBrk="1" latinLnBrk="0" hangingPunct="1">
+      <a:defRPr sz="1200" kern="1200">
+        <a:solidFill>
+          <a:schemeClr val="tx1"/>
+        </a:solidFill>
+        <a:latin typeface="+mn-lt"/>
+        <a:ea typeface="+mn-ea"/>
+        <a:cs typeface="+mn-cs"/>
+      </a:defRPr>
+    </a:lvl8pPr>
+    <a:lvl9pPr marL="3657600" algn="l" defTabSz="914400" rtl="0" eaLnBrk="1" latinLnBrk="0" hangingPunct="1">
+      <a:defRPr sz="1200" kern="1200">
+        <a:solidFill>
+          <a:schemeClr val="tx1"/>
+        </a:solidFill>
+        <a:latin typeface="+mn-lt"/>
+        <a:ea typeface="+mn-ea"/>
+        <a:cs typeface="+mn-cs"/>
+      </a:defRPr>
+    </a:lvl9pPr>
+  </p:notesStyle>
+</p:notesMaster>
 </file>
 
-<file path=ppt/slideLayouts/slideLayout10.xml><?xml version="1.0" encoding="utf-8"?>
-<p:sldLayout xmlns:a="http://schemas.openxmlformats.org/drawingml/2006/main" xmlns:r="http://schemas.openxmlformats.org/officeDocument/2006/relationships" xmlns:p="http://schemas.openxmlformats.org/presentationml/2006/main" type="vertTx" preserve="1">
-  <p:cSld name="Título e texto vertical">
+<file path=ppt/notesSlides/notesSlide1.xml><?xml version="1.0" encoding="utf-8"?>
+<p:notes xmlns:a="http://schemas.openxmlformats.org/drawingml/2006/main" xmlns:r="http://schemas.openxmlformats.org/officeDocument/2006/relationships" xmlns:p="http://schemas.openxmlformats.org/presentationml/2006/main">
+  <p:cSld>
     <p:spTree>
       <p:nvGrpSpPr>
         <p:cNvPr id="1" name=""/>
@@ -369,155 +500,91 @@
       </p:grpSpPr>
       <p:sp>
         <p:nvSpPr>
-          <p:cNvPr id="2" name="Título 1"/>
-          <p:cNvSpPr>
-            <a:spLocks noGrp="1"/>
-          </p:cNvSpPr>
-          <p:nvPr>
-            <p:ph type="title"/>
+          <p:cNvPr id="2" name="Espaço Reservado para Imagem de Slide 1"/>
+          <p:cNvSpPr>
+            <a:spLocks noGrp="1" noRot="1" noChangeAspect="1"/>
+          </p:cNvSpPr>
+          <p:nvPr>
+            <p:ph type="sldImg"/>
           </p:nvPr>
         </p:nvSpPr>
         <p:spPr/>
+      </p:sp>
+      <p:sp>
+        <p:nvSpPr>
+          <p:cNvPr id="3" name="Espaço Reservado para Anotações 2"/>
+          <p:cNvSpPr>
+            <a:spLocks noGrp="1"/>
+          </p:cNvSpPr>
+          <p:nvPr>
+            <p:ph type="body" idx="1"/>
+          </p:nvPr>
+        </p:nvSpPr>
+        <p:spPr/>
         <p:txBody>
           <a:bodyPr/>
           <a:lstStyle/>
           <a:p>
-            <a:r>
+            <a:pPr marL="0" marR="0" lvl="0" indent="0" algn="l" defTabSz="914400" rtl="0" eaLnBrk="1" fontAlgn="auto" latinLnBrk="0" hangingPunct="1">
+              <a:lnSpc>
+                <a:spcPct val="100000"/>
+              </a:lnSpc>
+              <a:spcBef>
+                <a:spcPts val="0"/>
+              </a:spcBef>
+              <a:spcAft>
+                <a:spcPts val="0"/>
+              </a:spcAft>
+              <a:buClrTx/>
+              <a:buSzTx/>
+              <a:buFontTx/>
+              <a:buNone/>
+              <a:tabLst/>
+              <a:defRPr/>
+            </a:pPr>
+            <a:endParaRPr lang="pt-BR" dirty="0"/>
+          </a:p>
+        </p:txBody>
+      </p:sp>
+      <p:sp>
+        <p:nvSpPr>
+          <p:cNvPr id="4" name="Espaço Reservado para Número de Slide 3"/>
+          <p:cNvSpPr>
+            <a:spLocks noGrp="1"/>
+          </p:cNvSpPr>
+          <p:nvPr>
+            <p:ph type="sldNum" sz="quarter" idx="5"/>
+          </p:nvPr>
+        </p:nvSpPr>
+        <p:spPr/>
+        <p:txBody>
+          <a:bodyPr/>
+          <a:lstStyle/>
+          <a:p>
+            <a:fld id="{8B9F854E-D71C-4D23-B3BF-1322E693D0A2}" type="slidenum">
               <a:rPr lang="pt-BR" smtClean="0"/>
-              <a:t>Clique para editar o estilo do título mestre</a:t>
-            </a:r>
-            <a:endParaRPr lang="pt-BR"/>
-          </a:p>
-        </p:txBody>
-      </p:sp>
-      <p:sp>
-        <p:nvSpPr>
-          <p:cNvPr id="3" name="Espaço Reservado para Texto Vertical 2"/>
-          <p:cNvSpPr>
-            <a:spLocks noGrp="1"/>
-          </p:cNvSpPr>
-          <p:nvPr>
-            <p:ph type="body" orient="vert" idx="1"/>
-          </p:nvPr>
-        </p:nvSpPr>
-        <p:spPr/>
-        <p:txBody>
-          <a:bodyPr vert="eaVert"/>
-          <a:lstStyle/>
-          <a:p>
-            <a:pPr lvl="0"/>
-            <a:r>
-              <a:rPr lang="pt-BR" smtClean="0"/>
-              <a:t>Clique para editar os estilos do texto mestre</a:t>
-            </a:r>
-          </a:p>
-          <a:p>
-            <a:pPr lvl="1"/>
-            <a:r>
-              <a:rPr lang="pt-BR" smtClean="0"/>
-              <a:t>Segundo nível</a:t>
-            </a:r>
-          </a:p>
-          <a:p>
-            <a:pPr lvl="2"/>
-            <a:r>
-              <a:rPr lang="pt-BR" smtClean="0"/>
-              <a:t>Terceiro nível</a:t>
-            </a:r>
-          </a:p>
-          <a:p>
-            <a:pPr lvl="3"/>
-            <a:r>
-              <a:rPr lang="pt-BR" smtClean="0"/>
-              <a:t>Quarto nível</a:t>
-            </a:r>
-          </a:p>
-          <a:p>
-            <a:pPr lvl="4"/>
-            <a:r>
-              <a:rPr lang="pt-BR" smtClean="0"/>
-              <a:t>Quinto nível</a:t>
-            </a:r>
-            <a:endParaRPr lang="pt-BR"/>
-          </a:p>
-        </p:txBody>
-      </p:sp>
-      <p:sp>
-        <p:nvSpPr>
-          <p:cNvPr id="4" name="Espaço Reservado para Data 3"/>
-          <p:cNvSpPr>
-            <a:spLocks noGrp="1"/>
-          </p:cNvSpPr>
-          <p:nvPr>
-            <p:ph type="dt" sz="half" idx="10"/>
-          </p:nvPr>
-        </p:nvSpPr>
-        <p:spPr/>
-        <p:txBody>
-          <a:bodyPr/>
-          <a:lstStyle/>
-          <a:p>
-            <a:fld id="{39F04FFC-F542-43E7-9AF8-932ABA3A3110}" type="datetimeFigureOut">
-              <a:rPr lang="pt-BR" smtClean="0"/>
-              <a:t>25/04/2016</a:t>
+              <a:t>2</a:t>
             </a:fld>
             <a:endParaRPr lang="pt-BR"/>
           </a:p>
         </p:txBody>
       </p:sp>
-      <p:sp>
-        <p:nvSpPr>
-          <p:cNvPr id="5" name="Espaço Reservado para Rodapé 4"/>
-          <p:cNvSpPr>
-            <a:spLocks noGrp="1"/>
-          </p:cNvSpPr>
-          <p:nvPr>
-            <p:ph type="ftr" sz="quarter" idx="11"/>
-          </p:nvPr>
-        </p:nvSpPr>
-        <p:spPr/>
-        <p:txBody>
-          <a:bodyPr/>
-          <a:lstStyle/>
-          <a:p>
-            <a:endParaRPr lang="pt-BR"/>
-          </a:p>
-        </p:txBody>
-      </p:sp>
-      <p:sp>
-        <p:nvSpPr>
-          <p:cNvPr id="6" name="Espaço Reservado para Número de Slide 5"/>
-          <p:cNvSpPr>
-            <a:spLocks noGrp="1"/>
-          </p:cNvSpPr>
-          <p:nvPr>
-            <p:ph type="sldNum" sz="quarter" idx="12"/>
-          </p:nvPr>
-        </p:nvSpPr>
-        <p:spPr/>
-        <p:txBody>
-          <a:bodyPr/>
-          <a:lstStyle/>
-          <a:p>
-            <a:fld id="{0F69E2D7-9232-4386-800D-D41BF41C2FD8}" type="slidenum">
-              <a:rPr lang="pt-BR" smtClean="0"/>
-              <a:t>‹nº›</a:t>
-            </a:fld>
-            <a:endParaRPr lang="pt-BR"/>
-          </a:p>
-        </p:txBody>
-      </p:sp>
     </p:spTree>
+    <p:extLst>
+      <p:ext uri="{BB962C8B-B14F-4D97-AF65-F5344CB8AC3E}">
+        <p14:creationId xmlns:p14="http://schemas.microsoft.com/office/powerpoint/2010/main" val="361685186"/>
+      </p:ext>
+    </p:extLst>
   </p:cSld>
   <p:clrMapOvr>
     <a:masterClrMapping/>
   </p:clrMapOvr>
-</p:sldLayout>
+</p:notes>
 </file>
 
-<file path=ppt/slideLayouts/slideLayout11.xml><?xml version="1.0" encoding="utf-8"?>
-<p:sldLayout xmlns:a="http://schemas.openxmlformats.org/drawingml/2006/main" xmlns:r="http://schemas.openxmlformats.org/officeDocument/2006/relationships" xmlns:p="http://schemas.openxmlformats.org/presentationml/2006/main" type="vertTitleAndTx" preserve="1">
-  <p:cSld name="Título e texto verticais">
+<file path=ppt/slideLayouts/slideLayout1.xml><?xml version="1.0" encoding="utf-8"?>
+<p:sldLayout xmlns:a="http://schemas.openxmlformats.org/drawingml/2006/main" xmlns:r="http://schemas.openxmlformats.org/officeDocument/2006/relationships" xmlns:p="http://schemas.openxmlformats.org/presentationml/2006/main" showMasterSp="0" type="title" preserve="1">
+  <p:cSld name="Slide de Título">
     <p:spTree>
       <p:nvGrpSpPr>
         <p:cNvPr id="1" name=""/>
@@ -532,94 +599,769 @@
           <a:chExt cx="0" cy="0"/>
         </a:xfrm>
       </p:grpSpPr>
-      <p:sp>
-        <p:nvSpPr>
-          <p:cNvPr id="2" name="Título Vertical 1"/>
-          <p:cNvSpPr>
-            <a:spLocks noGrp="1"/>
-          </p:cNvSpPr>
-          <p:nvPr>
-            <p:ph type="title" orient="vert"/>
+      <p:grpSp>
+        <p:nvGrpSpPr>
+          <p:cNvPr id="7" name="Group 6"/>
+          <p:cNvGrpSpPr/>
+          <p:nvPr/>
+        </p:nvGrpSpPr>
+        <p:grpSpPr>
+          <a:xfrm>
+            <a:off x="-8466" y="-8468"/>
+            <a:ext cx="9169804" cy="6874935"/>
+            <a:chOff x="-8466" y="-8468"/>
+            <a:chExt cx="9169804" cy="6874935"/>
+          </a:xfrm>
+        </p:grpSpPr>
+        <p:cxnSp>
+          <p:nvCxnSpPr>
+            <p:cNvPr id="17" name="Straight Connector 16"/>
+            <p:cNvCxnSpPr/>
+            <p:nvPr/>
+          </p:nvCxnSpPr>
+          <p:spPr>
+            <a:xfrm flipV="1">
+              <a:off x="5130830" y="4175605"/>
+              <a:ext cx="4022475" cy="2682396"/>
+            </a:xfrm>
+            <a:prstGeom prst="line">
+              <a:avLst/>
+            </a:prstGeom>
+            <a:ln w="9525">
+              <a:solidFill>
+                <a:schemeClr val="bg1">
+                  <a:lumMod val="85000"/>
+                </a:schemeClr>
+              </a:solidFill>
+            </a:ln>
+          </p:spPr>
+          <p:style>
+            <a:lnRef idx="2">
+              <a:schemeClr val="accent1"/>
+            </a:lnRef>
+            <a:fillRef idx="0">
+              <a:schemeClr val="accent1"/>
+            </a:fillRef>
+            <a:effectRef idx="1">
+              <a:schemeClr val="accent1"/>
+            </a:effectRef>
+            <a:fontRef idx="minor">
+              <a:schemeClr val="tx1"/>
+            </a:fontRef>
+          </p:style>
+        </p:cxnSp>
+        <p:cxnSp>
+          <p:nvCxnSpPr>
+            <p:cNvPr id="18" name="Straight Connector 17"/>
+            <p:cNvCxnSpPr/>
+            <p:nvPr/>
+          </p:nvCxnSpPr>
+          <p:spPr>
+            <a:xfrm>
+              <a:off x="7042707" y="0"/>
+              <a:ext cx="1219200" cy="6858000"/>
+            </a:xfrm>
+            <a:prstGeom prst="line">
+              <a:avLst/>
+            </a:prstGeom>
+            <a:ln w="9525">
+              <a:solidFill>
+                <a:schemeClr val="bg1">
+                  <a:lumMod val="75000"/>
+                </a:schemeClr>
+              </a:solidFill>
+            </a:ln>
+          </p:spPr>
+          <p:style>
+            <a:lnRef idx="2">
+              <a:schemeClr val="accent1"/>
+            </a:lnRef>
+            <a:fillRef idx="0">
+              <a:schemeClr val="accent1"/>
+            </a:fillRef>
+            <a:effectRef idx="1">
+              <a:schemeClr val="accent1"/>
+            </a:effectRef>
+            <a:fontRef idx="minor">
+              <a:schemeClr val="tx1"/>
+            </a:fontRef>
+          </p:style>
+        </p:cxnSp>
+        <p:sp>
+          <p:nvSpPr>
+            <p:cNvPr id="19" name="Freeform 18"/>
+            <p:cNvSpPr/>
+            <p:nvPr/>
+          </p:nvSpPr>
+          <p:spPr>
+            <a:xfrm>
+              <a:off x="6891896" y="1"/>
+              <a:ext cx="2269442" cy="6866466"/>
+            </a:xfrm>
+            <a:custGeom>
+              <a:avLst/>
+              <a:gdLst/>
+              <a:ahLst/>
+              <a:cxnLst/>
+              <a:rect l="l" t="t" r="r" b="b"/>
+              <a:pathLst>
+                <a:path w="2269442" h="6866466">
+                  <a:moveTo>
+                    <a:pt x="2023534" y="0"/>
+                  </a:moveTo>
+                  <a:lnTo>
+                    <a:pt x="0" y="6858000"/>
+                  </a:lnTo>
+                  <a:lnTo>
+                    <a:pt x="2269067" y="6866466"/>
+                  </a:lnTo>
+                  <a:cubicBezTo>
+                    <a:pt x="2271889" y="4580466"/>
+                    <a:pt x="2257778" y="2294466"/>
+                    <a:pt x="2260600" y="8466"/>
+                  </a:cubicBezTo>
+                  <a:lnTo>
+                    <a:pt x="2023534" y="0"/>
+                  </a:lnTo>
+                  <a:close/>
+                </a:path>
+              </a:pathLst>
+            </a:custGeom>
+            <a:solidFill>
+              <a:schemeClr val="accent1">
+                <a:alpha val="30000"/>
+              </a:schemeClr>
+            </a:solidFill>
+            <a:ln>
+              <a:noFill/>
+            </a:ln>
+            <a:effectLst/>
+          </p:spPr>
+          <p:style>
+            <a:lnRef idx="1">
+              <a:schemeClr val="accent1"/>
+            </a:lnRef>
+            <a:fillRef idx="3">
+              <a:schemeClr val="accent1"/>
+            </a:fillRef>
+            <a:effectRef idx="2">
+              <a:schemeClr val="accent1"/>
+            </a:effectRef>
+            <a:fontRef idx="minor">
+              <a:schemeClr val="lt1"/>
+            </a:fontRef>
+          </p:style>
+        </p:sp>
+        <p:sp>
+          <p:nvSpPr>
+            <p:cNvPr id="20" name="Freeform 19"/>
+            <p:cNvSpPr/>
+            <p:nvPr/>
+          </p:nvSpPr>
+          <p:spPr>
+            <a:xfrm>
+              <a:off x="7205158" y="-8467"/>
+              <a:ext cx="1948147" cy="6866467"/>
+            </a:xfrm>
+            <a:custGeom>
+              <a:avLst/>
+              <a:gdLst/>
+              <a:ahLst/>
+              <a:cxnLst/>
+              <a:rect l="l" t="t" r="r" b="b"/>
+              <a:pathLst>
+                <a:path w="1948147" h="6866467">
+                  <a:moveTo>
+                    <a:pt x="0" y="0"/>
+                  </a:moveTo>
+                  <a:lnTo>
+                    <a:pt x="1202267" y="6866467"/>
+                  </a:lnTo>
+                  <a:lnTo>
+                    <a:pt x="1947333" y="6866467"/>
+                  </a:lnTo>
+                  <a:cubicBezTo>
+                    <a:pt x="1944511" y="4577645"/>
+                    <a:pt x="1950155" y="2288822"/>
+                    <a:pt x="1947333" y="0"/>
+                  </a:cubicBezTo>
+                  <a:lnTo>
+                    <a:pt x="0" y="0"/>
+                  </a:lnTo>
+                  <a:close/>
+                </a:path>
+              </a:pathLst>
+            </a:custGeom>
+            <a:solidFill>
+              <a:schemeClr val="accent1">
+                <a:alpha val="20000"/>
+              </a:schemeClr>
+            </a:solidFill>
+            <a:ln>
+              <a:noFill/>
+            </a:ln>
+            <a:effectLst/>
+          </p:spPr>
+          <p:style>
+            <a:lnRef idx="1">
+              <a:schemeClr val="accent1"/>
+            </a:lnRef>
+            <a:fillRef idx="3">
+              <a:schemeClr val="accent1"/>
+            </a:fillRef>
+            <a:effectRef idx="2">
+              <a:schemeClr val="accent1"/>
+            </a:effectRef>
+            <a:fontRef idx="minor">
+              <a:schemeClr val="lt1"/>
+            </a:fontRef>
+          </p:style>
+        </p:sp>
+        <p:sp>
+          <p:nvSpPr>
+            <p:cNvPr id="21" name="Freeform 20"/>
+            <p:cNvSpPr/>
+            <p:nvPr/>
+          </p:nvSpPr>
+          <p:spPr>
+            <a:xfrm>
+              <a:off x="6637896" y="3920066"/>
+              <a:ext cx="2513565" cy="2937933"/>
+            </a:xfrm>
+            <a:custGeom>
+              <a:avLst/>
+              <a:gdLst/>
+              <a:ahLst/>
+              <a:cxnLst/>
+              <a:rect l="l" t="t" r="r" b="b"/>
+              <a:pathLst>
+                <a:path w="3259667" h="3810000">
+                  <a:moveTo>
+                    <a:pt x="0" y="3810000"/>
+                  </a:moveTo>
+                  <a:lnTo>
+                    <a:pt x="3251200" y="0"/>
+                  </a:lnTo>
+                  <a:cubicBezTo>
+                    <a:pt x="3254022" y="1270000"/>
+                    <a:pt x="3256845" y="2540000"/>
+                    <a:pt x="3259667" y="3810000"/>
+                  </a:cubicBezTo>
+                  <a:lnTo>
+                    <a:pt x="0" y="3810000"/>
+                  </a:lnTo>
+                  <a:close/>
+                </a:path>
+              </a:pathLst>
+            </a:custGeom>
+            <a:solidFill>
+              <a:schemeClr val="accent2">
+                <a:alpha val="72000"/>
+              </a:schemeClr>
+            </a:solidFill>
+            <a:ln>
+              <a:noFill/>
+            </a:ln>
+            <a:effectLst/>
+          </p:spPr>
+          <p:style>
+            <a:lnRef idx="1">
+              <a:schemeClr val="accent1"/>
+            </a:lnRef>
+            <a:fillRef idx="3">
+              <a:schemeClr val="accent1"/>
+            </a:fillRef>
+            <a:effectRef idx="2">
+              <a:schemeClr val="accent1"/>
+            </a:effectRef>
+            <a:fontRef idx="minor">
+              <a:schemeClr val="lt1"/>
+            </a:fontRef>
+          </p:style>
+        </p:sp>
+        <p:sp>
+          <p:nvSpPr>
+            <p:cNvPr id="22" name="Freeform 21"/>
+            <p:cNvSpPr/>
+            <p:nvPr/>
+          </p:nvSpPr>
+          <p:spPr>
+            <a:xfrm>
+              <a:off x="7010429" y="-8467"/>
+              <a:ext cx="2142876" cy="6866467"/>
+            </a:xfrm>
+            <a:custGeom>
+              <a:avLst/>
+              <a:gdLst/>
+              <a:ahLst/>
+              <a:cxnLst/>
+              <a:rect l="l" t="t" r="r" b="b"/>
+              <a:pathLst>
+                <a:path w="2853267" h="6866467">
+                  <a:moveTo>
+                    <a:pt x="0" y="0"/>
+                  </a:moveTo>
+                  <a:lnTo>
+                    <a:pt x="2472267" y="6866467"/>
+                  </a:lnTo>
+                  <a:lnTo>
+                    <a:pt x="2853267" y="6858000"/>
+                  </a:lnTo>
+                  <a:lnTo>
+                    <a:pt x="2853267" y="0"/>
+                  </a:lnTo>
+                  <a:lnTo>
+                    <a:pt x="0" y="0"/>
+                  </a:lnTo>
+                  <a:close/>
+                </a:path>
+              </a:pathLst>
+            </a:custGeom>
+            <a:solidFill>
+              <a:schemeClr val="accent2">
+                <a:lumMod val="75000"/>
+                <a:alpha val="70000"/>
+              </a:schemeClr>
+            </a:solidFill>
+            <a:ln>
+              <a:noFill/>
+            </a:ln>
+            <a:effectLst/>
+          </p:spPr>
+          <p:style>
+            <a:lnRef idx="1">
+              <a:schemeClr val="accent1"/>
+            </a:lnRef>
+            <a:fillRef idx="3">
+              <a:schemeClr val="accent1"/>
+            </a:fillRef>
+            <a:effectRef idx="2">
+              <a:schemeClr val="accent1"/>
+            </a:effectRef>
+            <a:fontRef idx="minor">
+              <a:schemeClr val="lt1"/>
+            </a:fontRef>
+          </p:style>
+        </p:sp>
+        <p:sp>
+          <p:nvSpPr>
+            <p:cNvPr id="23" name="Freeform 22"/>
+            <p:cNvSpPr/>
+            <p:nvPr/>
+          </p:nvSpPr>
+          <p:spPr>
+            <a:xfrm>
+              <a:off x="8295776" y="-8467"/>
+              <a:ext cx="857530" cy="6866467"/>
+            </a:xfrm>
+            <a:custGeom>
+              <a:avLst/>
+              <a:gdLst/>
+              <a:ahLst/>
+              <a:cxnLst/>
+              <a:rect l="l" t="t" r="r" b="b"/>
+              <a:pathLst>
+                <a:path w="1286933" h="6866467">
+                  <a:moveTo>
+                    <a:pt x="1016000" y="0"/>
+                  </a:moveTo>
+                  <a:lnTo>
+                    <a:pt x="0" y="6866467"/>
+                  </a:lnTo>
+                  <a:lnTo>
+                    <a:pt x="1286933" y="6866467"/>
+                  </a:lnTo>
+                  <a:cubicBezTo>
+                    <a:pt x="1284111" y="4577645"/>
+                    <a:pt x="1281288" y="2288822"/>
+                    <a:pt x="1278466" y="0"/>
+                  </a:cubicBezTo>
+                  <a:lnTo>
+                    <a:pt x="1016000" y="0"/>
+                  </a:lnTo>
+                  <a:close/>
+                </a:path>
+              </a:pathLst>
+            </a:custGeom>
+            <a:solidFill>
+              <a:schemeClr val="accent1">
+                <a:lumMod val="60000"/>
+                <a:lumOff val="40000"/>
+                <a:alpha val="70000"/>
+              </a:schemeClr>
+            </a:solidFill>
+            <a:ln>
+              <a:noFill/>
+            </a:ln>
+            <a:effectLst/>
+          </p:spPr>
+          <p:style>
+            <a:lnRef idx="1">
+              <a:schemeClr val="accent1"/>
+            </a:lnRef>
+            <a:fillRef idx="3">
+              <a:schemeClr val="accent1"/>
+            </a:fillRef>
+            <a:effectRef idx="2">
+              <a:schemeClr val="accent1"/>
+            </a:effectRef>
+            <a:fontRef idx="minor">
+              <a:schemeClr val="lt1"/>
+            </a:fontRef>
+          </p:style>
+        </p:sp>
+        <p:sp>
+          <p:nvSpPr>
+            <p:cNvPr id="24" name="Freeform 23"/>
+            <p:cNvSpPr/>
+            <p:nvPr/>
+          </p:nvSpPr>
+          <p:spPr>
+            <a:xfrm>
+              <a:off x="8077231" y="-8468"/>
+              <a:ext cx="1066770" cy="6866467"/>
+            </a:xfrm>
+            <a:custGeom>
+              <a:avLst/>
+              <a:gdLst/>
+              <a:ahLst/>
+              <a:cxnLst/>
+              <a:rect l="l" t="t" r="r" b="b"/>
+              <a:pathLst>
+                <a:path w="1270244" h="6866467">
+                  <a:moveTo>
+                    <a:pt x="0" y="0"/>
+                  </a:moveTo>
+                  <a:lnTo>
+                    <a:pt x="1117600" y="6866467"/>
+                  </a:lnTo>
+                  <a:lnTo>
+                    <a:pt x="1270000" y="6866467"/>
+                  </a:lnTo>
+                  <a:cubicBezTo>
+                    <a:pt x="1272822" y="4574822"/>
+                    <a:pt x="1250245" y="2291645"/>
+                    <a:pt x="1253067" y="0"/>
+                  </a:cubicBezTo>
+                  <a:lnTo>
+                    <a:pt x="0" y="0"/>
+                  </a:lnTo>
+                  <a:close/>
+                </a:path>
+              </a:pathLst>
+            </a:custGeom>
+            <a:solidFill>
+              <a:schemeClr val="accent1">
+                <a:alpha val="65000"/>
+              </a:schemeClr>
+            </a:solidFill>
+            <a:ln>
+              <a:noFill/>
+            </a:ln>
+            <a:effectLst/>
+          </p:spPr>
+          <p:style>
+            <a:lnRef idx="1">
+              <a:schemeClr val="accent1"/>
+            </a:lnRef>
+            <a:fillRef idx="3">
+              <a:schemeClr val="accent1"/>
+            </a:fillRef>
+            <a:effectRef idx="2">
+              <a:schemeClr val="accent1"/>
+            </a:effectRef>
+            <a:fontRef idx="minor">
+              <a:schemeClr val="lt1"/>
+            </a:fontRef>
+          </p:style>
+        </p:sp>
+        <p:sp>
+          <p:nvSpPr>
+            <p:cNvPr id="25" name="Freeform 24"/>
+            <p:cNvSpPr/>
+            <p:nvPr/>
+          </p:nvSpPr>
+          <p:spPr>
+            <a:xfrm>
+              <a:off x="8060297" y="4893733"/>
+              <a:ext cx="1094086" cy="1964267"/>
+            </a:xfrm>
+            <a:custGeom>
+              <a:avLst/>
+              <a:gdLst/>
+              <a:ahLst/>
+              <a:cxnLst/>
+              <a:rect l="l" t="t" r="r" b="b"/>
+              <a:pathLst>
+                <a:path w="1820333" h="3268133">
+                  <a:moveTo>
+                    <a:pt x="0" y="3268133"/>
+                  </a:moveTo>
+                  <a:lnTo>
+                    <a:pt x="1811866" y="0"/>
+                  </a:lnTo>
+                  <a:cubicBezTo>
+                    <a:pt x="1814688" y="1086555"/>
+                    <a:pt x="1817511" y="2173111"/>
+                    <a:pt x="1820333" y="3259666"/>
+                  </a:cubicBezTo>
+                  <a:lnTo>
+                    <a:pt x="0" y="3268133"/>
+                  </a:lnTo>
+                  <a:close/>
+                </a:path>
+              </a:pathLst>
+            </a:custGeom>
+            <a:solidFill>
+              <a:schemeClr val="accent1">
+                <a:alpha val="80000"/>
+              </a:schemeClr>
+            </a:solidFill>
+            <a:ln>
+              <a:noFill/>
+            </a:ln>
+            <a:effectLst/>
+          </p:spPr>
+          <p:style>
+            <a:lnRef idx="1">
+              <a:schemeClr val="accent1"/>
+            </a:lnRef>
+            <a:fillRef idx="3">
+              <a:schemeClr val="accent1"/>
+            </a:fillRef>
+            <a:effectRef idx="2">
+              <a:schemeClr val="accent1"/>
+            </a:effectRef>
+            <a:fontRef idx="minor">
+              <a:schemeClr val="lt1"/>
+            </a:fontRef>
+          </p:style>
+        </p:sp>
+        <p:sp>
+          <p:nvSpPr>
+            <p:cNvPr id="28" name="Freeform 27"/>
+            <p:cNvSpPr/>
+            <p:nvPr/>
+          </p:nvSpPr>
+          <p:spPr>
+            <a:xfrm>
+              <a:off x="-8466" y="-8468"/>
+              <a:ext cx="863600" cy="5698067"/>
+            </a:xfrm>
+            <a:custGeom>
+              <a:avLst/>
+              <a:gdLst/>
+              <a:ahLst/>
+              <a:cxnLst/>
+              <a:rect l="l" t="t" r="r" b="b"/>
+              <a:pathLst>
+                <a:path w="863600" h="5698067">
+                  <a:moveTo>
+                    <a:pt x="0" y="8467"/>
+                  </a:moveTo>
+                  <a:lnTo>
+                    <a:pt x="863600" y="0"/>
+                  </a:lnTo>
+                  <a:lnTo>
+                    <a:pt x="863600" y="16934"/>
+                  </a:lnTo>
+                  <a:lnTo>
+                    <a:pt x="0" y="5698067"/>
+                  </a:lnTo>
+                  <a:lnTo>
+                    <a:pt x="0" y="8467"/>
+                  </a:lnTo>
+                  <a:close/>
+                </a:path>
+              </a:pathLst>
+            </a:custGeom>
+            <a:solidFill>
+              <a:schemeClr val="accent1">
+                <a:alpha val="85000"/>
+              </a:schemeClr>
+            </a:solidFill>
+            <a:ln>
+              <a:noFill/>
+            </a:ln>
+            <a:effectLst/>
+          </p:spPr>
+          <p:style>
+            <a:lnRef idx="1">
+              <a:schemeClr val="accent1"/>
+            </a:lnRef>
+            <a:fillRef idx="3">
+              <a:schemeClr val="accent1"/>
+            </a:fillRef>
+            <a:effectRef idx="2">
+              <a:schemeClr val="accent1"/>
+            </a:effectRef>
+            <a:fontRef idx="minor">
+              <a:schemeClr val="lt1"/>
+            </a:fontRef>
+          </p:style>
+        </p:sp>
+      </p:grpSp>
+      <p:sp>
+        <p:nvSpPr>
+          <p:cNvPr id="2" name="Title 1"/>
+          <p:cNvSpPr>
+            <a:spLocks noGrp="1"/>
+          </p:cNvSpPr>
+          <p:nvPr>
+            <p:ph type="ctrTitle"/>
           </p:nvPr>
         </p:nvSpPr>
         <p:spPr>
           <a:xfrm>
-            <a:off x="6629400" y="274638"/>
-            <a:ext cx="2057400" cy="5851525"/>
+            <a:off x="1130595" y="2404534"/>
+            <a:ext cx="5826719" cy="1646302"/>
           </a:xfrm>
         </p:spPr>
         <p:txBody>
-          <a:bodyPr vert="eaVert"/>
-          <a:lstStyle/>
-          <a:p>
-            <a:r>
-              <a:rPr lang="pt-BR" smtClean="0"/>
-              <a:t>Clique para editar o estilo do título mestre</a:t>
-            </a:r>
-            <a:endParaRPr lang="pt-BR"/>
-          </a:p>
-        </p:txBody>
-      </p:sp>
-      <p:sp>
-        <p:nvSpPr>
-          <p:cNvPr id="3" name="Espaço Reservado para Texto Vertical 2"/>
-          <p:cNvSpPr>
-            <a:spLocks noGrp="1"/>
-          </p:cNvSpPr>
-          <p:nvPr>
-            <p:ph type="body" orient="vert" idx="1"/>
+          <a:bodyPr anchor="b">
+            <a:noAutofit/>
+          </a:bodyPr>
+          <a:lstStyle>
+            <a:lvl1pPr algn="r">
+              <a:defRPr sz="5400">
+                <a:solidFill>
+                  <a:schemeClr val="accent1"/>
+                </a:solidFill>
+              </a:defRPr>
+            </a:lvl1pPr>
+          </a:lstStyle>
+          <a:p>
+            <a:r>
+              <a:rPr lang="pt-BR"/>
+              <a:t>Clique para editar o título Mestre</a:t>
+            </a:r>
+            <a:endParaRPr lang="en-US" dirty="0"/>
+          </a:p>
+        </p:txBody>
+      </p:sp>
+      <p:sp>
+        <p:nvSpPr>
+          <p:cNvPr id="3" name="Subtitle 2"/>
+          <p:cNvSpPr>
+            <a:spLocks noGrp="1"/>
+          </p:cNvSpPr>
+          <p:nvPr>
+            <p:ph type="subTitle" idx="1"/>
           </p:nvPr>
         </p:nvSpPr>
         <p:spPr>
           <a:xfrm>
-            <a:off x="457200" y="274638"/>
-            <a:ext cx="6019800" cy="5851525"/>
+            <a:off x="1130595" y="4050834"/>
+            <a:ext cx="5826719" cy="1096899"/>
           </a:xfrm>
         </p:spPr>
         <p:txBody>
-          <a:bodyPr vert="eaVert"/>
-          <a:lstStyle/>
-          <a:p>
-            <a:pPr lvl="0"/>
-            <a:r>
-              <a:rPr lang="pt-BR" smtClean="0"/>
-              <a:t>Clique para editar os estilos do texto mestre</a:t>
-            </a:r>
-          </a:p>
-          <a:p>
-            <a:pPr lvl="1"/>
-            <a:r>
-              <a:rPr lang="pt-BR" smtClean="0"/>
-              <a:t>Segundo nível</a:t>
-            </a:r>
-          </a:p>
-          <a:p>
-            <a:pPr lvl="2"/>
-            <a:r>
-              <a:rPr lang="pt-BR" smtClean="0"/>
-              <a:t>Terceiro nível</a:t>
-            </a:r>
-          </a:p>
-          <a:p>
-            <a:pPr lvl="3"/>
-            <a:r>
-              <a:rPr lang="pt-BR" smtClean="0"/>
-              <a:t>Quarto nível</a:t>
-            </a:r>
-          </a:p>
-          <a:p>
-            <a:pPr lvl="4"/>
-            <a:r>
-              <a:rPr lang="pt-BR" smtClean="0"/>
-              <a:t>Quinto nível</a:t>
-            </a:r>
-            <a:endParaRPr lang="pt-BR"/>
-          </a:p>
-        </p:txBody>
-      </p:sp>
-      <p:sp>
-        <p:nvSpPr>
-          <p:cNvPr id="4" name="Espaço Reservado para Data 3"/>
+          <a:bodyPr anchor="t"/>
+          <a:lstStyle>
+            <a:lvl1pPr marL="0" indent="0" algn="r">
+              <a:buNone/>
+              <a:defRPr>
+                <a:solidFill>
+                  <a:schemeClr val="tx1">
+                    <a:lumMod val="50000"/>
+                    <a:lumOff val="50000"/>
+                  </a:schemeClr>
+                </a:solidFill>
+              </a:defRPr>
+            </a:lvl1pPr>
+            <a:lvl2pPr marL="457200" indent="0" algn="ctr">
+              <a:buNone/>
+              <a:defRPr>
+                <a:solidFill>
+                  <a:schemeClr val="tx1">
+                    <a:tint val="75000"/>
+                  </a:schemeClr>
+                </a:solidFill>
+              </a:defRPr>
+            </a:lvl2pPr>
+            <a:lvl3pPr marL="914400" indent="0" algn="ctr">
+              <a:buNone/>
+              <a:defRPr>
+                <a:solidFill>
+                  <a:schemeClr val="tx1">
+                    <a:tint val="75000"/>
+                  </a:schemeClr>
+                </a:solidFill>
+              </a:defRPr>
+            </a:lvl3pPr>
+            <a:lvl4pPr marL="1371600" indent="0" algn="ctr">
+              <a:buNone/>
+              <a:defRPr>
+                <a:solidFill>
+                  <a:schemeClr val="tx1">
+                    <a:tint val="75000"/>
+                  </a:schemeClr>
+                </a:solidFill>
+              </a:defRPr>
+            </a:lvl4pPr>
+            <a:lvl5pPr marL="1828800" indent="0" algn="ctr">
+              <a:buNone/>
+              <a:defRPr>
+                <a:solidFill>
+                  <a:schemeClr val="tx1">
+                    <a:tint val="75000"/>
+                  </a:schemeClr>
+                </a:solidFill>
+              </a:defRPr>
+            </a:lvl5pPr>
+            <a:lvl6pPr marL="2286000" indent="0" algn="ctr">
+              <a:buNone/>
+              <a:defRPr>
+                <a:solidFill>
+                  <a:schemeClr val="tx1">
+                    <a:tint val="75000"/>
+                  </a:schemeClr>
+                </a:solidFill>
+              </a:defRPr>
+            </a:lvl6pPr>
+            <a:lvl7pPr marL="2743200" indent="0" algn="ctr">
+              <a:buNone/>
+              <a:defRPr>
+                <a:solidFill>
+                  <a:schemeClr val="tx1">
+                    <a:tint val="75000"/>
+                  </a:schemeClr>
+                </a:solidFill>
+              </a:defRPr>
+            </a:lvl7pPr>
+            <a:lvl8pPr marL="3200400" indent="0" algn="ctr">
+              <a:buNone/>
+              <a:defRPr>
+                <a:solidFill>
+                  <a:schemeClr val="tx1">
+                    <a:tint val="75000"/>
+                  </a:schemeClr>
+                </a:solidFill>
+              </a:defRPr>
+            </a:lvl8pPr>
+            <a:lvl9pPr marL="3657600" indent="0" algn="ctr">
+              <a:buNone/>
+              <a:defRPr>
+                <a:solidFill>
+                  <a:schemeClr val="tx1">
+                    <a:tint val="75000"/>
+                  </a:schemeClr>
+                </a:solidFill>
+              </a:defRPr>
+            </a:lvl9pPr>
+          </a:lstStyle>
+          <a:p>
+            <a:r>
+              <a:rPr lang="pt-BR"/>
+              <a:t>Clique para editar o estilo do subtítulo Mestre</a:t>
+            </a:r>
+            <a:endParaRPr lang="en-US" dirty="0"/>
+          </a:p>
+        </p:txBody>
+      </p:sp>
+      <p:sp>
+        <p:nvSpPr>
+          <p:cNvPr id="4" name="Date Placeholder 3"/>
           <p:cNvSpPr>
             <a:spLocks noGrp="1"/>
           </p:cNvSpPr>
@@ -634,7 +1376,7 @@
           <a:p>
             <a:fld id="{39F04FFC-F542-43E7-9AF8-932ABA3A3110}" type="datetimeFigureOut">
               <a:rPr lang="pt-BR" smtClean="0"/>
-              <a:t>25/04/2016</a:t>
+              <a:t>03/06/2019</a:t>
             </a:fld>
             <a:endParaRPr lang="pt-BR"/>
           </a:p>
@@ -642,7 +1384,7 @@
       </p:sp>
       <p:sp>
         <p:nvSpPr>
-          <p:cNvPr id="5" name="Espaço Reservado para Rodapé 4"/>
+          <p:cNvPr id="5" name="Footer Placeholder 4"/>
           <p:cNvSpPr>
             <a:spLocks noGrp="1"/>
           </p:cNvSpPr>
@@ -661,7 +1403,7 @@
       </p:sp>
       <p:sp>
         <p:nvSpPr>
-          <p:cNvPr id="6" name="Espaço Reservado para Número de Slide 5"/>
+          <p:cNvPr id="6" name="Slide Number Placeholder 5"/>
           <p:cNvSpPr>
             <a:spLocks noGrp="1"/>
           </p:cNvSpPr>
@@ -683,6 +1425,11 @@
         </p:txBody>
       </p:sp>
     </p:spTree>
+    <p:extLst>
+      <p:ext uri="{BB962C8B-B14F-4D97-AF65-F5344CB8AC3E}">
+        <p14:creationId xmlns:p14="http://schemas.microsoft.com/office/powerpoint/2010/main" val="4106750124"/>
+      </p:ext>
+    </p:extLst>
   </p:cSld>
   <p:clrMapOvr>
     <a:masterClrMapping/>
@@ -690,9 +1437,9 @@
 </p:sldLayout>
 </file>
 
-<file path=ppt/slideLayouts/slideLayout2.xml><?xml version="1.0" encoding="utf-8"?>
-<p:sldLayout xmlns:a="http://schemas.openxmlformats.org/drawingml/2006/main" xmlns:r="http://schemas.openxmlformats.org/officeDocument/2006/relationships" xmlns:p="http://schemas.openxmlformats.org/presentationml/2006/main" type="obj" preserve="1">
-  <p:cSld name="Título e conteúdo">
+<file path=ppt/slideLayouts/slideLayout10.xml><?xml version="1.0" encoding="utf-8"?>
+<p:sldLayout xmlns:a="http://schemas.openxmlformats.org/drawingml/2006/main" xmlns:r="http://schemas.openxmlformats.org/officeDocument/2006/relationships" xmlns:p="http://schemas.openxmlformats.org/presentationml/2006/main" preserve="1">
+  <p:cSld name="Título e Legenda">
     <p:spTree>
       <p:nvGrpSpPr>
         <p:cNvPr id="1" name=""/>
@@ -709,7 +1456,7 @@
       </p:grpSpPr>
       <p:sp>
         <p:nvSpPr>
-          <p:cNvPr id="2" name="Título 1"/>
+          <p:cNvPr id="2" name="Title 1"/>
           <p:cNvSpPr>
             <a:spLocks noGrp="1"/>
           </p:cNvSpPr>
@@ -717,74 +1464,155 @@
             <p:ph type="title"/>
           </p:nvPr>
         </p:nvSpPr>
-        <p:spPr/>
-        <p:txBody>
-          <a:bodyPr/>
-          <a:lstStyle/>
-          <a:p>
-            <a:r>
-              <a:rPr lang="pt-BR" smtClean="0"/>
-              <a:t>Clique para editar o estilo do título mestre</a:t>
-            </a:r>
-            <a:endParaRPr lang="pt-BR"/>
-          </a:p>
-        </p:txBody>
-      </p:sp>
-      <p:sp>
-        <p:nvSpPr>
-          <p:cNvPr id="3" name="Espaço Reservado para Conteúdo 2"/>
-          <p:cNvSpPr>
-            <a:spLocks noGrp="1"/>
-          </p:cNvSpPr>
-          <p:nvPr>
-            <p:ph idx="1"/>
-          </p:nvPr>
-        </p:nvSpPr>
-        <p:spPr/>
-        <p:txBody>
-          <a:bodyPr/>
-          <a:lstStyle/>
+        <p:spPr>
+          <a:xfrm>
+            <a:off x="609600" y="609600"/>
+            <a:ext cx="6347714" cy="3403600"/>
+          </a:xfrm>
+        </p:spPr>
+        <p:txBody>
+          <a:bodyPr anchor="ctr">
+            <a:normAutofit/>
+          </a:bodyPr>
+          <a:lstStyle>
+            <a:lvl1pPr algn="l">
+              <a:defRPr sz="4400" b="0" cap="none"/>
+            </a:lvl1pPr>
+          </a:lstStyle>
+          <a:p>
+            <a:r>
+              <a:rPr lang="pt-BR"/>
+              <a:t>Clique para editar o título Mestre</a:t>
+            </a:r>
+            <a:endParaRPr lang="en-US" dirty="0"/>
+          </a:p>
+        </p:txBody>
+      </p:sp>
+      <p:sp>
+        <p:nvSpPr>
+          <p:cNvPr id="3" name="Text Placeholder 2"/>
+          <p:cNvSpPr>
+            <a:spLocks noGrp="1"/>
+          </p:cNvSpPr>
+          <p:nvPr>
+            <p:ph type="body" idx="1"/>
+          </p:nvPr>
+        </p:nvSpPr>
+        <p:spPr>
+          <a:xfrm>
+            <a:off x="609600" y="4470400"/>
+            <a:ext cx="6347714" cy="1570962"/>
+          </a:xfrm>
+        </p:spPr>
+        <p:txBody>
+          <a:bodyPr anchor="ctr">
+            <a:normAutofit/>
+          </a:bodyPr>
+          <a:lstStyle>
+            <a:lvl1pPr marL="0" indent="0" algn="l">
+              <a:buNone/>
+              <a:defRPr sz="1800">
+                <a:solidFill>
+                  <a:schemeClr val="tx1">
+                    <a:lumMod val="75000"/>
+                    <a:lumOff val="25000"/>
+                  </a:schemeClr>
+                </a:solidFill>
+              </a:defRPr>
+            </a:lvl1pPr>
+            <a:lvl2pPr marL="457200" indent="0">
+              <a:buNone/>
+              <a:defRPr sz="1800">
+                <a:solidFill>
+                  <a:schemeClr val="tx1">
+                    <a:tint val="75000"/>
+                  </a:schemeClr>
+                </a:solidFill>
+              </a:defRPr>
+            </a:lvl2pPr>
+            <a:lvl3pPr marL="914400" indent="0">
+              <a:buNone/>
+              <a:defRPr sz="1600">
+                <a:solidFill>
+                  <a:schemeClr val="tx1">
+                    <a:tint val="75000"/>
+                  </a:schemeClr>
+                </a:solidFill>
+              </a:defRPr>
+            </a:lvl3pPr>
+            <a:lvl4pPr marL="1371600" indent="0">
+              <a:buNone/>
+              <a:defRPr sz="1400">
+                <a:solidFill>
+                  <a:schemeClr val="tx1">
+                    <a:tint val="75000"/>
+                  </a:schemeClr>
+                </a:solidFill>
+              </a:defRPr>
+            </a:lvl4pPr>
+            <a:lvl5pPr marL="1828800" indent="0">
+              <a:buNone/>
+              <a:defRPr sz="1400">
+                <a:solidFill>
+                  <a:schemeClr val="tx1">
+                    <a:tint val="75000"/>
+                  </a:schemeClr>
+                </a:solidFill>
+              </a:defRPr>
+            </a:lvl5pPr>
+            <a:lvl6pPr marL="2286000" indent="0">
+              <a:buNone/>
+              <a:defRPr sz="1400">
+                <a:solidFill>
+                  <a:schemeClr val="tx1">
+                    <a:tint val="75000"/>
+                  </a:schemeClr>
+                </a:solidFill>
+              </a:defRPr>
+            </a:lvl6pPr>
+            <a:lvl7pPr marL="2743200" indent="0">
+              <a:buNone/>
+              <a:defRPr sz="1400">
+                <a:solidFill>
+                  <a:schemeClr val="tx1">
+                    <a:tint val="75000"/>
+                  </a:schemeClr>
+                </a:solidFill>
+              </a:defRPr>
+            </a:lvl7pPr>
+            <a:lvl8pPr marL="3200400" indent="0">
+              <a:buNone/>
+              <a:defRPr sz="1400">
+                <a:solidFill>
+                  <a:schemeClr val="tx1">
+                    <a:tint val="75000"/>
+                  </a:schemeClr>
+                </a:solidFill>
+              </a:defRPr>
+            </a:lvl8pPr>
+            <a:lvl9pPr marL="3657600" indent="0">
+              <a:buNone/>
+              <a:defRPr sz="1400">
+                <a:solidFill>
+                  <a:schemeClr val="tx1">
+                    <a:tint val="75000"/>
+                  </a:schemeClr>
+                </a:solidFill>
+              </a:defRPr>
+            </a:lvl9pPr>
+          </a:lstStyle>
           <a:p>
             <a:pPr lvl="0"/>
             <a:r>
-              <a:rPr lang="pt-BR" smtClean="0"/>
-              <a:t>Clique para editar os estilos do texto mestre</a:t>
-            </a:r>
-          </a:p>
-          <a:p>
-            <a:pPr lvl="1"/>
-            <a:r>
-              <a:rPr lang="pt-BR" smtClean="0"/>
-              <a:t>Segundo nível</a:t>
-            </a:r>
-          </a:p>
-          <a:p>
-            <a:pPr lvl="2"/>
-            <a:r>
-              <a:rPr lang="pt-BR" smtClean="0"/>
-              <a:t>Terceiro nível</a:t>
-            </a:r>
-          </a:p>
-          <a:p>
-            <a:pPr lvl="3"/>
-            <a:r>
-              <a:rPr lang="pt-BR" smtClean="0"/>
-              <a:t>Quarto nível</a:t>
-            </a:r>
-          </a:p>
-          <a:p>
-            <a:pPr lvl="4"/>
-            <a:r>
-              <a:rPr lang="pt-BR" smtClean="0"/>
-              <a:t>Quinto nível</a:t>
-            </a:r>
-            <a:endParaRPr lang="pt-BR"/>
-          </a:p>
-        </p:txBody>
-      </p:sp>
-      <p:sp>
-        <p:nvSpPr>
-          <p:cNvPr id="4" name="Espaço Reservado para Data 3"/>
+              <a:rPr lang="pt-BR"/>
+              <a:t>Clique para editar os estilos de texto Mestres</a:t>
+            </a:r>
+          </a:p>
+        </p:txBody>
+      </p:sp>
+      <p:sp>
+        <p:nvSpPr>
+          <p:cNvPr id="4" name="Date Placeholder 3"/>
           <p:cNvSpPr>
             <a:spLocks noGrp="1"/>
           </p:cNvSpPr>
@@ -799,7 +1627,7 @@
           <a:p>
             <a:fld id="{39F04FFC-F542-43E7-9AF8-932ABA3A3110}" type="datetimeFigureOut">
               <a:rPr lang="pt-BR" smtClean="0"/>
-              <a:t>25/04/2016</a:t>
+              <a:t>03/06/2019</a:t>
             </a:fld>
             <a:endParaRPr lang="pt-BR"/>
           </a:p>
@@ -807,7 +1635,7 @@
       </p:sp>
       <p:sp>
         <p:nvSpPr>
-          <p:cNvPr id="5" name="Espaço Reservado para Rodapé 4"/>
+          <p:cNvPr id="5" name="Footer Placeholder 4"/>
           <p:cNvSpPr>
             <a:spLocks noGrp="1"/>
           </p:cNvSpPr>
@@ -826,7 +1654,7 @@
       </p:sp>
       <p:sp>
         <p:nvSpPr>
-          <p:cNvPr id="6" name="Espaço Reservado para Número de Slide 5"/>
+          <p:cNvPr id="6" name="Slide Number Placeholder 5"/>
           <p:cNvSpPr>
             <a:spLocks noGrp="1"/>
           </p:cNvSpPr>
@@ -848,6 +1676,1885 @@
         </p:txBody>
       </p:sp>
     </p:spTree>
+    <p:extLst>
+      <p:ext uri="{BB962C8B-B14F-4D97-AF65-F5344CB8AC3E}">
+        <p14:creationId xmlns:p14="http://schemas.microsoft.com/office/powerpoint/2010/main" val="3727999383"/>
+      </p:ext>
+    </p:extLst>
+  </p:cSld>
+  <p:clrMapOvr>
+    <a:masterClrMapping/>
+  </p:clrMapOvr>
+</p:sldLayout>
+</file>
+
+<file path=ppt/slideLayouts/slideLayout11.xml><?xml version="1.0" encoding="utf-8"?>
+<p:sldLayout xmlns:a="http://schemas.openxmlformats.org/drawingml/2006/main" xmlns:r="http://schemas.openxmlformats.org/officeDocument/2006/relationships" xmlns:p="http://schemas.openxmlformats.org/presentationml/2006/main" preserve="1">
+  <p:cSld name="Citação com Legenda">
+    <p:spTree>
+      <p:nvGrpSpPr>
+        <p:cNvPr id="1" name=""/>
+        <p:cNvGrpSpPr/>
+        <p:nvPr/>
+      </p:nvGrpSpPr>
+      <p:grpSpPr>
+        <a:xfrm>
+          <a:off x="0" y="0"/>
+          <a:ext cx="0" cy="0"/>
+          <a:chOff x="0" y="0"/>
+          <a:chExt cx="0" cy="0"/>
+        </a:xfrm>
+      </p:grpSpPr>
+      <p:sp>
+        <p:nvSpPr>
+          <p:cNvPr id="2" name="Title 1"/>
+          <p:cNvSpPr>
+            <a:spLocks noGrp="1"/>
+          </p:cNvSpPr>
+          <p:nvPr>
+            <p:ph type="title"/>
+          </p:nvPr>
+        </p:nvSpPr>
+        <p:spPr>
+          <a:xfrm>
+            <a:off x="774885" y="609600"/>
+            <a:ext cx="6072182" cy="3022600"/>
+          </a:xfrm>
+        </p:spPr>
+        <p:txBody>
+          <a:bodyPr anchor="ctr">
+            <a:normAutofit/>
+          </a:bodyPr>
+          <a:lstStyle>
+            <a:lvl1pPr algn="l">
+              <a:defRPr sz="4400" b="0" cap="none"/>
+            </a:lvl1pPr>
+          </a:lstStyle>
+          <a:p>
+            <a:r>
+              <a:rPr lang="pt-BR"/>
+              <a:t>Clique para editar o título Mestre</a:t>
+            </a:r>
+            <a:endParaRPr lang="en-US" dirty="0"/>
+          </a:p>
+        </p:txBody>
+      </p:sp>
+      <p:sp>
+        <p:nvSpPr>
+          <p:cNvPr id="23" name="Text Placeholder 9"/>
+          <p:cNvSpPr>
+            <a:spLocks noGrp="1"/>
+          </p:cNvSpPr>
+          <p:nvPr>
+            <p:ph type="body" sz="quarter" idx="13"/>
+          </p:nvPr>
+        </p:nvSpPr>
+        <p:spPr>
+          <a:xfrm>
+            <a:off x="1101074" y="3632200"/>
+            <a:ext cx="5419804" cy="381000"/>
+          </a:xfrm>
+        </p:spPr>
+        <p:txBody>
+          <a:bodyPr anchor="ctr">
+            <a:noAutofit/>
+          </a:bodyPr>
+          <a:lstStyle>
+            <a:lvl1pPr marL="0" indent="0">
+              <a:buFontTx/>
+              <a:buNone/>
+              <a:defRPr sz="1600">
+                <a:solidFill>
+                  <a:schemeClr val="tx1">
+                    <a:lumMod val="50000"/>
+                    <a:lumOff val="50000"/>
+                  </a:schemeClr>
+                </a:solidFill>
+              </a:defRPr>
+            </a:lvl1pPr>
+            <a:lvl2pPr marL="457200" indent="0">
+              <a:buFontTx/>
+              <a:buNone/>
+              <a:defRPr/>
+            </a:lvl2pPr>
+            <a:lvl3pPr marL="914400" indent="0">
+              <a:buFontTx/>
+              <a:buNone/>
+              <a:defRPr/>
+            </a:lvl3pPr>
+            <a:lvl4pPr marL="1371600" indent="0">
+              <a:buFontTx/>
+              <a:buNone/>
+              <a:defRPr/>
+            </a:lvl4pPr>
+            <a:lvl5pPr marL="1828800" indent="0">
+              <a:buFontTx/>
+              <a:buNone/>
+              <a:defRPr/>
+            </a:lvl5pPr>
+          </a:lstStyle>
+          <a:p>
+            <a:pPr lvl="0"/>
+            <a:r>
+              <a:rPr lang="pt-BR"/>
+              <a:t>Clique para editar os estilos de texto Mestres</a:t>
+            </a:r>
+          </a:p>
+        </p:txBody>
+      </p:sp>
+      <p:sp>
+        <p:nvSpPr>
+          <p:cNvPr id="3" name="Text Placeholder 2"/>
+          <p:cNvSpPr>
+            <a:spLocks noGrp="1"/>
+          </p:cNvSpPr>
+          <p:nvPr>
+            <p:ph type="body" idx="1"/>
+          </p:nvPr>
+        </p:nvSpPr>
+        <p:spPr>
+          <a:xfrm>
+            <a:off x="609598" y="4470400"/>
+            <a:ext cx="6347715" cy="1570962"/>
+          </a:xfrm>
+        </p:spPr>
+        <p:txBody>
+          <a:bodyPr anchor="ctr">
+            <a:normAutofit/>
+          </a:bodyPr>
+          <a:lstStyle>
+            <a:lvl1pPr marL="0" indent="0" algn="l">
+              <a:buNone/>
+              <a:defRPr sz="1800">
+                <a:solidFill>
+                  <a:schemeClr val="tx1">
+                    <a:lumMod val="75000"/>
+                    <a:lumOff val="25000"/>
+                  </a:schemeClr>
+                </a:solidFill>
+              </a:defRPr>
+            </a:lvl1pPr>
+            <a:lvl2pPr marL="457200" indent="0">
+              <a:buNone/>
+              <a:defRPr sz="1800">
+                <a:solidFill>
+                  <a:schemeClr val="tx1">
+                    <a:tint val="75000"/>
+                  </a:schemeClr>
+                </a:solidFill>
+              </a:defRPr>
+            </a:lvl2pPr>
+            <a:lvl3pPr marL="914400" indent="0">
+              <a:buNone/>
+              <a:defRPr sz="1600">
+                <a:solidFill>
+                  <a:schemeClr val="tx1">
+                    <a:tint val="75000"/>
+                  </a:schemeClr>
+                </a:solidFill>
+              </a:defRPr>
+            </a:lvl3pPr>
+            <a:lvl4pPr marL="1371600" indent="0">
+              <a:buNone/>
+              <a:defRPr sz="1400">
+                <a:solidFill>
+                  <a:schemeClr val="tx1">
+                    <a:tint val="75000"/>
+                  </a:schemeClr>
+                </a:solidFill>
+              </a:defRPr>
+            </a:lvl4pPr>
+            <a:lvl5pPr marL="1828800" indent="0">
+              <a:buNone/>
+              <a:defRPr sz="1400">
+                <a:solidFill>
+                  <a:schemeClr val="tx1">
+                    <a:tint val="75000"/>
+                  </a:schemeClr>
+                </a:solidFill>
+              </a:defRPr>
+            </a:lvl5pPr>
+            <a:lvl6pPr marL="2286000" indent="0">
+              <a:buNone/>
+              <a:defRPr sz="1400">
+                <a:solidFill>
+                  <a:schemeClr val="tx1">
+                    <a:tint val="75000"/>
+                  </a:schemeClr>
+                </a:solidFill>
+              </a:defRPr>
+            </a:lvl6pPr>
+            <a:lvl7pPr marL="2743200" indent="0">
+              <a:buNone/>
+              <a:defRPr sz="1400">
+                <a:solidFill>
+                  <a:schemeClr val="tx1">
+                    <a:tint val="75000"/>
+                  </a:schemeClr>
+                </a:solidFill>
+              </a:defRPr>
+            </a:lvl7pPr>
+            <a:lvl8pPr marL="3200400" indent="0">
+              <a:buNone/>
+              <a:defRPr sz="1400">
+                <a:solidFill>
+                  <a:schemeClr val="tx1">
+                    <a:tint val="75000"/>
+                  </a:schemeClr>
+                </a:solidFill>
+              </a:defRPr>
+            </a:lvl8pPr>
+            <a:lvl9pPr marL="3657600" indent="0">
+              <a:buNone/>
+              <a:defRPr sz="1400">
+                <a:solidFill>
+                  <a:schemeClr val="tx1">
+                    <a:tint val="75000"/>
+                  </a:schemeClr>
+                </a:solidFill>
+              </a:defRPr>
+            </a:lvl9pPr>
+          </a:lstStyle>
+          <a:p>
+            <a:pPr lvl="0"/>
+            <a:r>
+              <a:rPr lang="pt-BR"/>
+              <a:t>Clique para editar os estilos de texto Mestres</a:t>
+            </a:r>
+          </a:p>
+        </p:txBody>
+      </p:sp>
+      <p:sp>
+        <p:nvSpPr>
+          <p:cNvPr id="4" name="Date Placeholder 3"/>
+          <p:cNvSpPr>
+            <a:spLocks noGrp="1"/>
+          </p:cNvSpPr>
+          <p:nvPr>
+            <p:ph type="dt" sz="half" idx="10"/>
+          </p:nvPr>
+        </p:nvSpPr>
+        <p:spPr/>
+        <p:txBody>
+          <a:bodyPr/>
+          <a:lstStyle/>
+          <a:p>
+            <a:fld id="{39F04FFC-F542-43E7-9AF8-932ABA3A3110}" type="datetimeFigureOut">
+              <a:rPr lang="pt-BR" smtClean="0"/>
+              <a:t>03/06/2019</a:t>
+            </a:fld>
+            <a:endParaRPr lang="pt-BR"/>
+          </a:p>
+        </p:txBody>
+      </p:sp>
+      <p:sp>
+        <p:nvSpPr>
+          <p:cNvPr id="5" name="Footer Placeholder 4"/>
+          <p:cNvSpPr>
+            <a:spLocks noGrp="1"/>
+          </p:cNvSpPr>
+          <p:nvPr>
+            <p:ph type="ftr" sz="quarter" idx="11"/>
+          </p:nvPr>
+        </p:nvSpPr>
+        <p:spPr/>
+        <p:txBody>
+          <a:bodyPr/>
+          <a:lstStyle/>
+          <a:p>
+            <a:endParaRPr lang="pt-BR"/>
+          </a:p>
+        </p:txBody>
+      </p:sp>
+      <p:sp>
+        <p:nvSpPr>
+          <p:cNvPr id="6" name="Slide Number Placeholder 5"/>
+          <p:cNvSpPr>
+            <a:spLocks noGrp="1"/>
+          </p:cNvSpPr>
+          <p:nvPr>
+            <p:ph type="sldNum" sz="quarter" idx="12"/>
+          </p:nvPr>
+        </p:nvSpPr>
+        <p:spPr/>
+        <p:txBody>
+          <a:bodyPr/>
+          <a:lstStyle/>
+          <a:p>
+            <a:fld id="{0F69E2D7-9232-4386-800D-D41BF41C2FD8}" type="slidenum">
+              <a:rPr lang="pt-BR" smtClean="0"/>
+              <a:t>‹nº›</a:t>
+            </a:fld>
+            <a:endParaRPr lang="pt-BR"/>
+          </a:p>
+        </p:txBody>
+      </p:sp>
+      <p:sp>
+        <p:nvSpPr>
+          <p:cNvPr id="24" name="TextBox 23"/>
+          <p:cNvSpPr txBox="1"/>
+          <p:nvPr/>
+        </p:nvSpPr>
+        <p:spPr>
+          <a:xfrm>
+            <a:off x="482711" y="790378"/>
+            <a:ext cx="457319" cy="584776"/>
+          </a:xfrm>
+          <a:prstGeom prst="rect">
+            <a:avLst/>
+          </a:prstGeom>
+        </p:spPr>
+        <p:txBody>
+          <a:bodyPr vert="horz" lIns="91440" tIns="45720" rIns="91440" bIns="45720" rtlCol="0" anchor="ctr">
+            <a:noAutofit/>
+          </a:bodyPr>
+          <a:lstStyle/>
+          <a:p>
+            <a:pPr lvl="0"/>
+            <a:r>
+              <a:rPr lang="en-US" sz="8000" baseline="0" dirty="0">
+                <a:ln w="3175" cmpd="sng">
+                  <a:noFill/>
+                </a:ln>
+                <a:solidFill>
+                  <a:schemeClr val="accent1">
+                    <a:lumMod val="60000"/>
+                    <a:lumOff val="40000"/>
+                  </a:schemeClr>
+                </a:solidFill>
+                <a:effectLst/>
+                <a:latin typeface="Arial"/>
+              </a:rPr>
+              <a:t>“</a:t>
+            </a:r>
+          </a:p>
+        </p:txBody>
+      </p:sp>
+      <p:sp>
+        <p:nvSpPr>
+          <p:cNvPr id="25" name="TextBox 24"/>
+          <p:cNvSpPr txBox="1"/>
+          <p:nvPr/>
+        </p:nvSpPr>
+        <p:spPr>
+          <a:xfrm>
+            <a:off x="6747699" y="2886556"/>
+            <a:ext cx="457319" cy="584776"/>
+          </a:xfrm>
+          <a:prstGeom prst="rect">
+            <a:avLst/>
+          </a:prstGeom>
+        </p:spPr>
+        <p:txBody>
+          <a:bodyPr vert="horz" lIns="91440" tIns="45720" rIns="91440" bIns="45720" rtlCol="0" anchor="ctr">
+            <a:noAutofit/>
+          </a:bodyPr>
+          <a:lstStyle/>
+          <a:p>
+            <a:pPr lvl="0"/>
+            <a:r>
+              <a:rPr lang="en-US" sz="8000" baseline="0" dirty="0">
+                <a:ln w="3175" cmpd="sng">
+                  <a:noFill/>
+                </a:ln>
+                <a:solidFill>
+                  <a:schemeClr val="accent1">
+                    <a:lumMod val="60000"/>
+                    <a:lumOff val="40000"/>
+                  </a:schemeClr>
+                </a:solidFill>
+                <a:effectLst/>
+                <a:latin typeface="Arial"/>
+              </a:rPr>
+              <a:t>”</a:t>
+            </a:r>
+          </a:p>
+        </p:txBody>
+      </p:sp>
+    </p:spTree>
+    <p:extLst>
+      <p:ext uri="{BB962C8B-B14F-4D97-AF65-F5344CB8AC3E}">
+        <p14:creationId xmlns:p14="http://schemas.microsoft.com/office/powerpoint/2010/main" val="3451941869"/>
+      </p:ext>
+    </p:extLst>
+  </p:cSld>
+  <p:clrMapOvr>
+    <a:masterClrMapping/>
+  </p:clrMapOvr>
+</p:sldLayout>
+</file>
+
+<file path=ppt/slideLayouts/slideLayout12.xml><?xml version="1.0" encoding="utf-8"?>
+<p:sldLayout xmlns:a="http://schemas.openxmlformats.org/drawingml/2006/main" xmlns:r="http://schemas.openxmlformats.org/officeDocument/2006/relationships" xmlns:p="http://schemas.openxmlformats.org/presentationml/2006/main" preserve="1">
+  <p:cSld name="Cartão de Nome">
+    <p:spTree>
+      <p:nvGrpSpPr>
+        <p:cNvPr id="1" name=""/>
+        <p:cNvGrpSpPr/>
+        <p:nvPr/>
+      </p:nvGrpSpPr>
+      <p:grpSpPr>
+        <a:xfrm>
+          <a:off x="0" y="0"/>
+          <a:ext cx="0" cy="0"/>
+          <a:chOff x="0" y="0"/>
+          <a:chExt cx="0" cy="0"/>
+        </a:xfrm>
+      </p:grpSpPr>
+      <p:sp>
+        <p:nvSpPr>
+          <p:cNvPr id="2" name="Title 1"/>
+          <p:cNvSpPr>
+            <a:spLocks noGrp="1"/>
+          </p:cNvSpPr>
+          <p:nvPr>
+            <p:ph type="title"/>
+          </p:nvPr>
+        </p:nvSpPr>
+        <p:spPr>
+          <a:xfrm>
+            <a:off x="609598" y="1931988"/>
+            <a:ext cx="6347715" cy="2595460"/>
+          </a:xfrm>
+        </p:spPr>
+        <p:txBody>
+          <a:bodyPr anchor="b">
+            <a:normAutofit/>
+          </a:bodyPr>
+          <a:lstStyle>
+            <a:lvl1pPr algn="l">
+              <a:defRPr sz="4400" b="0" cap="none"/>
+            </a:lvl1pPr>
+          </a:lstStyle>
+          <a:p>
+            <a:r>
+              <a:rPr lang="pt-BR"/>
+              <a:t>Clique para editar o título Mestre</a:t>
+            </a:r>
+            <a:endParaRPr lang="en-US" dirty="0"/>
+          </a:p>
+        </p:txBody>
+      </p:sp>
+      <p:sp>
+        <p:nvSpPr>
+          <p:cNvPr id="3" name="Text Placeholder 2"/>
+          <p:cNvSpPr>
+            <a:spLocks noGrp="1"/>
+          </p:cNvSpPr>
+          <p:nvPr>
+            <p:ph type="body" idx="1"/>
+          </p:nvPr>
+        </p:nvSpPr>
+        <p:spPr>
+          <a:xfrm>
+            <a:off x="609598" y="4527448"/>
+            <a:ext cx="6347715" cy="1513914"/>
+          </a:xfrm>
+        </p:spPr>
+        <p:txBody>
+          <a:bodyPr anchor="t">
+            <a:normAutofit/>
+          </a:bodyPr>
+          <a:lstStyle>
+            <a:lvl1pPr marL="0" indent="0" algn="l">
+              <a:buNone/>
+              <a:defRPr sz="1800">
+                <a:solidFill>
+                  <a:schemeClr val="tx1">
+                    <a:lumMod val="75000"/>
+                    <a:lumOff val="25000"/>
+                  </a:schemeClr>
+                </a:solidFill>
+              </a:defRPr>
+            </a:lvl1pPr>
+            <a:lvl2pPr marL="457200" indent="0">
+              <a:buNone/>
+              <a:defRPr sz="1800">
+                <a:solidFill>
+                  <a:schemeClr val="tx1">
+                    <a:tint val="75000"/>
+                  </a:schemeClr>
+                </a:solidFill>
+              </a:defRPr>
+            </a:lvl2pPr>
+            <a:lvl3pPr marL="914400" indent="0">
+              <a:buNone/>
+              <a:defRPr sz="1600">
+                <a:solidFill>
+                  <a:schemeClr val="tx1">
+                    <a:tint val="75000"/>
+                  </a:schemeClr>
+                </a:solidFill>
+              </a:defRPr>
+            </a:lvl3pPr>
+            <a:lvl4pPr marL="1371600" indent="0">
+              <a:buNone/>
+              <a:defRPr sz="1400">
+                <a:solidFill>
+                  <a:schemeClr val="tx1">
+                    <a:tint val="75000"/>
+                  </a:schemeClr>
+                </a:solidFill>
+              </a:defRPr>
+            </a:lvl4pPr>
+            <a:lvl5pPr marL="1828800" indent="0">
+              <a:buNone/>
+              <a:defRPr sz="1400">
+                <a:solidFill>
+                  <a:schemeClr val="tx1">
+                    <a:tint val="75000"/>
+                  </a:schemeClr>
+                </a:solidFill>
+              </a:defRPr>
+            </a:lvl5pPr>
+            <a:lvl6pPr marL="2286000" indent="0">
+              <a:buNone/>
+              <a:defRPr sz="1400">
+                <a:solidFill>
+                  <a:schemeClr val="tx1">
+                    <a:tint val="75000"/>
+                  </a:schemeClr>
+                </a:solidFill>
+              </a:defRPr>
+            </a:lvl6pPr>
+            <a:lvl7pPr marL="2743200" indent="0">
+              <a:buNone/>
+              <a:defRPr sz="1400">
+                <a:solidFill>
+                  <a:schemeClr val="tx1">
+                    <a:tint val="75000"/>
+                  </a:schemeClr>
+                </a:solidFill>
+              </a:defRPr>
+            </a:lvl7pPr>
+            <a:lvl8pPr marL="3200400" indent="0">
+              <a:buNone/>
+              <a:defRPr sz="1400">
+                <a:solidFill>
+                  <a:schemeClr val="tx1">
+                    <a:tint val="75000"/>
+                  </a:schemeClr>
+                </a:solidFill>
+              </a:defRPr>
+            </a:lvl8pPr>
+            <a:lvl9pPr marL="3657600" indent="0">
+              <a:buNone/>
+              <a:defRPr sz="1400">
+                <a:solidFill>
+                  <a:schemeClr val="tx1">
+                    <a:tint val="75000"/>
+                  </a:schemeClr>
+                </a:solidFill>
+              </a:defRPr>
+            </a:lvl9pPr>
+          </a:lstStyle>
+          <a:p>
+            <a:pPr lvl="0"/>
+            <a:r>
+              <a:rPr lang="pt-BR"/>
+              <a:t>Clique para editar os estilos de texto Mestres</a:t>
+            </a:r>
+          </a:p>
+        </p:txBody>
+      </p:sp>
+      <p:sp>
+        <p:nvSpPr>
+          <p:cNvPr id="4" name="Date Placeholder 3"/>
+          <p:cNvSpPr>
+            <a:spLocks noGrp="1"/>
+          </p:cNvSpPr>
+          <p:nvPr>
+            <p:ph type="dt" sz="half" idx="10"/>
+          </p:nvPr>
+        </p:nvSpPr>
+        <p:spPr/>
+        <p:txBody>
+          <a:bodyPr/>
+          <a:lstStyle/>
+          <a:p>
+            <a:fld id="{39F04FFC-F542-43E7-9AF8-932ABA3A3110}" type="datetimeFigureOut">
+              <a:rPr lang="pt-BR" smtClean="0"/>
+              <a:t>03/06/2019</a:t>
+            </a:fld>
+            <a:endParaRPr lang="pt-BR"/>
+          </a:p>
+        </p:txBody>
+      </p:sp>
+      <p:sp>
+        <p:nvSpPr>
+          <p:cNvPr id="5" name="Footer Placeholder 4"/>
+          <p:cNvSpPr>
+            <a:spLocks noGrp="1"/>
+          </p:cNvSpPr>
+          <p:nvPr>
+            <p:ph type="ftr" sz="quarter" idx="11"/>
+          </p:nvPr>
+        </p:nvSpPr>
+        <p:spPr/>
+        <p:txBody>
+          <a:bodyPr/>
+          <a:lstStyle/>
+          <a:p>
+            <a:endParaRPr lang="pt-BR"/>
+          </a:p>
+        </p:txBody>
+      </p:sp>
+      <p:sp>
+        <p:nvSpPr>
+          <p:cNvPr id="6" name="Slide Number Placeholder 5"/>
+          <p:cNvSpPr>
+            <a:spLocks noGrp="1"/>
+          </p:cNvSpPr>
+          <p:nvPr>
+            <p:ph type="sldNum" sz="quarter" idx="12"/>
+          </p:nvPr>
+        </p:nvSpPr>
+        <p:spPr/>
+        <p:txBody>
+          <a:bodyPr/>
+          <a:lstStyle/>
+          <a:p>
+            <a:fld id="{0F69E2D7-9232-4386-800D-D41BF41C2FD8}" type="slidenum">
+              <a:rPr lang="pt-BR" smtClean="0"/>
+              <a:t>‹nº›</a:t>
+            </a:fld>
+            <a:endParaRPr lang="pt-BR"/>
+          </a:p>
+        </p:txBody>
+      </p:sp>
+    </p:spTree>
+    <p:extLst>
+      <p:ext uri="{BB962C8B-B14F-4D97-AF65-F5344CB8AC3E}">
+        <p14:creationId xmlns:p14="http://schemas.microsoft.com/office/powerpoint/2010/main" val="1082405175"/>
+      </p:ext>
+    </p:extLst>
+  </p:cSld>
+  <p:clrMapOvr>
+    <a:masterClrMapping/>
+  </p:clrMapOvr>
+</p:sldLayout>
+</file>
+
+<file path=ppt/slideLayouts/slideLayout13.xml><?xml version="1.0" encoding="utf-8"?>
+<p:sldLayout xmlns:a="http://schemas.openxmlformats.org/drawingml/2006/main" xmlns:r="http://schemas.openxmlformats.org/officeDocument/2006/relationships" xmlns:p="http://schemas.openxmlformats.org/presentationml/2006/main" preserve="1">
+  <p:cSld name="Citar o Cartão de Nome">
+    <p:spTree>
+      <p:nvGrpSpPr>
+        <p:cNvPr id="1" name=""/>
+        <p:cNvGrpSpPr/>
+        <p:nvPr/>
+      </p:nvGrpSpPr>
+      <p:grpSpPr>
+        <a:xfrm>
+          <a:off x="0" y="0"/>
+          <a:ext cx="0" cy="0"/>
+          <a:chOff x="0" y="0"/>
+          <a:chExt cx="0" cy="0"/>
+        </a:xfrm>
+      </p:grpSpPr>
+      <p:sp>
+        <p:nvSpPr>
+          <p:cNvPr id="2" name="Title 1"/>
+          <p:cNvSpPr>
+            <a:spLocks noGrp="1"/>
+          </p:cNvSpPr>
+          <p:nvPr>
+            <p:ph type="title"/>
+          </p:nvPr>
+        </p:nvSpPr>
+        <p:spPr>
+          <a:xfrm>
+            <a:off x="774885" y="609600"/>
+            <a:ext cx="6072182" cy="3022600"/>
+          </a:xfrm>
+        </p:spPr>
+        <p:txBody>
+          <a:bodyPr anchor="ctr">
+            <a:normAutofit/>
+          </a:bodyPr>
+          <a:lstStyle>
+            <a:lvl1pPr algn="l">
+              <a:defRPr sz="4400" b="0" cap="none"/>
+            </a:lvl1pPr>
+          </a:lstStyle>
+          <a:p>
+            <a:r>
+              <a:rPr lang="pt-BR"/>
+              <a:t>Clique para editar o título Mestre</a:t>
+            </a:r>
+            <a:endParaRPr lang="en-US" dirty="0"/>
+          </a:p>
+        </p:txBody>
+      </p:sp>
+      <p:sp>
+        <p:nvSpPr>
+          <p:cNvPr id="23" name="Text Placeholder 9"/>
+          <p:cNvSpPr>
+            <a:spLocks noGrp="1"/>
+          </p:cNvSpPr>
+          <p:nvPr>
+            <p:ph type="body" sz="quarter" idx="13"/>
+          </p:nvPr>
+        </p:nvSpPr>
+        <p:spPr>
+          <a:xfrm>
+            <a:off x="609597" y="4013200"/>
+            <a:ext cx="6347716" cy="514248"/>
+          </a:xfrm>
+        </p:spPr>
+        <p:txBody>
+          <a:bodyPr anchor="b">
+            <a:noAutofit/>
+          </a:bodyPr>
+          <a:lstStyle>
+            <a:lvl1pPr marL="0" indent="0">
+              <a:buFontTx/>
+              <a:buNone/>
+              <a:defRPr sz="2400">
+                <a:solidFill>
+                  <a:schemeClr val="tx1">
+                    <a:lumMod val="75000"/>
+                    <a:lumOff val="25000"/>
+                  </a:schemeClr>
+                </a:solidFill>
+              </a:defRPr>
+            </a:lvl1pPr>
+            <a:lvl2pPr marL="457200" indent="0">
+              <a:buFontTx/>
+              <a:buNone/>
+              <a:defRPr/>
+            </a:lvl2pPr>
+            <a:lvl3pPr marL="914400" indent="0">
+              <a:buFontTx/>
+              <a:buNone/>
+              <a:defRPr/>
+            </a:lvl3pPr>
+            <a:lvl4pPr marL="1371600" indent="0">
+              <a:buFontTx/>
+              <a:buNone/>
+              <a:defRPr/>
+            </a:lvl4pPr>
+            <a:lvl5pPr marL="1828800" indent="0">
+              <a:buFontTx/>
+              <a:buNone/>
+              <a:defRPr/>
+            </a:lvl5pPr>
+          </a:lstStyle>
+          <a:p>
+            <a:pPr lvl="0"/>
+            <a:r>
+              <a:rPr lang="pt-BR"/>
+              <a:t>Clique para editar os estilos de texto Mestres</a:t>
+            </a:r>
+          </a:p>
+        </p:txBody>
+      </p:sp>
+      <p:sp>
+        <p:nvSpPr>
+          <p:cNvPr id="3" name="Text Placeholder 2"/>
+          <p:cNvSpPr>
+            <a:spLocks noGrp="1"/>
+          </p:cNvSpPr>
+          <p:nvPr>
+            <p:ph type="body" idx="1"/>
+          </p:nvPr>
+        </p:nvSpPr>
+        <p:spPr>
+          <a:xfrm>
+            <a:off x="609598" y="4527448"/>
+            <a:ext cx="6347715" cy="1513914"/>
+          </a:xfrm>
+        </p:spPr>
+        <p:txBody>
+          <a:bodyPr anchor="t">
+            <a:normAutofit/>
+          </a:bodyPr>
+          <a:lstStyle>
+            <a:lvl1pPr marL="0" indent="0" algn="l">
+              <a:buNone/>
+              <a:defRPr sz="1800">
+                <a:solidFill>
+                  <a:schemeClr val="tx1">
+                    <a:lumMod val="50000"/>
+                    <a:lumOff val="50000"/>
+                  </a:schemeClr>
+                </a:solidFill>
+              </a:defRPr>
+            </a:lvl1pPr>
+            <a:lvl2pPr marL="457200" indent="0">
+              <a:buNone/>
+              <a:defRPr sz="1800">
+                <a:solidFill>
+                  <a:schemeClr val="tx1">
+                    <a:tint val="75000"/>
+                  </a:schemeClr>
+                </a:solidFill>
+              </a:defRPr>
+            </a:lvl2pPr>
+            <a:lvl3pPr marL="914400" indent="0">
+              <a:buNone/>
+              <a:defRPr sz="1600">
+                <a:solidFill>
+                  <a:schemeClr val="tx1">
+                    <a:tint val="75000"/>
+                  </a:schemeClr>
+                </a:solidFill>
+              </a:defRPr>
+            </a:lvl3pPr>
+            <a:lvl4pPr marL="1371600" indent="0">
+              <a:buNone/>
+              <a:defRPr sz="1400">
+                <a:solidFill>
+                  <a:schemeClr val="tx1">
+                    <a:tint val="75000"/>
+                  </a:schemeClr>
+                </a:solidFill>
+              </a:defRPr>
+            </a:lvl4pPr>
+            <a:lvl5pPr marL="1828800" indent="0">
+              <a:buNone/>
+              <a:defRPr sz="1400">
+                <a:solidFill>
+                  <a:schemeClr val="tx1">
+                    <a:tint val="75000"/>
+                  </a:schemeClr>
+                </a:solidFill>
+              </a:defRPr>
+            </a:lvl5pPr>
+            <a:lvl6pPr marL="2286000" indent="0">
+              <a:buNone/>
+              <a:defRPr sz="1400">
+                <a:solidFill>
+                  <a:schemeClr val="tx1">
+                    <a:tint val="75000"/>
+                  </a:schemeClr>
+                </a:solidFill>
+              </a:defRPr>
+            </a:lvl6pPr>
+            <a:lvl7pPr marL="2743200" indent="0">
+              <a:buNone/>
+              <a:defRPr sz="1400">
+                <a:solidFill>
+                  <a:schemeClr val="tx1">
+                    <a:tint val="75000"/>
+                  </a:schemeClr>
+                </a:solidFill>
+              </a:defRPr>
+            </a:lvl7pPr>
+            <a:lvl8pPr marL="3200400" indent="0">
+              <a:buNone/>
+              <a:defRPr sz="1400">
+                <a:solidFill>
+                  <a:schemeClr val="tx1">
+                    <a:tint val="75000"/>
+                  </a:schemeClr>
+                </a:solidFill>
+              </a:defRPr>
+            </a:lvl8pPr>
+            <a:lvl9pPr marL="3657600" indent="0">
+              <a:buNone/>
+              <a:defRPr sz="1400">
+                <a:solidFill>
+                  <a:schemeClr val="tx1">
+                    <a:tint val="75000"/>
+                  </a:schemeClr>
+                </a:solidFill>
+              </a:defRPr>
+            </a:lvl9pPr>
+          </a:lstStyle>
+          <a:p>
+            <a:pPr lvl="0"/>
+            <a:r>
+              <a:rPr lang="pt-BR"/>
+              <a:t>Clique para editar os estilos de texto Mestres</a:t>
+            </a:r>
+          </a:p>
+        </p:txBody>
+      </p:sp>
+      <p:sp>
+        <p:nvSpPr>
+          <p:cNvPr id="4" name="Date Placeholder 3"/>
+          <p:cNvSpPr>
+            <a:spLocks noGrp="1"/>
+          </p:cNvSpPr>
+          <p:nvPr>
+            <p:ph type="dt" sz="half" idx="10"/>
+          </p:nvPr>
+        </p:nvSpPr>
+        <p:spPr/>
+        <p:txBody>
+          <a:bodyPr/>
+          <a:lstStyle/>
+          <a:p>
+            <a:fld id="{39F04FFC-F542-43E7-9AF8-932ABA3A3110}" type="datetimeFigureOut">
+              <a:rPr lang="pt-BR" smtClean="0"/>
+              <a:t>03/06/2019</a:t>
+            </a:fld>
+            <a:endParaRPr lang="pt-BR"/>
+          </a:p>
+        </p:txBody>
+      </p:sp>
+      <p:sp>
+        <p:nvSpPr>
+          <p:cNvPr id="5" name="Footer Placeholder 4"/>
+          <p:cNvSpPr>
+            <a:spLocks noGrp="1"/>
+          </p:cNvSpPr>
+          <p:nvPr>
+            <p:ph type="ftr" sz="quarter" idx="11"/>
+          </p:nvPr>
+        </p:nvSpPr>
+        <p:spPr/>
+        <p:txBody>
+          <a:bodyPr/>
+          <a:lstStyle/>
+          <a:p>
+            <a:endParaRPr lang="pt-BR"/>
+          </a:p>
+        </p:txBody>
+      </p:sp>
+      <p:sp>
+        <p:nvSpPr>
+          <p:cNvPr id="6" name="Slide Number Placeholder 5"/>
+          <p:cNvSpPr>
+            <a:spLocks noGrp="1"/>
+          </p:cNvSpPr>
+          <p:nvPr>
+            <p:ph type="sldNum" sz="quarter" idx="12"/>
+          </p:nvPr>
+        </p:nvSpPr>
+        <p:spPr/>
+        <p:txBody>
+          <a:bodyPr/>
+          <a:lstStyle/>
+          <a:p>
+            <a:fld id="{0F69E2D7-9232-4386-800D-D41BF41C2FD8}" type="slidenum">
+              <a:rPr lang="pt-BR" smtClean="0"/>
+              <a:t>‹nº›</a:t>
+            </a:fld>
+            <a:endParaRPr lang="pt-BR"/>
+          </a:p>
+        </p:txBody>
+      </p:sp>
+      <p:sp>
+        <p:nvSpPr>
+          <p:cNvPr id="24" name="TextBox 23"/>
+          <p:cNvSpPr txBox="1"/>
+          <p:nvPr/>
+        </p:nvSpPr>
+        <p:spPr>
+          <a:xfrm>
+            <a:off x="482711" y="790378"/>
+            <a:ext cx="457319" cy="584776"/>
+          </a:xfrm>
+          <a:prstGeom prst="rect">
+            <a:avLst/>
+          </a:prstGeom>
+        </p:spPr>
+        <p:txBody>
+          <a:bodyPr vert="horz" lIns="91440" tIns="45720" rIns="91440" bIns="45720" rtlCol="0" anchor="ctr">
+            <a:noAutofit/>
+          </a:bodyPr>
+          <a:lstStyle/>
+          <a:p>
+            <a:pPr lvl="0"/>
+            <a:r>
+              <a:rPr lang="en-US" sz="8000" baseline="0" dirty="0">
+                <a:ln w="3175" cmpd="sng">
+                  <a:noFill/>
+                </a:ln>
+                <a:solidFill>
+                  <a:schemeClr val="accent1">
+                    <a:lumMod val="60000"/>
+                    <a:lumOff val="40000"/>
+                  </a:schemeClr>
+                </a:solidFill>
+                <a:effectLst/>
+                <a:latin typeface="Arial"/>
+              </a:rPr>
+              <a:t>“</a:t>
+            </a:r>
+          </a:p>
+        </p:txBody>
+      </p:sp>
+      <p:sp>
+        <p:nvSpPr>
+          <p:cNvPr id="25" name="TextBox 24"/>
+          <p:cNvSpPr txBox="1"/>
+          <p:nvPr/>
+        </p:nvSpPr>
+        <p:spPr>
+          <a:xfrm>
+            <a:off x="6747699" y="2886556"/>
+            <a:ext cx="457319" cy="584776"/>
+          </a:xfrm>
+          <a:prstGeom prst="rect">
+            <a:avLst/>
+          </a:prstGeom>
+        </p:spPr>
+        <p:txBody>
+          <a:bodyPr vert="horz" lIns="91440" tIns="45720" rIns="91440" bIns="45720" rtlCol="0" anchor="ctr">
+            <a:noAutofit/>
+          </a:bodyPr>
+          <a:lstStyle/>
+          <a:p>
+            <a:pPr lvl="0"/>
+            <a:r>
+              <a:rPr lang="en-US" sz="8000" baseline="0" dirty="0">
+                <a:ln w="3175" cmpd="sng">
+                  <a:noFill/>
+                </a:ln>
+                <a:solidFill>
+                  <a:schemeClr val="accent1">
+                    <a:lumMod val="60000"/>
+                    <a:lumOff val="40000"/>
+                  </a:schemeClr>
+                </a:solidFill>
+                <a:effectLst/>
+                <a:latin typeface="Arial"/>
+              </a:rPr>
+              <a:t>”</a:t>
+            </a:r>
+          </a:p>
+        </p:txBody>
+      </p:sp>
+    </p:spTree>
+    <p:extLst>
+      <p:ext uri="{BB962C8B-B14F-4D97-AF65-F5344CB8AC3E}">
+        <p14:creationId xmlns:p14="http://schemas.microsoft.com/office/powerpoint/2010/main" val="3451545345"/>
+      </p:ext>
+    </p:extLst>
+  </p:cSld>
+  <p:clrMapOvr>
+    <a:masterClrMapping/>
+  </p:clrMapOvr>
+</p:sldLayout>
+</file>
+
+<file path=ppt/slideLayouts/slideLayout14.xml><?xml version="1.0" encoding="utf-8"?>
+<p:sldLayout xmlns:a="http://schemas.openxmlformats.org/drawingml/2006/main" xmlns:r="http://schemas.openxmlformats.org/officeDocument/2006/relationships" xmlns:p="http://schemas.openxmlformats.org/presentationml/2006/main" preserve="1">
+  <p:cSld name="Verdadeiro ou Falso">
+    <p:spTree>
+      <p:nvGrpSpPr>
+        <p:cNvPr id="1" name=""/>
+        <p:cNvGrpSpPr/>
+        <p:nvPr/>
+      </p:nvGrpSpPr>
+      <p:grpSpPr>
+        <a:xfrm>
+          <a:off x="0" y="0"/>
+          <a:ext cx="0" cy="0"/>
+          <a:chOff x="0" y="0"/>
+          <a:chExt cx="0" cy="0"/>
+        </a:xfrm>
+      </p:grpSpPr>
+      <p:sp>
+        <p:nvSpPr>
+          <p:cNvPr id="2" name="Title 1"/>
+          <p:cNvSpPr>
+            <a:spLocks noGrp="1"/>
+          </p:cNvSpPr>
+          <p:nvPr>
+            <p:ph type="title"/>
+          </p:nvPr>
+        </p:nvSpPr>
+        <p:spPr>
+          <a:xfrm>
+            <a:off x="615848" y="609600"/>
+            <a:ext cx="6341465" cy="3022600"/>
+          </a:xfrm>
+        </p:spPr>
+        <p:txBody>
+          <a:bodyPr anchor="ctr">
+            <a:normAutofit/>
+          </a:bodyPr>
+          <a:lstStyle>
+            <a:lvl1pPr algn="l">
+              <a:defRPr sz="4400" b="0" cap="none"/>
+            </a:lvl1pPr>
+          </a:lstStyle>
+          <a:p>
+            <a:r>
+              <a:rPr lang="pt-BR"/>
+              <a:t>Clique para editar o título Mestre</a:t>
+            </a:r>
+            <a:endParaRPr lang="en-US" dirty="0"/>
+          </a:p>
+        </p:txBody>
+      </p:sp>
+      <p:sp>
+        <p:nvSpPr>
+          <p:cNvPr id="23" name="Text Placeholder 9"/>
+          <p:cNvSpPr>
+            <a:spLocks noGrp="1"/>
+          </p:cNvSpPr>
+          <p:nvPr>
+            <p:ph type="body" sz="quarter" idx="13"/>
+          </p:nvPr>
+        </p:nvSpPr>
+        <p:spPr>
+          <a:xfrm>
+            <a:off x="609597" y="4013200"/>
+            <a:ext cx="6347716" cy="514248"/>
+          </a:xfrm>
+        </p:spPr>
+        <p:txBody>
+          <a:bodyPr anchor="b">
+            <a:noAutofit/>
+          </a:bodyPr>
+          <a:lstStyle>
+            <a:lvl1pPr marL="0" indent="0">
+              <a:buFontTx/>
+              <a:buNone/>
+              <a:defRPr sz="2400">
+                <a:solidFill>
+                  <a:schemeClr val="accent1"/>
+                </a:solidFill>
+              </a:defRPr>
+            </a:lvl1pPr>
+            <a:lvl2pPr marL="457200" indent="0">
+              <a:buFontTx/>
+              <a:buNone/>
+              <a:defRPr/>
+            </a:lvl2pPr>
+            <a:lvl3pPr marL="914400" indent="0">
+              <a:buFontTx/>
+              <a:buNone/>
+              <a:defRPr/>
+            </a:lvl3pPr>
+            <a:lvl4pPr marL="1371600" indent="0">
+              <a:buFontTx/>
+              <a:buNone/>
+              <a:defRPr/>
+            </a:lvl4pPr>
+            <a:lvl5pPr marL="1828800" indent="0">
+              <a:buFontTx/>
+              <a:buNone/>
+              <a:defRPr/>
+            </a:lvl5pPr>
+          </a:lstStyle>
+          <a:p>
+            <a:pPr lvl="0"/>
+            <a:r>
+              <a:rPr lang="pt-BR"/>
+              <a:t>Clique para editar os estilos de texto Mestres</a:t>
+            </a:r>
+          </a:p>
+        </p:txBody>
+      </p:sp>
+      <p:sp>
+        <p:nvSpPr>
+          <p:cNvPr id="3" name="Text Placeholder 2"/>
+          <p:cNvSpPr>
+            <a:spLocks noGrp="1"/>
+          </p:cNvSpPr>
+          <p:nvPr>
+            <p:ph type="body" idx="1"/>
+          </p:nvPr>
+        </p:nvSpPr>
+        <p:spPr>
+          <a:xfrm>
+            <a:off x="609598" y="4527448"/>
+            <a:ext cx="6347715" cy="1513914"/>
+          </a:xfrm>
+        </p:spPr>
+        <p:txBody>
+          <a:bodyPr anchor="t">
+            <a:normAutofit/>
+          </a:bodyPr>
+          <a:lstStyle>
+            <a:lvl1pPr marL="0" indent="0" algn="l">
+              <a:buNone/>
+              <a:defRPr sz="1800">
+                <a:solidFill>
+                  <a:schemeClr val="tx1">
+                    <a:lumMod val="50000"/>
+                    <a:lumOff val="50000"/>
+                  </a:schemeClr>
+                </a:solidFill>
+              </a:defRPr>
+            </a:lvl1pPr>
+            <a:lvl2pPr marL="457200" indent="0">
+              <a:buNone/>
+              <a:defRPr sz="1800">
+                <a:solidFill>
+                  <a:schemeClr val="tx1">
+                    <a:tint val="75000"/>
+                  </a:schemeClr>
+                </a:solidFill>
+              </a:defRPr>
+            </a:lvl2pPr>
+            <a:lvl3pPr marL="914400" indent="0">
+              <a:buNone/>
+              <a:defRPr sz="1600">
+                <a:solidFill>
+                  <a:schemeClr val="tx1">
+                    <a:tint val="75000"/>
+                  </a:schemeClr>
+                </a:solidFill>
+              </a:defRPr>
+            </a:lvl3pPr>
+            <a:lvl4pPr marL="1371600" indent="0">
+              <a:buNone/>
+              <a:defRPr sz="1400">
+                <a:solidFill>
+                  <a:schemeClr val="tx1">
+                    <a:tint val="75000"/>
+                  </a:schemeClr>
+                </a:solidFill>
+              </a:defRPr>
+            </a:lvl4pPr>
+            <a:lvl5pPr marL="1828800" indent="0">
+              <a:buNone/>
+              <a:defRPr sz="1400">
+                <a:solidFill>
+                  <a:schemeClr val="tx1">
+                    <a:tint val="75000"/>
+                  </a:schemeClr>
+                </a:solidFill>
+              </a:defRPr>
+            </a:lvl5pPr>
+            <a:lvl6pPr marL="2286000" indent="0">
+              <a:buNone/>
+              <a:defRPr sz="1400">
+                <a:solidFill>
+                  <a:schemeClr val="tx1">
+                    <a:tint val="75000"/>
+                  </a:schemeClr>
+                </a:solidFill>
+              </a:defRPr>
+            </a:lvl6pPr>
+            <a:lvl7pPr marL="2743200" indent="0">
+              <a:buNone/>
+              <a:defRPr sz="1400">
+                <a:solidFill>
+                  <a:schemeClr val="tx1">
+                    <a:tint val="75000"/>
+                  </a:schemeClr>
+                </a:solidFill>
+              </a:defRPr>
+            </a:lvl7pPr>
+            <a:lvl8pPr marL="3200400" indent="0">
+              <a:buNone/>
+              <a:defRPr sz="1400">
+                <a:solidFill>
+                  <a:schemeClr val="tx1">
+                    <a:tint val="75000"/>
+                  </a:schemeClr>
+                </a:solidFill>
+              </a:defRPr>
+            </a:lvl8pPr>
+            <a:lvl9pPr marL="3657600" indent="0">
+              <a:buNone/>
+              <a:defRPr sz="1400">
+                <a:solidFill>
+                  <a:schemeClr val="tx1">
+                    <a:tint val="75000"/>
+                  </a:schemeClr>
+                </a:solidFill>
+              </a:defRPr>
+            </a:lvl9pPr>
+          </a:lstStyle>
+          <a:p>
+            <a:pPr lvl="0"/>
+            <a:r>
+              <a:rPr lang="pt-BR"/>
+              <a:t>Clique para editar os estilos de texto Mestres</a:t>
+            </a:r>
+          </a:p>
+        </p:txBody>
+      </p:sp>
+      <p:sp>
+        <p:nvSpPr>
+          <p:cNvPr id="4" name="Date Placeholder 3"/>
+          <p:cNvSpPr>
+            <a:spLocks noGrp="1"/>
+          </p:cNvSpPr>
+          <p:nvPr>
+            <p:ph type="dt" sz="half" idx="10"/>
+          </p:nvPr>
+        </p:nvSpPr>
+        <p:spPr/>
+        <p:txBody>
+          <a:bodyPr/>
+          <a:lstStyle/>
+          <a:p>
+            <a:fld id="{39F04FFC-F542-43E7-9AF8-932ABA3A3110}" type="datetimeFigureOut">
+              <a:rPr lang="pt-BR" smtClean="0"/>
+              <a:t>03/06/2019</a:t>
+            </a:fld>
+            <a:endParaRPr lang="pt-BR"/>
+          </a:p>
+        </p:txBody>
+      </p:sp>
+      <p:sp>
+        <p:nvSpPr>
+          <p:cNvPr id="5" name="Footer Placeholder 4"/>
+          <p:cNvSpPr>
+            <a:spLocks noGrp="1"/>
+          </p:cNvSpPr>
+          <p:nvPr>
+            <p:ph type="ftr" sz="quarter" idx="11"/>
+          </p:nvPr>
+        </p:nvSpPr>
+        <p:spPr/>
+        <p:txBody>
+          <a:bodyPr/>
+          <a:lstStyle/>
+          <a:p>
+            <a:endParaRPr lang="pt-BR"/>
+          </a:p>
+        </p:txBody>
+      </p:sp>
+      <p:sp>
+        <p:nvSpPr>
+          <p:cNvPr id="6" name="Slide Number Placeholder 5"/>
+          <p:cNvSpPr>
+            <a:spLocks noGrp="1"/>
+          </p:cNvSpPr>
+          <p:nvPr>
+            <p:ph type="sldNum" sz="quarter" idx="12"/>
+          </p:nvPr>
+        </p:nvSpPr>
+        <p:spPr/>
+        <p:txBody>
+          <a:bodyPr/>
+          <a:lstStyle/>
+          <a:p>
+            <a:fld id="{0F69E2D7-9232-4386-800D-D41BF41C2FD8}" type="slidenum">
+              <a:rPr lang="pt-BR" smtClean="0"/>
+              <a:t>‹nº›</a:t>
+            </a:fld>
+            <a:endParaRPr lang="pt-BR"/>
+          </a:p>
+        </p:txBody>
+      </p:sp>
+    </p:spTree>
+    <p:extLst>
+      <p:ext uri="{BB962C8B-B14F-4D97-AF65-F5344CB8AC3E}">
+        <p14:creationId xmlns:p14="http://schemas.microsoft.com/office/powerpoint/2010/main" val="2111020921"/>
+      </p:ext>
+    </p:extLst>
+  </p:cSld>
+  <p:clrMapOvr>
+    <a:masterClrMapping/>
+  </p:clrMapOvr>
+</p:sldLayout>
+</file>
+
+<file path=ppt/slideLayouts/slideLayout15.xml><?xml version="1.0" encoding="utf-8"?>
+<p:sldLayout xmlns:a="http://schemas.openxmlformats.org/drawingml/2006/main" xmlns:r="http://schemas.openxmlformats.org/officeDocument/2006/relationships" xmlns:p="http://schemas.openxmlformats.org/presentationml/2006/main" type="vertTx" preserve="1">
+  <p:cSld name="Título e Texto Vertical">
+    <p:spTree>
+      <p:nvGrpSpPr>
+        <p:cNvPr id="1" name=""/>
+        <p:cNvGrpSpPr/>
+        <p:nvPr/>
+      </p:nvGrpSpPr>
+      <p:grpSpPr>
+        <a:xfrm>
+          <a:off x="0" y="0"/>
+          <a:ext cx="0" cy="0"/>
+          <a:chOff x="0" y="0"/>
+          <a:chExt cx="0" cy="0"/>
+        </a:xfrm>
+      </p:grpSpPr>
+      <p:sp>
+        <p:nvSpPr>
+          <p:cNvPr id="2" name="Title 1"/>
+          <p:cNvSpPr>
+            <a:spLocks noGrp="1"/>
+          </p:cNvSpPr>
+          <p:nvPr>
+            <p:ph type="title"/>
+          </p:nvPr>
+        </p:nvSpPr>
+        <p:spPr/>
+        <p:txBody>
+          <a:bodyPr/>
+          <a:lstStyle/>
+          <a:p>
+            <a:r>
+              <a:rPr lang="pt-BR"/>
+              <a:t>Clique para editar o título Mestre</a:t>
+            </a:r>
+            <a:endParaRPr lang="en-US" dirty="0"/>
+          </a:p>
+        </p:txBody>
+      </p:sp>
+      <p:sp>
+        <p:nvSpPr>
+          <p:cNvPr id="3" name="Vertical Text Placeholder 2"/>
+          <p:cNvSpPr>
+            <a:spLocks noGrp="1"/>
+          </p:cNvSpPr>
+          <p:nvPr>
+            <p:ph type="body" orient="vert" idx="1"/>
+          </p:nvPr>
+        </p:nvSpPr>
+        <p:spPr/>
+        <p:txBody>
+          <a:bodyPr vert="eaVert"/>
+          <a:lstStyle/>
+          <a:p>
+            <a:pPr lvl="0"/>
+            <a:r>
+              <a:rPr lang="pt-BR"/>
+              <a:t>Clique para editar os estilos de texto Mestres</a:t>
+            </a:r>
+          </a:p>
+          <a:p>
+            <a:pPr lvl="1"/>
+            <a:r>
+              <a:rPr lang="pt-BR"/>
+              <a:t>Segundo nível</a:t>
+            </a:r>
+          </a:p>
+          <a:p>
+            <a:pPr lvl="2"/>
+            <a:r>
+              <a:rPr lang="pt-BR"/>
+              <a:t>Terceiro nível</a:t>
+            </a:r>
+          </a:p>
+          <a:p>
+            <a:pPr lvl="3"/>
+            <a:r>
+              <a:rPr lang="pt-BR"/>
+              <a:t>Quarto nível</a:t>
+            </a:r>
+          </a:p>
+          <a:p>
+            <a:pPr lvl="4"/>
+            <a:r>
+              <a:rPr lang="pt-BR"/>
+              <a:t>Quinto nível</a:t>
+            </a:r>
+            <a:endParaRPr lang="en-US" dirty="0"/>
+          </a:p>
+        </p:txBody>
+      </p:sp>
+      <p:sp>
+        <p:nvSpPr>
+          <p:cNvPr id="4" name="Date Placeholder 3"/>
+          <p:cNvSpPr>
+            <a:spLocks noGrp="1"/>
+          </p:cNvSpPr>
+          <p:nvPr>
+            <p:ph type="dt" sz="half" idx="10"/>
+          </p:nvPr>
+        </p:nvSpPr>
+        <p:spPr/>
+        <p:txBody>
+          <a:bodyPr/>
+          <a:lstStyle/>
+          <a:p>
+            <a:fld id="{39F04FFC-F542-43E7-9AF8-932ABA3A3110}" type="datetimeFigureOut">
+              <a:rPr lang="pt-BR" smtClean="0"/>
+              <a:t>03/06/2019</a:t>
+            </a:fld>
+            <a:endParaRPr lang="pt-BR"/>
+          </a:p>
+        </p:txBody>
+      </p:sp>
+      <p:sp>
+        <p:nvSpPr>
+          <p:cNvPr id="5" name="Footer Placeholder 4"/>
+          <p:cNvSpPr>
+            <a:spLocks noGrp="1"/>
+          </p:cNvSpPr>
+          <p:nvPr>
+            <p:ph type="ftr" sz="quarter" idx="11"/>
+          </p:nvPr>
+        </p:nvSpPr>
+        <p:spPr/>
+        <p:txBody>
+          <a:bodyPr/>
+          <a:lstStyle/>
+          <a:p>
+            <a:endParaRPr lang="pt-BR"/>
+          </a:p>
+        </p:txBody>
+      </p:sp>
+      <p:sp>
+        <p:nvSpPr>
+          <p:cNvPr id="6" name="Slide Number Placeholder 5"/>
+          <p:cNvSpPr>
+            <a:spLocks noGrp="1"/>
+          </p:cNvSpPr>
+          <p:nvPr>
+            <p:ph type="sldNum" sz="quarter" idx="12"/>
+          </p:nvPr>
+        </p:nvSpPr>
+        <p:spPr/>
+        <p:txBody>
+          <a:bodyPr/>
+          <a:lstStyle/>
+          <a:p>
+            <a:fld id="{0F69E2D7-9232-4386-800D-D41BF41C2FD8}" type="slidenum">
+              <a:rPr lang="pt-BR" smtClean="0"/>
+              <a:t>‹nº›</a:t>
+            </a:fld>
+            <a:endParaRPr lang="pt-BR"/>
+          </a:p>
+        </p:txBody>
+      </p:sp>
+    </p:spTree>
+    <p:extLst>
+      <p:ext uri="{BB962C8B-B14F-4D97-AF65-F5344CB8AC3E}">
+        <p14:creationId xmlns:p14="http://schemas.microsoft.com/office/powerpoint/2010/main" val="597960239"/>
+      </p:ext>
+    </p:extLst>
+  </p:cSld>
+  <p:clrMapOvr>
+    <a:masterClrMapping/>
+  </p:clrMapOvr>
+</p:sldLayout>
+</file>
+
+<file path=ppt/slideLayouts/slideLayout16.xml><?xml version="1.0" encoding="utf-8"?>
+<p:sldLayout xmlns:a="http://schemas.openxmlformats.org/drawingml/2006/main" xmlns:r="http://schemas.openxmlformats.org/officeDocument/2006/relationships" xmlns:p="http://schemas.openxmlformats.org/presentationml/2006/main" type="vertTitleAndTx" preserve="1">
+  <p:cSld name="Texto e Título Vertical">
+    <p:spTree>
+      <p:nvGrpSpPr>
+        <p:cNvPr id="1" name=""/>
+        <p:cNvGrpSpPr/>
+        <p:nvPr/>
+      </p:nvGrpSpPr>
+      <p:grpSpPr>
+        <a:xfrm>
+          <a:off x="0" y="0"/>
+          <a:ext cx="0" cy="0"/>
+          <a:chOff x="0" y="0"/>
+          <a:chExt cx="0" cy="0"/>
+        </a:xfrm>
+      </p:grpSpPr>
+      <p:sp>
+        <p:nvSpPr>
+          <p:cNvPr id="2" name="Vertical Title 1"/>
+          <p:cNvSpPr>
+            <a:spLocks noGrp="1"/>
+          </p:cNvSpPr>
+          <p:nvPr>
+            <p:ph type="title" orient="vert"/>
+          </p:nvPr>
+        </p:nvSpPr>
+        <p:spPr>
+          <a:xfrm>
+            <a:off x="5977312" y="609600"/>
+            <a:ext cx="978812" cy="5251451"/>
+          </a:xfrm>
+        </p:spPr>
+        <p:txBody>
+          <a:bodyPr vert="eaVert" anchor="ctr"/>
+          <a:lstStyle/>
+          <a:p>
+            <a:r>
+              <a:rPr lang="pt-BR"/>
+              <a:t>Clique para editar o título Mestre</a:t>
+            </a:r>
+            <a:endParaRPr lang="en-US" dirty="0"/>
+          </a:p>
+        </p:txBody>
+      </p:sp>
+      <p:sp>
+        <p:nvSpPr>
+          <p:cNvPr id="3" name="Vertical Text Placeholder 2"/>
+          <p:cNvSpPr>
+            <a:spLocks noGrp="1"/>
+          </p:cNvSpPr>
+          <p:nvPr>
+            <p:ph type="body" orient="vert" idx="1"/>
+          </p:nvPr>
+        </p:nvSpPr>
+        <p:spPr>
+          <a:xfrm>
+            <a:off x="609599" y="609600"/>
+            <a:ext cx="5195026" cy="5251451"/>
+          </a:xfrm>
+        </p:spPr>
+        <p:txBody>
+          <a:bodyPr vert="eaVert"/>
+          <a:lstStyle/>
+          <a:p>
+            <a:pPr lvl="0"/>
+            <a:r>
+              <a:rPr lang="pt-BR"/>
+              <a:t>Clique para editar os estilos de texto Mestres</a:t>
+            </a:r>
+          </a:p>
+          <a:p>
+            <a:pPr lvl="1"/>
+            <a:r>
+              <a:rPr lang="pt-BR"/>
+              <a:t>Segundo nível</a:t>
+            </a:r>
+          </a:p>
+          <a:p>
+            <a:pPr lvl="2"/>
+            <a:r>
+              <a:rPr lang="pt-BR"/>
+              <a:t>Terceiro nível</a:t>
+            </a:r>
+          </a:p>
+          <a:p>
+            <a:pPr lvl="3"/>
+            <a:r>
+              <a:rPr lang="pt-BR"/>
+              <a:t>Quarto nível</a:t>
+            </a:r>
+          </a:p>
+          <a:p>
+            <a:pPr lvl="4"/>
+            <a:r>
+              <a:rPr lang="pt-BR"/>
+              <a:t>Quinto nível</a:t>
+            </a:r>
+            <a:endParaRPr lang="en-US" dirty="0"/>
+          </a:p>
+        </p:txBody>
+      </p:sp>
+      <p:sp>
+        <p:nvSpPr>
+          <p:cNvPr id="4" name="Date Placeholder 3"/>
+          <p:cNvSpPr>
+            <a:spLocks noGrp="1"/>
+          </p:cNvSpPr>
+          <p:nvPr>
+            <p:ph type="dt" sz="half" idx="10"/>
+          </p:nvPr>
+        </p:nvSpPr>
+        <p:spPr/>
+        <p:txBody>
+          <a:bodyPr/>
+          <a:lstStyle/>
+          <a:p>
+            <a:fld id="{39F04FFC-F542-43E7-9AF8-932ABA3A3110}" type="datetimeFigureOut">
+              <a:rPr lang="pt-BR" smtClean="0"/>
+              <a:t>03/06/2019</a:t>
+            </a:fld>
+            <a:endParaRPr lang="pt-BR"/>
+          </a:p>
+        </p:txBody>
+      </p:sp>
+      <p:sp>
+        <p:nvSpPr>
+          <p:cNvPr id="5" name="Footer Placeholder 4"/>
+          <p:cNvSpPr>
+            <a:spLocks noGrp="1"/>
+          </p:cNvSpPr>
+          <p:nvPr>
+            <p:ph type="ftr" sz="quarter" idx="11"/>
+          </p:nvPr>
+        </p:nvSpPr>
+        <p:spPr/>
+        <p:txBody>
+          <a:bodyPr/>
+          <a:lstStyle/>
+          <a:p>
+            <a:endParaRPr lang="pt-BR"/>
+          </a:p>
+        </p:txBody>
+      </p:sp>
+      <p:sp>
+        <p:nvSpPr>
+          <p:cNvPr id="6" name="Slide Number Placeholder 5"/>
+          <p:cNvSpPr>
+            <a:spLocks noGrp="1"/>
+          </p:cNvSpPr>
+          <p:nvPr>
+            <p:ph type="sldNum" sz="quarter" idx="12"/>
+          </p:nvPr>
+        </p:nvSpPr>
+        <p:spPr/>
+        <p:txBody>
+          <a:bodyPr/>
+          <a:lstStyle/>
+          <a:p>
+            <a:fld id="{0F69E2D7-9232-4386-800D-D41BF41C2FD8}" type="slidenum">
+              <a:rPr lang="pt-BR" smtClean="0"/>
+              <a:t>‹nº›</a:t>
+            </a:fld>
+            <a:endParaRPr lang="pt-BR"/>
+          </a:p>
+        </p:txBody>
+      </p:sp>
+    </p:spTree>
+    <p:extLst>
+      <p:ext uri="{BB962C8B-B14F-4D97-AF65-F5344CB8AC3E}">
+        <p14:creationId xmlns:p14="http://schemas.microsoft.com/office/powerpoint/2010/main" val="1199272256"/>
+      </p:ext>
+    </p:extLst>
+  </p:cSld>
+  <p:clrMapOvr>
+    <a:masterClrMapping/>
+  </p:clrMapOvr>
+</p:sldLayout>
+</file>
+
+<file path=ppt/slideLayouts/slideLayout2.xml><?xml version="1.0" encoding="utf-8"?>
+<p:sldLayout xmlns:a="http://schemas.openxmlformats.org/drawingml/2006/main" xmlns:r="http://schemas.openxmlformats.org/officeDocument/2006/relationships" xmlns:p="http://schemas.openxmlformats.org/presentationml/2006/main" type="obj" preserve="1">
+  <p:cSld name="Título e Conteúdo">
+    <p:spTree>
+      <p:nvGrpSpPr>
+        <p:cNvPr id="1" name=""/>
+        <p:cNvGrpSpPr/>
+        <p:nvPr/>
+      </p:nvGrpSpPr>
+      <p:grpSpPr>
+        <a:xfrm>
+          <a:off x="0" y="0"/>
+          <a:ext cx="0" cy="0"/>
+          <a:chOff x="0" y="0"/>
+          <a:chExt cx="0" cy="0"/>
+        </a:xfrm>
+      </p:grpSpPr>
+      <p:sp>
+        <p:nvSpPr>
+          <p:cNvPr id="2" name="Title 1"/>
+          <p:cNvSpPr>
+            <a:spLocks noGrp="1"/>
+          </p:cNvSpPr>
+          <p:nvPr>
+            <p:ph type="title"/>
+          </p:nvPr>
+        </p:nvSpPr>
+        <p:spPr/>
+        <p:txBody>
+          <a:bodyPr/>
+          <a:lstStyle/>
+          <a:p>
+            <a:r>
+              <a:rPr lang="pt-BR"/>
+              <a:t>Clique para editar o título Mestre</a:t>
+            </a:r>
+            <a:endParaRPr lang="en-US" dirty="0"/>
+          </a:p>
+        </p:txBody>
+      </p:sp>
+      <p:sp>
+        <p:nvSpPr>
+          <p:cNvPr id="3" name="Content Placeholder 2"/>
+          <p:cNvSpPr>
+            <a:spLocks noGrp="1"/>
+          </p:cNvSpPr>
+          <p:nvPr>
+            <p:ph idx="1"/>
+          </p:nvPr>
+        </p:nvSpPr>
+        <p:spPr/>
+        <p:txBody>
+          <a:bodyPr/>
+          <a:lstStyle/>
+          <a:p>
+            <a:pPr lvl="0"/>
+            <a:r>
+              <a:rPr lang="pt-BR"/>
+              <a:t>Clique para editar os estilos de texto Mestres</a:t>
+            </a:r>
+          </a:p>
+          <a:p>
+            <a:pPr lvl="1"/>
+            <a:r>
+              <a:rPr lang="pt-BR"/>
+              <a:t>Segundo nível</a:t>
+            </a:r>
+          </a:p>
+          <a:p>
+            <a:pPr lvl="2"/>
+            <a:r>
+              <a:rPr lang="pt-BR"/>
+              <a:t>Terceiro nível</a:t>
+            </a:r>
+          </a:p>
+          <a:p>
+            <a:pPr lvl="3"/>
+            <a:r>
+              <a:rPr lang="pt-BR"/>
+              <a:t>Quarto nível</a:t>
+            </a:r>
+          </a:p>
+          <a:p>
+            <a:pPr lvl="4"/>
+            <a:r>
+              <a:rPr lang="pt-BR"/>
+              <a:t>Quinto nível</a:t>
+            </a:r>
+            <a:endParaRPr lang="en-US" dirty="0"/>
+          </a:p>
+        </p:txBody>
+      </p:sp>
+      <p:sp>
+        <p:nvSpPr>
+          <p:cNvPr id="4" name="Date Placeholder 3"/>
+          <p:cNvSpPr>
+            <a:spLocks noGrp="1"/>
+          </p:cNvSpPr>
+          <p:nvPr>
+            <p:ph type="dt" sz="half" idx="10"/>
+          </p:nvPr>
+        </p:nvSpPr>
+        <p:spPr/>
+        <p:txBody>
+          <a:bodyPr/>
+          <a:lstStyle/>
+          <a:p>
+            <a:fld id="{39F04FFC-F542-43E7-9AF8-932ABA3A3110}" type="datetimeFigureOut">
+              <a:rPr lang="pt-BR" smtClean="0"/>
+              <a:t>03/06/2019</a:t>
+            </a:fld>
+            <a:endParaRPr lang="pt-BR"/>
+          </a:p>
+        </p:txBody>
+      </p:sp>
+      <p:sp>
+        <p:nvSpPr>
+          <p:cNvPr id="5" name="Footer Placeholder 4"/>
+          <p:cNvSpPr>
+            <a:spLocks noGrp="1"/>
+          </p:cNvSpPr>
+          <p:nvPr>
+            <p:ph type="ftr" sz="quarter" idx="11"/>
+          </p:nvPr>
+        </p:nvSpPr>
+        <p:spPr/>
+        <p:txBody>
+          <a:bodyPr/>
+          <a:lstStyle/>
+          <a:p>
+            <a:endParaRPr lang="pt-BR"/>
+          </a:p>
+        </p:txBody>
+      </p:sp>
+      <p:sp>
+        <p:nvSpPr>
+          <p:cNvPr id="6" name="Slide Number Placeholder 5"/>
+          <p:cNvSpPr>
+            <a:spLocks noGrp="1"/>
+          </p:cNvSpPr>
+          <p:nvPr>
+            <p:ph type="sldNum" sz="quarter" idx="12"/>
+          </p:nvPr>
+        </p:nvSpPr>
+        <p:spPr/>
+        <p:txBody>
+          <a:bodyPr/>
+          <a:lstStyle/>
+          <a:p>
+            <a:fld id="{0F69E2D7-9232-4386-800D-D41BF41C2FD8}" type="slidenum">
+              <a:rPr lang="pt-BR" smtClean="0"/>
+              <a:t>‹nº›</a:t>
+            </a:fld>
+            <a:endParaRPr lang="pt-BR"/>
+          </a:p>
+        </p:txBody>
+      </p:sp>
+    </p:spTree>
+    <p:extLst>
+      <p:ext uri="{BB962C8B-B14F-4D97-AF65-F5344CB8AC3E}">
+        <p14:creationId xmlns:p14="http://schemas.microsoft.com/office/powerpoint/2010/main" val="2053494890"/>
+      </p:ext>
+    </p:extLst>
   </p:cSld>
   <p:clrMapOvr>
     <a:masterClrMapping/>
@@ -874,7 +3581,7 @@
       </p:grpSpPr>
       <p:sp>
         <p:nvSpPr>
-          <p:cNvPr id="2" name="Título 1"/>
+          <p:cNvPr id="2" name="Title 1"/>
           <p:cNvSpPr>
             <a:spLocks noGrp="1"/>
           </p:cNvSpPr>
@@ -884,76 +3591,87 @@
         </p:nvSpPr>
         <p:spPr>
           <a:xfrm>
-            <a:off x="722313" y="4406900"/>
-            <a:ext cx="7772400" cy="1362075"/>
+            <a:off x="609598" y="2700868"/>
+            <a:ext cx="6347715" cy="1826581"/>
           </a:xfrm>
         </p:spPr>
         <p:txBody>
+          <a:bodyPr anchor="b"/>
+          <a:lstStyle>
+            <a:lvl1pPr algn="l">
+              <a:defRPr sz="4000" b="0" cap="none"/>
+            </a:lvl1pPr>
+          </a:lstStyle>
+          <a:p>
+            <a:r>
+              <a:rPr lang="pt-BR"/>
+              <a:t>Clique para editar o título Mestre</a:t>
+            </a:r>
+            <a:endParaRPr lang="en-US" dirty="0"/>
+          </a:p>
+        </p:txBody>
+      </p:sp>
+      <p:sp>
+        <p:nvSpPr>
+          <p:cNvPr id="3" name="Text Placeholder 2"/>
+          <p:cNvSpPr>
+            <a:spLocks noGrp="1"/>
+          </p:cNvSpPr>
+          <p:nvPr>
+            <p:ph type="body" idx="1"/>
+          </p:nvPr>
+        </p:nvSpPr>
+        <p:spPr>
+          <a:xfrm>
+            <a:off x="609598" y="4527448"/>
+            <a:ext cx="6347715" cy="860400"/>
+          </a:xfrm>
+        </p:spPr>
+        <p:txBody>
           <a:bodyPr anchor="t"/>
           <a:lstStyle>
-            <a:lvl1pPr algn="l">
-              <a:defRPr sz="4000" b="1" cap="all"/>
+            <a:lvl1pPr marL="0" indent="0" algn="l">
+              <a:buNone/>
+              <a:defRPr sz="2000">
+                <a:solidFill>
+                  <a:schemeClr val="tx1">
+                    <a:lumMod val="50000"/>
+                    <a:lumOff val="50000"/>
+                  </a:schemeClr>
+                </a:solidFill>
+              </a:defRPr>
             </a:lvl1pPr>
-          </a:lstStyle>
-          <a:p>
-            <a:r>
-              <a:rPr lang="pt-BR" smtClean="0"/>
-              <a:t>Clique para editar o estilo do título mestre</a:t>
-            </a:r>
-            <a:endParaRPr lang="pt-BR"/>
-          </a:p>
-        </p:txBody>
-      </p:sp>
-      <p:sp>
-        <p:nvSpPr>
-          <p:cNvPr id="3" name="Espaço Reservado para Texto 2"/>
-          <p:cNvSpPr>
-            <a:spLocks noGrp="1"/>
-          </p:cNvSpPr>
-          <p:nvPr>
-            <p:ph type="body" idx="1"/>
-          </p:nvPr>
-        </p:nvSpPr>
-        <p:spPr>
-          <a:xfrm>
-            <a:off x="722313" y="2906713"/>
-            <a:ext cx="7772400" cy="1500187"/>
-          </a:xfrm>
-        </p:spPr>
-        <p:txBody>
-          <a:bodyPr anchor="b"/>
-          <a:lstStyle>
-            <a:lvl1pPr marL="0" indent="0">
-              <a:buNone/>
-              <a:defRPr sz="2000">
+            <a:lvl2pPr marL="457200" indent="0">
+              <a:buNone/>
+              <a:defRPr sz="1800">
                 <a:solidFill>
                   <a:schemeClr val="tx1">
                     <a:tint val="75000"/>
                   </a:schemeClr>
                 </a:solidFill>
               </a:defRPr>
-            </a:lvl1pPr>
-            <a:lvl2pPr marL="457200" indent="0">
-              <a:buNone/>
-              <a:defRPr sz="1800">
+            </a:lvl2pPr>
+            <a:lvl3pPr marL="914400" indent="0">
+              <a:buNone/>
+              <a:defRPr sz="1600">
                 <a:solidFill>
                   <a:schemeClr val="tx1">
                     <a:tint val="75000"/>
                   </a:schemeClr>
                 </a:solidFill>
               </a:defRPr>
-            </a:lvl2pPr>
-            <a:lvl3pPr marL="914400" indent="0">
-              <a:buNone/>
-              <a:defRPr sz="1600">
+            </a:lvl3pPr>
+            <a:lvl4pPr marL="1371600" indent="0">
+              <a:buNone/>
+              <a:defRPr sz="1400">
                 <a:solidFill>
                   <a:schemeClr val="tx1">
                     <a:tint val="75000"/>
                   </a:schemeClr>
                 </a:solidFill>
               </a:defRPr>
-            </a:lvl3pPr>
-            <a:lvl4pPr marL="1371600" indent="0">
+            </a:lvl4pPr>
+            <a:lvl5pPr marL="1828800" indent="0">
               <a:buNone/>
               <a:defRPr sz="1400">
                 <a:solidFill>
@@ -962,8 +3680,8 @@
                   </a:schemeClr>
                 </a:solidFill>
               </a:defRPr>
-            </a:lvl4pPr>
-            <a:lvl5pPr marL="1828800" indent="0">
+            </a:lvl5pPr>
+            <a:lvl6pPr marL="2286000" indent="0">
               <a:buNone/>
               <a:defRPr sz="1400">
                 <a:solidFill>
@@ -972,8 +3690,8 @@
                   </a:schemeClr>
                 </a:solidFill>
               </a:defRPr>
-            </a:lvl5pPr>
-            <a:lvl6pPr marL="2286000" indent="0">
+            </a:lvl6pPr>
+            <a:lvl7pPr marL="2743200" indent="0">
               <a:buNone/>
               <a:defRPr sz="1400">
                 <a:solidFill>
@@ -982,8 +3700,8 @@
                   </a:schemeClr>
                 </a:solidFill>
               </a:defRPr>
-            </a:lvl6pPr>
-            <a:lvl7pPr marL="2743200" indent="0">
+            </a:lvl7pPr>
+            <a:lvl8pPr marL="3200400" indent="0">
               <a:buNone/>
               <a:defRPr sz="1400">
                 <a:solidFill>
@@ -992,8 +3710,8 @@
                   </a:schemeClr>
                 </a:solidFill>
               </a:defRPr>
-            </a:lvl7pPr>
-            <a:lvl8pPr marL="3200400" indent="0">
+            </a:lvl8pPr>
+            <a:lvl9pPr marL="3657600" indent="0">
               <a:buNone/>
               <a:defRPr sz="1400">
                 <a:solidFill>
@@ -1002,30 +3720,20 @@
                   </a:schemeClr>
                 </a:solidFill>
               </a:defRPr>
-            </a:lvl8pPr>
-            <a:lvl9pPr marL="3657600" indent="0">
-              <a:buNone/>
-              <a:defRPr sz="1400">
-                <a:solidFill>
-                  <a:schemeClr val="tx1">
-                    <a:tint val="75000"/>
-                  </a:schemeClr>
-                </a:solidFill>
-              </a:defRPr>
             </a:lvl9pPr>
           </a:lstStyle>
           <a:p>
             <a:pPr lvl="0"/>
             <a:r>
-              <a:rPr lang="pt-BR" smtClean="0"/>
-              <a:t>Clique para editar os estilos do texto mestre</a:t>
-            </a:r>
-          </a:p>
-        </p:txBody>
-      </p:sp>
-      <p:sp>
-        <p:nvSpPr>
-          <p:cNvPr id="4" name="Espaço Reservado para Data 3"/>
+              <a:rPr lang="pt-BR"/>
+              <a:t>Clique para editar os estilos de texto Mestres</a:t>
+            </a:r>
+          </a:p>
+        </p:txBody>
+      </p:sp>
+      <p:sp>
+        <p:nvSpPr>
+          <p:cNvPr id="4" name="Date Placeholder 3"/>
           <p:cNvSpPr>
             <a:spLocks noGrp="1"/>
           </p:cNvSpPr>
@@ -1040,7 +3748,7 @@
           <a:p>
             <a:fld id="{39F04FFC-F542-43E7-9AF8-932ABA3A3110}" type="datetimeFigureOut">
               <a:rPr lang="pt-BR" smtClean="0"/>
-              <a:t>25/04/2016</a:t>
+              <a:t>03/06/2019</a:t>
             </a:fld>
             <a:endParaRPr lang="pt-BR"/>
           </a:p>
@@ -1048,7 +3756,7 @@
       </p:sp>
       <p:sp>
         <p:nvSpPr>
-          <p:cNvPr id="5" name="Espaço Reservado para Rodapé 4"/>
+          <p:cNvPr id="5" name="Footer Placeholder 4"/>
           <p:cNvSpPr>
             <a:spLocks noGrp="1"/>
           </p:cNvSpPr>
@@ -1067,7 +3775,7 @@
       </p:sp>
       <p:sp>
         <p:nvSpPr>
-          <p:cNvPr id="6" name="Espaço Reservado para Número de Slide 5"/>
+          <p:cNvPr id="6" name="Slide Number Placeholder 5"/>
           <p:cNvSpPr>
             <a:spLocks noGrp="1"/>
           </p:cNvSpPr>
@@ -1089,6 +3797,11 @@
         </p:txBody>
       </p:sp>
     </p:spTree>
+    <p:extLst>
+      <p:ext uri="{BB962C8B-B14F-4D97-AF65-F5344CB8AC3E}">
+        <p14:creationId xmlns:p14="http://schemas.microsoft.com/office/powerpoint/2010/main" val="2828647818"/>
+      </p:ext>
+    </p:extLst>
   </p:cSld>
   <p:clrMapOvr>
     <a:masterClrMapping/>
@@ -1115,115 +3828,122 @@
       </p:grpSpPr>
       <p:sp>
         <p:nvSpPr>
-          <p:cNvPr id="2" name="Título 1"/>
+          <p:cNvPr id="2" name="Title 1"/>
           <p:cNvSpPr>
             <a:spLocks noGrp="1"/>
           </p:cNvSpPr>
           <p:nvPr>
             <p:ph type="title"/>
-          </p:nvPr>
-        </p:nvSpPr>
-        <p:spPr/>
-        <p:txBody>
-          <a:bodyPr/>
-          <a:lstStyle/>
-          <a:p>
-            <a:r>
-              <a:rPr lang="pt-BR" smtClean="0"/>
-              <a:t>Clique para editar o estilo do título mestre</a:t>
-            </a:r>
-            <a:endParaRPr lang="pt-BR"/>
-          </a:p>
-        </p:txBody>
-      </p:sp>
-      <p:sp>
-        <p:nvSpPr>
-          <p:cNvPr id="3" name="Espaço Reservado para Conteúdo 2"/>
-          <p:cNvSpPr>
-            <a:spLocks noGrp="1"/>
-          </p:cNvSpPr>
-          <p:nvPr>
-            <p:ph sz="half" idx="1"/>
           </p:nvPr>
         </p:nvSpPr>
         <p:spPr>
           <a:xfrm>
-            <a:off x="457200" y="1600200"/>
-            <a:ext cx="4038600" cy="4525963"/>
+            <a:off x="609600" y="609600"/>
+            <a:ext cx="6347714" cy="1320800"/>
           </a:xfrm>
         </p:spPr>
         <p:txBody>
           <a:bodyPr/>
+          <a:lstStyle/>
+          <a:p>
+            <a:r>
+              <a:rPr lang="pt-BR"/>
+              <a:t>Clique para editar o título Mestre</a:t>
+            </a:r>
+            <a:endParaRPr lang="en-US" dirty="0"/>
+          </a:p>
+        </p:txBody>
+      </p:sp>
+      <p:sp>
+        <p:nvSpPr>
+          <p:cNvPr id="3" name="Content Placeholder 2"/>
+          <p:cNvSpPr>
+            <a:spLocks noGrp="1"/>
+          </p:cNvSpPr>
+          <p:nvPr>
+            <p:ph sz="half" idx="1"/>
+          </p:nvPr>
+        </p:nvSpPr>
+        <p:spPr>
+          <a:xfrm>
+            <a:off x="609600" y="2160589"/>
+            <a:ext cx="3088109" cy="3880772"/>
+          </a:xfrm>
+        </p:spPr>
+        <p:txBody>
+          <a:bodyPr>
+            <a:normAutofit/>
+          </a:bodyPr>
           <a:lstStyle>
             <a:lvl1pPr>
-              <a:defRPr sz="2800"/>
+              <a:defRPr sz="1800"/>
             </a:lvl1pPr>
             <a:lvl2pPr>
-              <a:defRPr sz="2400"/>
+              <a:defRPr sz="1600"/>
             </a:lvl2pPr>
             <a:lvl3pPr>
-              <a:defRPr sz="2000"/>
+              <a:defRPr sz="1400"/>
             </a:lvl3pPr>
             <a:lvl4pPr>
-              <a:defRPr sz="1800"/>
+              <a:defRPr sz="1200"/>
             </a:lvl4pPr>
             <a:lvl5pPr>
-              <a:defRPr sz="1800"/>
+              <a:defRPr sz="1200"/>
             </a:lvl5pPr>
             <a:lvl6pPr>
-              <a:defRPr sz="1800"/>
+              <a:defRPr sz="1200"/>
             </a:lvl6pPr>
             <a:lvl7pPr>
-              <a:defRPr sz="1800"/>
+              <a:defRPr sz="1200"/>
             </a:lvl7pPr>
             <a:lvl8pPr>
-              <a:defRPr sz="1800"/>
+              <a:defRPr sz="1200"/>
             </a:lvl8pPr>
             <a:lvl9pPr>
-              <a:defRPr sz="1800"/>
+              <a:defRPr sz="1200"/>
             </a:lvl9pPr>
           </a:lstStyle>
           <a:p>
             <a:pPr lvl="0"/>
             <a:r>
-              <a:rPr lang="pt-BR" smtClean="0"/>
-              <a:t>Clique para editar os estilos do texto mestre</a:t>
+              <a:rPr lang="pt-BR"/>
+              <a:t>Clique para editar os estilos de texto Mestres</a:t>
             </a:r>
           </a:p>
           <a:p>
             <a:pPr lvl="1"/>
             <a:r>
-              <a:rPr lang="pt-BR" smtClean="0"/>
+              <a:rPr lang="pt-BR"/>
               <a:t>Segundo nível</a:t>
             </a:r>
           </a:p>
           <a:p>
             <a:pPr lvl="2"/>
             <a:r>
-              <a:rPr lang="pt-BR" smtClean="0"/>
+              <a:rPr lang="pt-BR"/>
               <a:t>Terceiro nível</a:t>
             </a:r>
           </a:p>
           <a:p>
             <a:pPr lvl="3"/>
             <a:r>
-              <a:rPr lang="pt-BR" smtClean="0"/>
+              <a:rPr lang="pt-BR"/>
               <a:t>Quarto nível</a:t>
             </a:r>
           </a:p>
           <a:p>
             <a:pPr lvl="4"/>
             <a:r>
-              <a:rPr lang="pt-BR" smtClean="0"/>
+              <a:rPr lang="pt-BR"/>
               <a:t>Quinto nível</a:t>
             </a:r>
-            <a:endParaRPr lang="pt-BR"/>
-          </a:p>
-        </p:txBody>
-      </p:sp>
-      <p:sp>
-        <p:nvSpPr>
-          <p:cNvPr id="4" name="Espaço Reservado para Conteúdo 3"/>
+            <a:endParaRPr lang="en-US" dirty="0"/>
+          </a:p>
+        </p:txBody>
+      </p:sp>
+      <p:sp>
+        <p:nvSpPr>
+          <p:cNvPr id="4" name="Content Placeholder 3"/>
           <p:cNvSpPr>
             <a:spLocks noGrp="1"/>
           </p:cNvSpPr>
@@ -1233,82 +3953,84 @@
         </p:nvSpPr>
         <p:spPr>
           <a:xfrm>
-            <a:off x="4648200" y="1600200"/>
-            <a:ext cx="4038600" cy="4525963"/>
+            <a:off x="3869204" y="2160590"/>
+            <a:ext cx="3088110" cy="3880773"/>
           </a:xfrm>
         </p:spPr>
         <p:txBody>
-          <a:bodyPr/>
+          <a:bodyPr>
+            <a:normAutofit/>
+          </a:bodyPr>
           <a:lstStyle>
             <a:lvl1pPr>
-              <a:defRPr sz="2800"/>
+              <a:defRPr sz="1800"/>
             </a:lvl1pPr>
             <a:lvl2pPr>
-              <a:defRPr sz="2400"/>
+              <a:defRPr sz="1600"/>
             </a:lvl2pPr>
             <a:lvl3pPr>
-              <a:defRPr sz="2000"/>
+              <a:defRPr sz="1400"/>
             </a:lvl3pPr>
             <a:lvl4pPr>
-              <a:defRPr sz="1800"/>
+              <a:defRPr sz="1200"/>
             </a:lvl4pPr>
             <a:lvl5pPr>
-              <a:defRPr sz="1800"/>
+              <a:defRPr sz="1200"/>
             </a:lvl5pPr>
             <a:lvl6pPr>
-              <a:defRPr sz="1800"/>
+              <a:defRPr sz="1200"/>
             </a:lvl6pPr>
             <a:lvl7pPr>
-              <a:defRPr sz="1800"/>
+              <a:defRPr sz="1200"/>
             </a:lvl7pPr>
             <a:lvl8pPr>
-              <a:defRPr sz="1800"/>
+              <a:defRPr sz="1200"/>
             </a:lvl8pPr>
             <a:lvl9pPr>
-              <a:defRPr sz="1800"/>
+              <a:defRPr sz="1200"/>
             </a:lvl9pPr>
           </a:lstStyle>
           <a:p>
             <a:pPr lvl="0"/>
             <a:r>
-              <a:rPr lang="pt-BR" smtClean="0"/>
-              <a:t>Clique para editar os estilos do texto mestre</a:t>
+              <a:rPr lang="pt-BR"/>
+              <a:t>Clique para editar os estilos de texto Mestres</a:t>
             </a:r>
           </a:p>
           <a:p>
             <a:pPr lvl="1"/>
             <a:r>
-              <a:rPr lang="pt-BR" smtClean="0"/>
+              <a:rPr lang="pt-BR"/>
               <a:t>Segundo nível</a:t>
             </a:r>
           </a:p>
           <a:p>
             <a:pPr lvl="2"/>
             <a:r>
-              <a:rPr lang="pt-BR" smtClean="0"/>
+              <a:rPr lang="pt-BR"/>
               <a:t>Terceiro nível</a:t>
             </a:r>
           </a:p>
           <a:p>
             <a:pPr lvl="3"/>
             <a:r>
-              <a:rPr lang="pt-BR" smtClean="0"/>
+              <a:rPr lang="pt-BR"/>
               <a:t>Quarto nível</a:t>
             </a:r>
           </a:p>
           <a:p>
             <a:pPr lvl="4"/>
             <a:r>
-              <a:rPr lang="pt-BR" smtClean="0"/>
+              <a:rPr lang="pt-BR"/>
               <a:t>Quinto nível</a:t>
             </a:r>
-            <a:endParaRPr lang="pt-BR"/>
-          </a:p>
-        </p:txBody>
-      </p:sp>
-      <p:sp>
-        <p:nvSpPr>
-          <p:cNvPr id="5" name="Espaço Reservado para Data 4"/>
+            <a:endParaRPr lang="en-US" dirty="0"/>
+          </a:p>
+        </p:txBody>
+      </p:sp>
+      <p:sp>
+        <p:nvSpPr>
+          <p:cNvPr id="5" name="Date Placeholder 4"/>
           <p:cNvSpPr>
             <a:spLocks noGrp="1"/>
           </p:cNvSpPr>
@@ -1323,7 +4045,7 @@
           <a:p>
             <a:fld id="{39F04FFC-F542-43E7-9AF8-932ABA3A3110}" type="datetimeFigureOut">
               <a:rPr lang="pt-BR" smtClean="0"/>
-              <a:t>25/04/2016</a:t>
+              <a:t>03/06/2019</a:t>
             </a:fld>
             <a:endParaRPr lang="pt-BR"/>
           </a:p>
@@ -1331,7 +4053,7 @@
       </p:sp>
       <p:sp>
         <p:nvSpPr>
-          <p:cNvPr id="6" name="Espaço Reservado para Rodapé 5"/>
+          <p:cNvPr id="6" name="Footer Placeholder 5"/>
           <p:cNvSpPr>
             <a:spLocks noGrp="1"/>
           </p:cNvSpPr>
@@ -1350,7 +4072,7 @@
       </p:sp>
       <p:sp>
         <p:nvSpPr>
-          <p:cNvPr id="7" name="Espaço Reservado para Número de Slide 6"/>
+          <p:cNvPr id="7" name="Slide Number Placeholder 6"/>
           <p:cNvSpPr>
             <a:spLocks noGrp="1"/>
           </p:cNvSpPr>
@@ -1372,6 +4094,11 @@
         </p:txBody>
       </p:sp>
     </p:spTree>
+    <p:extLst>
+      <p:ext uri="{BB962C8B-B14F-4D97-AF65-F5344CB8AC3E}">
+        <p14:creationId xmlns:p14="http://schemas.microsoft.com/office/powerpoint/2010/main" val="958201298"/>
+      </p:ext>
+    </p:extLst>
   </p:cSld>
   <p:clrMapOvr>
     <a:masterClrMapping/>
@@ -1398,7 +4125,7 @@
       </p:grpSpPr>
       <p:sp>
         <p:nvSpPr>
-          <p:cNvPr id="2" name="Título 1"/>
+          <p:cNvPr id="2" name="Title 1"/>
           <p:cNvSpPr>
             <a:spLocks noGrp="1"/>
           </p:cNvSpPr>
@@ -1406,7 +4133,12 @@
             <p:ph type="title"/>
           </p:nvPr>
         </p:nvSpPr>
-        <p:spPr/>
+        <p:spPr>
+          <a:xfrm>
+            <a:off x="609599" y="609600"/>
+            <a:ext cx="6347713" cy="1320800"/>
+          </a:xfrm>
+        </p:spPr>
         <p:txBody>
           <a:bodyPr/>
           <a:lstStyle>
@@ -1416,16 +4148,16 @@
           </a:lstStyle>
           <a:p>
             <a:r>
-              <a:rPr lang="pt-BR" smtClean="0"/>
-              <a:t>Clique para editar o estilo do título mestre</a:t>
-            </a:r>
-            <a:endParaRPr lang="pt-BR"/>
-          </a:p>
-        </p:txBody>
-      </p:sp>
-      <p:sp>
-        <p:nvSpPr>
-          <p:cNvPr id="3" name="Espaço Reservado para Texto 2"/>
+              <a:rPr lang="pt-BR"/>
+              <a:t>Clique para editar o título Mestre</a:t>
+            </a:r>
+            <a:endParaRPr lang="en-US" dirty="0"/>
+          </a:p>
+        </p:txBody>
+      </p:sp>
+      <p:sp>
+        <p:nvSpPr>
+          <p:cNvPr id="3" name="Text Placeholder 2"/>
           <p:cNvSpPr>
             <a:spLocks noGrp="1"/>
           </p:cNvSpPr>
@@ -1435,16 +4167,18 @@
         </p:nvSpPr>
         <p:spPr>
           <a:xfrm>
-            <a:off x="457200" y="1535113"/>
-            <a:ext cx="4040188" cy="639762"/>
+            <a:off x="609599" y="2160983"/>
+            <a:ext cx="3090672" cy="576262"/>
           </a:xfrm>
         </p:spPr>
         <p:txBody>
-          <a:bodyPr anchor="b"/>
+          <a:bodyPr anchor="b">
+            <a:noAutofit/>
+          </a:bodyPr>
           <a:lstStyle>
             <a:lvl1pPr marL="0" indent="0">
               <a:buNone/>
-              <a:defRPr sz="2400" b="1"/>
+              <a:defRPr sz="2400" b="0"/>
             </a:lvl1pPr>
             <a:lvl2pPr marL="457200" indent="0">
               <a:buNone/>
@@ -1482,15 +4216,15 @@
           <a:p>
             <a:pPr lvl="0"/>
             <a:r>
-              <a:rPr lang="pt-BR" smtClean="0"/>
-              <a:t>Clique para editar os estilos do texto mestre</a:t>
-            </a:r>
-          </a:p>
-        </p:txBody>
-      </p:sp>
-      <p:sp>
-        <p:nvSpPr>
-          <p:cNvPr id="4" name="Espaço Reservado para Conteúdo 3"/>
+              <a:rPr lang="pt-BR"/>
+              <a:t>Clique para editar os estilos de texto Mestres</a:t>
+            </a:r>
+          </a:p>
+        </p:txBody>
+      </p:sp>
+      <p:sp>
+        <p:nvSpPr>
+          <p:cNvPr id="4" name="Content Placeholder 3"/>
           <p:cNvSpPr>
             <a:spLocks noGrp="1"/>
           </p:cNvSpPr>
@@ -1500,82 +4234,56 @@
         </p:nvSpPr>
         <p:spPr>
           <a:xfrm>
-            <a:off x="457200" y="2174875"/>
-            <a:ext cx="4040188" cy="3951288"/>
+            <a:off x="609599" y="2737246"/>
+            <a:ext cx="3090672" cy="3304117"/>
           </a:xfrm>
         </p:spPr>
         <p:txBody>
-          <a:bodyPr/>
-          <a:lstStyle>
-            <a:lvl1pPr>
-              <a:defRPr sz="2400"/>
-            </a:lvl1pPr>
-            <a:lvl2pPr>
-              <a:defRPr sz="2000"/>
-            </a:lvl2pPr>
-            <a:lvl3pPr>
-              <a:defRPr sz="1800"/>
-            </a:lvl3pPr>
-            <a:lvl4pPr>
-              <a:defRPr sz="1600"/>
-            </a:lvl4pPr>
-            <a:lvl5pPr>
-              <a:defRPr sz="1600"/>
-            </a:lvl5pPr>
-            <a:lvl6pPr>
-              <a:defRPr sz="1600"/>
-            </a:lvl6pPr>
-            <a:lvl7pPr>
-              <a:defRPr sz="1600"/>
-            </a:lvl7pPr>
-            <a:lvl8pPr>
-              <a:defRPr sz="1600"/>
-            </a:lvl8pPr>
-            <a:lvl9pPr>
-              <a:defRPr sz="1600"/>
-            </a:lvl9pPr>
-          </a:lstStyle>
+          <a:bodyPr>
+            <a:normAutofit/>
+          </a:bodyPr>
+          <a:lstStyle/>
           <a:p>
             <a:pPr lvl="0"/>
             <a:r>
-              <a:rPr lang="pt-BR" smtClean="0"/>
-              <a:t>Clique para editar os estilos do texto mestre</a:t>
+              <a:rPr lang="pt-BR"/>
+              <a:t>Clique para editar os estilos de texto Mestres</a:t>
             </a:r>
           </a:p>
           <a:p>
             <a:pPr lvl="1"/>
             <a:r>
-              <a:rPr lang="pt-BR" smtClean="0"/>
+              <a:rPr lang="pt-BR"/>
               <a:t>Segundo nível</a:t>
             </a:r>
           </a:p>
           <a:p>
             <a:pPr lvl="2"/>
             <a:r>
-              <a:rPr lang="pt-BR" smtClean="0"/>
+              <a:rPr lang="pt-BR"/>
               <a:t>Terceiro nível</a:t>
             </a:r>
           </a:p>
           <a:p>
             <a:pPr lvl="3"/>
             <a:r>
-              <a:rPr lang="pt-BR" smtClean="0"/>
+              <a:rPr lang="pt-BR"/>
               <a:t>Quarto nível</a:t>
             </a:r>
           </a:p>
           <a:p>
             <a:pPr lvl="4"/>
             <a:r>
-              <a:rPr lang="pt-BR" smtClean="0"/>
+              <a:rPr lang="pt-BR"/>
               <a:t>Quinto nível</a:t>
             </a:r>
-            <a:endParaRPr lang="pt-BR"/>
-          </a:p>
-        </p:txBody>
-      </p:sp>
-      <p:sp>
-        <p:nvSpPr>
-          <p:cNvPr id="5" name="Espaço Reservado para Texto 4"/>
+            <a:endParaRPr lang="en-US" dirty="0"/>
+          </a:p>
+        </p:txBody>
+      </p:sp>
+      <p:sp>
+        <p:nvSpPr>
+          <p:cNvPr id="5" name="Text Placeholder 4"/>
           <p:cNvSpPr>
             <a:spLocks noGrp="1"/>
           </p:cNvSpPr>
@@ -1585,16 +4293,18 @@
         </p:nvSpPr>
         <p:spPr>
           <a:xfrm>
-            <a:off x="4645025" y="1535113"/>
-            <a:ext cx="4041775" cy="639762"/>
+            <a:off x="3866640" y="2160983"/>
+            <a:ext cx="3090672" cy="576262"/>
           </a:xfrm>
         </p:spPr>
         <p:txBody>
-          <a:bodyPr anchor="b"/>
+          <a:bodyPr anchor="b">
+            <a:noAutofit/>
+          </a:bodyPr>
           <a:lstStyle>
             <a:lvl1pPr marL="0" indent="0">
               <a:buNone/>
-              <a:defRPr sz="2400" b="1"/>
+              <a:defRPr sz="2400" b="0"/>
             </a:lvl1pPr>
             <a:lvl2pPr marL="457200" indent="0">
               <a:buNone/>
@@ -1632,15 +4342,15 @@
           <a:p>
             <a:pPr lvl="0"/>
             <a:r>
-              <a:rPr lang="pt-BR" smtClean="0"/>
-              <a:t>Clique para editar os estilos do texto mestre</a:t>
-            </a:r>
-          </a:p>
-        </p:txBody>
-      </p:sp>
-      <p:sp>
-        <p:nvSpPr>
-          <p:cNvPr id="6" name="Espaço Reservado para Conteúdo 5"/>
+              <a:rPr lang="pt-BR"/>
+              <a:t>Clique para editar os estilos de texto Mestres</a:t>
+            </a:r>
+          </a:p>
+        </p:txBody>
+      </p:sp>
+      <p:sp>
+        <p:nvSpPr>
+          <p:cNvPr id="6" name="Content Placeholder 5"/>
           <p:cNvSpPr>
             <a:spLocks noGrp="1"/>
           </p:cNvSpPr>
@@ -1650,82 +4360,56 @@
         </p:nvSpPr>
         <p:spPr>
           <a:xfrm>
-            <a:off x="4645025" y="2174875"/>
-            <a:ext cx="4041775" cy="3951288"/>
+            <a:off x="3866640" y="2737246"/>
+            <a:ext cx="3090672" cy="3304117"/>
           </a:xfrm>
         </p:spPr>
         <p:txBody>
-          <a:bodyPr/>
-          <a:lstStyle>
-            <a:lvl1pPr>
-              <a:defRPr sz="2400"/>
-            </a:lvl1pPr>
-            <a:lvl2pPr>
-              <a:defRPr sz="2000"/>
-            </a:lvl2pPr>
-            <a:lvl3pPr>
-              <a:defRPr sz="1800"/>
-            </a:lvl3pPr>
-            <a:lvl4pPr>
-              <a:defRPr sz="1600"/>
-            </a:lvl4pPr>
-            <a:lvl5pPr>
-              <a:defRPr sz="1600"/>
-            </a:lvl5pPr>
-            <a:lvl6pPr>
-              <a:defRPr sz="1600"/>
-            </a:lvl6pPr>
-            <a:lvl7pPr>
-              <a:defRPr sz="1600"/>
-            </a:lvl7pPr>
-            <a:lvl8pPr>
-              <a:defRPr sz="1600"/>
-            </a:lvl8pPr>
-            <a:lvl9pPr>
-              <a:defRPr sz="1600"/>
-            </a:lvl9pPr>
-          </a:lstStyle>
+          <a:bodyPr>
+            <a:normAutofit/>
+          </a:bodyPr>
+          <a:lstStyle/>
           <a:p>
             <a:pPr lvl="0"/>
             <a:r>
-              <a:rPr lang="pt-BR" smtClean="0"/>
-              <a:t>Clique para editar os estilos do texto mestre</a:t>
+              <a:rPr lang="pt-BR"/>
+              <a:t>Clique para editar os estilos de texto Mestres</a:t>
             </a:r>
           </a:p>
           <a:p>
             <a:pPr lvl="1"/>
             <a:r>
-              <a:rPr lang="pt-BR" smtClean="0"/>
+              <a:rPr lang="pt-BR"/>
               <a:t>Segundo nível</a:t>
             </a:r>
           </a:p>
           <a:p>
             <a:pPr lvl="2"/>
             <a:r>
-              <a:rPr lang="pt-BR" smtClean="0"/>
+              <a:rPr lang="pt-BR"/>
               <a:t>Terceiro nível</a:t>
             </a:r>
           </a:p>
           <a:p>
             <a:pPr lvl="3"/>
             <a:r>
-              <a:rPr lang="pt-BR" smtClean="0"/>
+              <a:rPr lang="pt-BR"/>
               <a:t>Quarto nível</a:t>
             </a:r>
           </a:p>
           <a:p>
             <a:pPr lvl="4"/>
             <a:r>
-              <a:rPr lang="pt-BR" smtClean="0"/>
+              <a:rPr lang="pt-BR"/>
               <a:t>Quinto nível</a:t>
             </a:r>
-            <a:endParaRPr lang="pt-BR"/>
-          </a:p>
-        </p:txBody>
-      </p:sp>
-      <p:sp>
-        <p:nvSpPr>
-          <p:cNvPr id="7" name="Espaço Reservado para Data 6"/>
+            <a:endParaRPr lang="en-US" dirty="0"/>
+          </a:p>
+        </p:txBody>
+      </p:sp>
+      <p:sp>
+        <p:nvSpPr>
+          <p:cNvPr id="7" name="Date Placeholder 6"/>
           <p:cNvSpPr>
             <a:spLocks noGrp="1"/>
           </p:cNvSpPr>
@@ -1740,7 +4424,7 @@
           <a:p>
             <a:fld id="{39F04FFC-F542-43E7-9AF8-932ABA3A3110}" type="datetimeFigureOut">
               <a:rPr lang="pt-BR" smtClean="0"/>
-              <a:t>25/04/2016</a:t>
+              <a:t>03/06/2019</a:t>
             </a:fld>
             <a:endParaRPr lang="pt-BR"/>
           </a:p>
@@ -1748,7 +4432,7 @@
       </p:sp>
       <p:sp>
         <p:nvSpPr>
-          <p:cNvPr id="8" name="Espaço Reservado para Rodapé 7"/>
+          <p:cNvPr id="8" name="Footer Placeholder 7"/>
           <p:cNvSpPr>
             <a:spLocks noGrp="1"/>
           </p:cNvSpPr>
@@ -1767,7 +4451,7 @@
       </p:sp>
       <p:sp>
         <p:nvSpPr>
-          <p:cNvPr id="9" name="Espaço Reservado para Número de Slide 8"/>
+          <p:cNvPr id="9" name="Slide Number Placeholder 8"/>
           <p:cNvSpPr>
             <a:spLocks noGrp="1"/>
           </p:cNvSpPr>
@@ -1789,6 +4473,11 @@
         </p:txBody>
       </p:sp>
     </p:spTree>
+    <p:extLst>
+      <p:ext uri="{BB962C8B-B14F-4D97-AF65-F5344CB8AC3E}">
+        <p14:creationId xmlns:p14="http://schemas.microsoft.com/office/powerpoint/2010/main" val="2228397506"/>
+      </p:ext>
+    </p:extLst>
   </p:cSld>
   <p:clrMapOvr>
     <a:masterClrMapping/>
@@ -1798,7 +4487,7 @@
 
 <file path=ppt/slideLayouts/slideLayout6.xml><?xml version="1.0" encoding="utf-8"?>
 <p:sldLayout xmlns:a="http://schemas.openxmlformats.org/drawingml/2006/main" xmlns:r="http://schemas.openxmlformats.org/officeDocument/2006/relationships" xmlns:p="http://schemas.openxmlformats.org/presentationml/2006/main" type="titleOnly" preserve="1">
-  <p:cSld name="Somente título">
+  <p:cSld name="Somente Título">
     <p:spTree>
       <p:nvGrpSpPr>
         <p:cNvPr id="1" name=""/>
@@ -1815,7 +4504,7 @@
       </p:grpSpPr>
       <p:sp>
         <p:nvSpPr>
-          <p:cNvPr id="2" name="Título 1"/>
+          <p:cNvPr id="2" name="Title 1"/>
           <p:cNvSpPr>
             <a:spLocks noGrp="1"/>
           </p:cNvSpPr>
@@ -1823,22 +4512,27 @@
             <p:ph type="title"/>
           </p:nvPr>
         </p:nvSpPr>
-        <p:spPr/>
+        <p:spPr>
+          <a:xfrm>
+            <a:off x="609599" y="609600"/>
+            <a:ext cx="6347714" cy="1320800"/>
+          </a:xfrm>
+        </p:spPr>
         <p:txBody>
           <a:bodyPr/>
           <a:lstStyle/>
           <a:p>
             <a:r>
-              <a:rPr lang="pt-BR" smtClean="0"/>
-              <a:t>Clique para editar o estilo do título mestre</a:t>
-            </a:r>
-            <a:endParaRPr lang="pt-BR"/>
-          </a:p>
-        </p:txBody>
-      </p:sp>
-      <p:sp>
-        <p:nvSpPr>
-          <p:cNvPr id="3" name="Espaço Reservado para Data 2"/>
+              <a:rPr lang="pt-BR"/>
+              <a:t>Clique para editar o título Mestre</a:t>
+            </a:r>
+            <a:endParaRPr lang="en-US" dirty="0"/>
+          </a:p>
+        </p:txBody>
+      </p:sp>
+      <p:sp>
+        <p:nvSpPr>
+          <p:cNvPr id="3" name="Date Placeholder 2"/>
           <p:cNvSpPr>
             <a:spLocks noGrp="1"/>
           </p:cNvSpPr>
@@ -1853,7 +4547,7 @@
           <a:p>
             <a:fld id="{39F04FFC-F542-43E7-9AF8-932ABA3A3110}" type="datetimeFigureOut">
               <a:rPr lang="pt-BR" smtClean="0"/>
-              <a:t>25/04/2016</a:t>
+              <a:t>03/06/2019</a:t>
             </a:fld>
             <a:endParaRPr lang="pt-BR"/>
           </a:p>
@@ -1861,7 +4555,7 @@
       </p:sp>
       <p:sp>
         <p:nvSpPr>
-          <p:cNvPr id="4" name="Espaço Reservado para Rodapé 3"/>
+          <p:cNvPr id="4" name="Footer Placeholder 3"/>
           <p:cNvSpPr>
             <a:spLocks noGrp="1"/>
           </p:cNvSpPr>
@@ -1880,7 +4574,7 @@
       </p:sp>
       <p:sp>
         <p:nvSpPr>
-          <p:cNvPr id="5" name="Espaço Reservado para Número de Slide 4"/>
+          <p:cNvPr id="5" name="Slide Number Placeholder 4"/>
           <p:cNvSpPr>
             <a:spLocks noGrp="1"/>
           </p:cNvSpPr>
@@ -1902,6 +4596,11 @@
         </p:txBody>
       </p:sp>
     </p:spTree>
+    <p:extLst>
+      <p:ext uri="{BB962C8B-B14F-4D97-AF65-F5344CB8AC3E}">
+        <p14:creationId xmlns:p14="http://schemas.microsoft.com/office/powerpoint/2010/main" val="2632641424"/>
+      </p:ext>
+    </p:extLst>
   </p:cSld>
   <p:clrMapOvr>
     <a:masterClrMapping/>
@@ -1911,7 +4610,7 @@
 
 <file path=ppt/slideLayouts/slideLayout7.xml><?xml version="1.0" encoding="utf-8"?>
 <p:sldLayout xmlns:a="http://schemas.openxmlformats.org/drawingml/2006/main" xmlns:r="http://schemas.openxmlformats.org/officeDocument/2006/relationships" xmlns:p="http://schemas.openxmlformats.org/presentationml/2006/main" type="blank" preserve="1">
-  <p:cSld name="Em branco">
+  <p:cSld name="Em Branco">
     <p:spTree>
       <p:nvGrpSpPr>
         <p:cNvPr id="1" name=""/>
@@ -1928,7 +4627,7 @@
       </p:grpSpPr>
       <p:sp>
         <p:nvSpPr>
-          <p:cNvPr id="2" name="Espaço Reservado para Data 1"/>
+          <p:cNvPr id="2" name="Date Placeholder 1"/>
           <p:cNvSpPr>
             <a:spLocks noGrp="1"/>
           </p:cNvSpPr>
@@ -1943,7 +4642,7 @@
           <a:p>
             <a:fld id="{39F04FFC-F542-43E7-9AF8-932ABA3A3110}" type="datetimeFigureOut">
               <a:rPr lang="pt-BR" smtClean="0"/>
-              <a:t>25/04/2016</a:t>
+              <a:t>03/06/2019</a:t>
             </a:fld>
             <a:endParaRPr lang="pt-BR"/>
           </a:p>
@@ -1951,7 +4650,7 @@
       </p:sp>
       <p:sp>
         <p:nvSpPr>
-          <p:cNvPr id="3" name="Espaço Reservado para Rodapé 2"/>
+          <p:cNvPr id="3" name="Footer Placeholder 2"/>
           <p:cNvSpPr>
             <a:spLocks noGrp="1"/>
           </p:cNvSpPr>
@@ -1970,7 +4669,7 @@
       </p:sp>
       <p:sp>
         <p:nvSpPr>
-          <p:cNvPr id="4" name="Espaço Reservado para Número de Slide 3"/>
+          <p:cNvPr id="4" name="Slide Number Placeholder 3"/>
           <p:cNvSpPr>
             <a:spLocks noGrp="1"/>
           </p:cNvSpPr>
@@ -1992,6 +4691,11 @@
         </p:txBody>
       </p:sp>
     </p:spTree>
+    <p:extLst>
+      <p:ext uri="{BB962C8B-B14F-4D97-AF65-F5344CB8AC3E}">
+        <p14:creationId xmlns:p14="http://schemas.microsoft.com/office/powerpoint/2010/main" val="3955572633"/>
+      </p:ext>
+    </p:extLst>
   </p:cSld>
   <p:clrMapOvr>
     <a:masterClrMapping/>
@@ -2018,7 +4722,7 @@
       </p:grpSpPr>
       <p:sp>
         <p:nvSpPr>
-          <p:cNvPr id="2" name="Título 1"/>
+          <p:cNvPr id="2" name="Title 1"/>
           <p:cNvSpPr>
             <a:spLocks noGrp="1"/>
           </p:cNvSpPr>
@@ -2028,29 +4732,31 @@
         </p:nvSpPr>
         <p:spPr>
           <a:xfrm>
-            <a:off x="457200" y="273050"/>
-            <a:ext cx="3008313" cy="1162050"/>
+            <a:off x="609599" y="1498604"/>
+            <a:ext cx="2790182" cy="1278466"/>
           </a:xfrm>
         </p:spPr>
         <p:txBody>
-          <a:bodyPr anchor="b"/>
+          <a:bodyPr anchor="b">
+            <a:normAutofit/>
+          </a:bodyPr>
           <a:lstStyle>
-            <a:lvl1pPr algn="l">
-              <a:defRPr sz="2000" b="1"/>
+            <a:lvl1pPr>
+              <a:defRPr sz="2000"/>
             </a:lvl1pPr>
           </a:lstStyle>
           <a:p>
             <a:r>
-              <a:rPr lang="pt-BR" smtClean="0"/>
-              <a:t>Clique para editar o estilo do título mestre</a:t>
-            </a:r>
-            <a:endParaRPr lang="pt-BR"/>
-          </a:p>
-        </p:txBody>
-      </p:sp>
-      <p:sp>
-        <p:nvSpPr>
-          <p:cNvPr id="3" name="Espaço Reservado para Conteúdo 2"/>
+              <a:rPr lang="pt-BR"/>
+              <a:t>Clique para editar o título Mestre</a:t>
+            </a:r>
+            <a:endParaRPr lang="en-US" dirty="0"/>
+          </a:p>
+        </p:txBody>
+      </p:sp>
+      <p:sp>
+        <p:nvSpPr>
+          <p:cNvPr id="3" name="Content Placeholder 2"/>
           <p:cNvSpPr>
             <a:spLocks noGrp="1"/>
           </p:cNvSpPr>
@@ -2060,147 +4766,123 @@
         </p:nvSpPr>
         <p:spPr>
           <a:xfrm>
-            <a:off x="3575050" y="273050"/>
-            <a:ext cx="5111750" cy="5853113"/>
+            <a:off x="3571275" y="514925"/>
+            <a:ext cx="3386037" cy="5526437"/>
           </a:xfrm>
         </p:spPr>
         <p:txBody>
-          <a:bodyPr/>
+          <a:bodyPr>
+            <a:normAutofit/>
+          </a:bodyPr>
+          <a:lstStyle/>
+          <a:p>
+            <a:pPr lvl="0"/>
+            <a:r>
+              <a:rPr lang="pt-BR"/>
+              <a:t>Clique para editar os estilos de texto Mestres</a:t>
+            </a:r>
+          </a:p>
+          <a:p>
+            <a:pPr lvl="1"/>
+            <a:r>
+              <a:rPr lang="pt-BR"/>
+              <a:t>Segundo nível</a:t>
+            </a:r>
+          </a:p>
+          <a:p>
+            <a:pPr lvl="2"/>
+            <a:r>
+              <a:rPr lang="pt-BR"/>
+              <a:t>Terceiro nível</a:t>
+            </a:r>
+          </a:p>
+          <a:p>
+            <a:pPr lvl="3"/>
+            <a:r>
+              <a:rPr lang="pt-BR"/>
+              <a:t>Quarto nível</a:t>
+            </a:r>
+          </a:p>
+          <a:p>
+            <a:pPr lvl="4"/>
+            <a:r>
+              <a:rPr lang="pt-BR"/>
+              <a:t>Quinto nível</a:t>
+            </a:r>
+            <a:endParaRPr lang="en-US" dirty="0"/>
+          </a:p>
+        </p:txBody>
+      </p:sp>
+      <p:sp>
+        <p:nvSpPr>
+          <p:cNvPr id="4" name="Text Placeholder 3"/>
+          <p:cNvSpPr>
+            <a:spLocks noGrp="1"/>
+          </p:cNvSpPr>
+          <p:nvPr>
+            <p:ph type="body" sz="half" idx="2"/>
+          </p:nvPr>
+        </p:nvSpPr>
+        <p:spPr>
+          <a:xfrm>
+            <a:off x="609599" y="2777069"/>
+            <a:ext cx="2790182" cy="2584449"/>
+          </a:xfrm>
+        </p:spPr>
+        <p:txBody>
+          <a:bodyPr>
+            <a:normAutofit/>
+          </a:bodyPr>
           <a:lstStyle>
-            <a:lvl1pPr>
-              <a:defRPr sz="3200"/>
+            <a:lvl1pPr marL="0" indent="0">
+              <a:buNone/>
+              <a:defRPr sz="1400"/>
             </a:lvl1pPr>
-            <a:lvl2pPr>
-              <a:defRPr sz="2800"/>
+            <a:lvl2pPr marL="342900" indent="0">
+              <a:buNone/>
+              <a:defRPr sz="1050"/>
             </a:lvl2pPr>
-            <a:lvl3pPr>
-              <a:defRPr sz="2400"/>
+            <a:lvl3pPr marL="685800" indent="0">
+              <a:buNone/>
+              <a:defRPr sz="900"/>
             </a:lvl3pPr>
-            <a:lvl4pPr>
-              <a:defRPr sz="2000"/>
+            <a:lvl4pPr marL="1028700" indent="0">
+              <a:buNone/>
+              <a:defRPr sz="750"/>
             </a:lvl4pPr>
-            <a:lvl5pPr>
-              <a:defRPr sz="2000"/>
+            <a:lvl5pPr marL="1371600" indent="0">
+              <a:buNone/>
+              <a:defRPr sz="750"/>
             </a:lvl5pPr>
-            <a:lvl6pPr>
-              <a:defRPr sz="2000"/>
+            <a:lvl6pPr marL="1714500" indent="0">
+              <a:buNone/>
+              <a:defRPr sz="750"/>
             </a:lvl6pPr>
-            <a:lvl7pPr>
-              <a:defRPr sz="2000"/>
+            <a:lvl7pPr marL="2057400" indent="0">
+              <a:buNone/>
+              <a:defRPr sz="750"/>
             </a:lvl7pPr>
-            <a:lvl8pPr>
-              <a:defRPr sz="2000"/>
+            <a:lvl8pPr marL="2400300" indent="0">
+              <a:buNone/>
+              <a:defRPr sz="750"/>
             </a:lvl8pPr>
-            <a:lvl9pPr>
-              <a:defRPr sz="2000"/>
+            <a:lvl9pPr marL="2743200" indent="0">
+              <a:buNone/>
+              <a:defRPr sz="750"/>
             </a:lvl9pPr>
           </a:lstStyle>
           <a:p>
             <a:pPr lvl="0"/>
             <a:r>
-              <a:rPr lang="pt-BR" smtClean="0"/>
-              <a:t>Clique para editar os estilos do texto mestre</a:t>
-            </a:r>
-          </a:p>
-          <a:p>
-            <a:pPr lvl="1"/>
-            <a:r>
-              <a:rPr lang="pt-BR" smtClean="0"/>
-              <a:t>Segundo nível</a:t>
-            </a:r>
-          </a:p>
-          <a:p>
-            <a:pPr lvl="2"/>
-            <a:r>
-              <a:rPr lang="pt-BR" smtClean="0"/>
-              <a:t>Terceiro nível</a:t>
-            </a:r>
-          </a:p>
-          <a:p>
-            <a:pPr lvl="3"/>
-            <a:r>
-              <a:rPr lang="pt-BR" smtClean="0"/>
-              <a:t>Quarto nível</a:t>
-            </a:r>
-          </a:p>
-          <a:p>
-            <a:pPr lvl="4"/>
-            <a:r>
-              <a:rPr lang="pt-BR" smtClean="0"/>
-              <a:t>Quinto nível</a:t>
-            </a:r>
-            <a:endParaRPr lang="pt-BR"/>
-          </a:p>
-        </p:txBody>
-      </p:sp>
-      <p:sp>
-        <p:nvSpPr>
-          <p:cNvPr id="4" name="Espaço Reservado para Texto 3"/>
-          <p:cNvSpPr>
-            <a:spLocks noGrp="1"/>
-          </p:cNvSpPr>
-          <p:nvPr>
-            <p:ph type="body" sz="half" idx="2"/>
-          </p:nvPr>
-        </p:nvSpPr>
-        <p:spPr>
-          <a:xfrm>
-            <a:off x="457200" y="1435100"/>
-            <a:ext cx="3008313" cy="4691063"/>
-          </a:xfrm>
-        </p:spPr>
-        <p:txBody>
-          <a:bodyPr/>
-          <a:lstStyle>
-            <a:lvl1pPr marL="0" indent="0">
-              <a:buNone/>
-              <a:defRPr sz="1400"/>
-            </a:lvl1pPr>
-            <a:lvl2pPr marL="457200" indent="0">
-              <a:buNone/>
-              <a:defRPr sz="1200"/>
-            </a:lvl2pPr>
-            <a:lvl3pPr marL="914400" indent="0">
-              <a:buNone/>
-              <a:defRPr sz="1000"/>
-            </a:lvl3pPr>
-            <a:lvl4pPr marL="1371600" indent="0">
-              <a:buNone/>
-              <a:defRPr sz="900"/>
-            </a:lvl4pPr>
-            <a:lvl5pPr marL="1828800" indent="0">
-              <a:buNone/>
-              <a:defRPr sz="900"/>
-            </a:lvl5pPr>
-            <a:lvl6pPr marL="2286000" indent="0">
-              <a:buNone/>
-              <a:defRPr sz="900"/>
-            </a:lvl6pPr>
-            <a:lvl7pPr marL="2743200" indent="0">
-              <a:buNone/>
-              <a:defRPr sz="900"/>
-            </a:lvl7pPr>
-            <a:lvl8pPr marL="3200400" indent="0">
-              <a:buNone/>
-              <a:defRPr sz="900"/>
-            </a:lvl8pPr>
-            <a:lvl9pPr marL="3657600" indent="0">
-              <a:buNone/>
-              <a:defRPr sz="900"/>
-            </a:lvl9pPr>
-          </a:lstStyle>
-          <a:p>
-            <a:pPr lvl="0"/>
-            <a:r>
-              <a:rPr lang="pt-BR" smtClean="0"/>
-              <a:t>Clique para editar os estilos do texto mestre</a:t>
-            </a:r>
-          </a:p>
-        </p:txBody>
-      </p:sp>
-      <p:sp>
-        <p:nvSpPr>
-          <p:cNvPr id="5" name="Espaço Reservado para Data 4"/>
+              <a:rPr lang="pt-BR"/>
+              <a:t>Clique para editar os estilos de texto Mestres</a:t>
+            </a:r>
+          </a:p>
+        </p:txBody>
+      </p:sp>
+      <p:sp>
+        <p:nvSpPr>
+          <p:cNvPr id="5" name="Date Placeholder 4"/>
           <p:cNvSpPr>
             <a:spLocks noGrp="1"/>
           </p:cNvSpPr>
@@ -2215,7 +4897,7 @@
           <a:p>
             <a:fld id="{39F04FFC-F542-43E7-9AF8-932ABA3A3110}" type="datetimeFigureOut">
               <a:rPr lang="pt-BR" smtClean="0"/>
-              <a:t>25/04/2016</a:t>
+              <a:t>03/06/2019</a:t>
             </a:fld>
             <a:endParaRPr lang="pt-BR"/>
           </a:p>
@@ -2223,7 +4905,7 @@
       </p:sp>
       <p:sp>
         <p:nvSpPr>
-          <p:cNvPr id="6" name="Espaço Reservado para Rodapé 5"/>
+          <p:cNvPr id="6" name="Footer Placeholder 5"/>
           <p:cNvSpPr>
             <a:spLocks noGrp="1"/>
           </p:cNvSpPr>
@@ -2242,7 +4924,7 @@
       </p:sp>
       <p:sp>
         <p:nvSpPr>
-          <p:cNvPr id="7" name="Espaço Reservado para Número de Slide 6"/>
+          <p:cNvPr id="7" name="Slide Number Placeholder 6"/>
           <p:cNvSpPr>
             <a:spLocks noGrp="1"/>
           </p:cNvSpPr>
@@ -2264,6 +4946,11 @@
         </p:txBody>
       </p:sp>
     </p:spTree>
+    <p:extLst>
+      <p:ext uri="{BB962C8B-B14F-4D97-AF65-F5344CB8AC3E}">
+        <p14:creationId xmlns:p14="http://schemas.microsoft.com/office/powerpoint/2010/main" val="3796340009"/>
+      </p:ext>
+    </p:extLst>
   </p:cSld>
   <p:clrMapOvr>
     <a:masterClrMapping/>
@@ -2290,7 +4977,7 @@
       </p:grpSpPr>
       <p:sp>
         <p:nvSpPr>
-          <p:cNvPr id="2" name="Título 1"/>
+          <p:cNvPr id="2" name="Title 1"/>
           <p:cNvSpPr>
             <a:spLocks noGrp="1"/>
           </p:cNvSpPr>
@@ -2300,31 +4987,33 @@
         </p:nvSpPr>
         <p:spPr>
           <a:xfrm>
-            <a:off x="1792288" y="4800600"/>
-            <a:ext cx="5486400" cy="566738"/>
+            <a:off x="609599" y="4800600"/>
+            <a:ext cx="6347714" cy="566738"/>
           </a:xfrm>
         </p:spPr>
         <p:txBody>
-          <a:bodyPr anchor="b"/>
+          <a:bodyPr anchor="b">
+            <a:normAutofit/>
+          </a:bodyPr>
           <a:lstStyle>
             <a:lvl1pPr algn="l">
-              <a:defRPr sz="2000" b="1"/>
+              <a:defRPr sz="2400" b="0"/>
             </a:lvl1pPr>
           </a:lstStyle>
           <a:p>
             <a:r>
-              <a:rPr lang="pt-BR" smtClean="0"/>
-              <a:t>Clique para editar o estilo do título mestre</a:t>
-            </a:r>
-            <a:endParaRPr lang="pt-BR"/>
-          </a:p>
-        </p:txBody>
-      </p:sp>
-      <p:sp>
-        <p:nvSpPr>
-          <p:cNvPr id="3" name="Espaço Reservado para Imagem 2"/>
-          <p:cNvSpPr>
-            <a:spLocks noGrp="1"/>
+              <a:rPr lang="pt-BR"/>
+              <a:t>Clique para editar o título Mestre</a:t>
+            </a:r>
+            <a:endParaRPr lang="en-US" dirty="0"/>
+          </a:p>
+        </p:txBody>
+      </p:sp>
+      <p:sp>
+        <p:nvSpPr>
+          <p:cNvPr id="3" name="Picture Placeholder 2"/>
+          <p:cNvSpPr>
+            <a:spLocks noGrp="1" noChangeAspect="1"/>
           </p:cNvSpPr>
           <p:nvPr>
             <p:ph type="pic" idx="1"/>
@@ -2332,77 +5021,85 @@
         </p:nvSpPr>
         <p:spPr>
           <a:xfrm>
-            <a:off x="1792288" y="612775"/>
-            <a:ext cx="5486400" cy="4114800"/>
+            <a:off x="609599" y="609600"/>
+            <a:ext cx="6347714" cy="3845718"/>
           </a:xfrm>
         </p:spPr>
         <p:txBody>
-          <a:bodyPr/>
+          <a:bodyPr anchor="t">
+            <a:normAutofit/>
+          </a:bodyPr>
+          <a:lstStyle>
+            <a:lvl1pPr marL="0" indent="0" algn="ctr">
+              <a:buNone/>
+              <a:defRPr sz="1600"/>
+            </a:lvl1pPr>
+            <a:lvl2pPr marL="457200" indent="0">
+              <a:buNone/>
+              <a:defRPr sz="1600"/>
+            </a:lvl2pPr>
+            <a:lvl3pPr marL="914400" indent="0">
+              <a:buNone/>
+              <a:defRPr sz="1600"/>
+            </a:lvl3pPr>
+            <a:lvl4pPr marL="1371600" indent="0">
+              <a:buNone/>
+              <a:defRPr sz="1600"/>
+            </a:lvl4pPr>
+            <a:lvl5pPr marL="1828800" indent="0">
+              <a:buNone/>
+              <a:defRPr sz="1600"/>
+            </a:lvl5pPr>
+            <a:lvl6pPr marL="2286000" indent="0">
+              <a:buNone/>
+              <a:defRPr sz="1600"/>
+            </a:lvl6pPr>
+            <a:lvl7pPr marL="2743200" indent="0">
+              <a:buNone/>
+              <a:defRPr sz="1600"/>
+            </a:lvl7pPr>
+            <a:lvl8pPr marL="3200400" indent="0">
+              <a:buNone/>
+              <a:defRPr sz="1600"/>
+            </a:lvl8pPr>
+            <a:lvl9pPr marL="3657600" indent="0">
+              <a:buNone/>
+              <a:defRPr sz="1600"/>
+            </a:lvl9pPr>
+          </a:lstStyle>
+          <a:p>
+            <a:r>
+              <a:rPr lang="pt-BR"/>
+              <a:t>Clique no ícone para adicionar uma imagem</a:t>
+            </a:r>
+            <a:endParaRPr lang="en-US" dirty="0"/>
+          </a:p>
+        </p:txBody>
+      </p:sp>
+      <p:sp>
+        <p:nvSpPr>
+          <p:cNvPr id="4" name="Text Placeholder 3"/>
+          <p:cNvSpPr>
+            <a:spLocks noGrp="1"/>
+          </p:cNvSpPr>
+          <p:nvPr>
+            <p:ph type="body" sz="half" idx="2"/>
+          </p:nvPr>
+        </p:nvSpPr>
+        <p:spPr>
+          <a:xfrm>
+            <a:off x="609599" y="5367338"/>
+            <a:ext cx="6347714" cy="674024"/>
+          </a:xfrm>
+        </p:spPr>
+        <p:txBody>
+          <a:bodyPr>
+            <a:normAutofit/>
+          </a:bodyPr>
           <a:lstStyle>
             <a:lvl1pPr marL="0" indent="0">
               <a:buNone/>
-              <a:defRPr sz="3200"/>
-            </a:lvl1pPr>
-            <a:lvl2pPr marL="457200" indent="0">
-              <a:buNone/>
-              <a:defRPr sz="2800"/>
-            </a:lvl2pPr>
-            <a:lvl3pPr marL="914400" indent="0">
-              <a:buNone/>
-              <a:defRPr sz="2400"/>
-            </a:lvl3pPr>
-            <a:lvl4pPr marL="1371600" indent="0">
-              <a:buNone/>
-              <a:defRPr sz="2000"/>
-            </a:lvl4pPr>
-            <a:lvl5pPr marL="1828800" indent="0">
-              <a:buNone/>
-              <a:defRPr sz="2000"/>
-            </a:lvl5pPr>
-            <a:lvl6pPr marL="2286000" indent="0">
-              <a:buNone/>
-              <a:defRPr sz="2000"/>
-            </a:lvl6pPr>
-            <a:lvl7pPr marL="2743200" indent="0">
-              <a:buNone/>
-              <a:defRPr sz="2000"/>
-            </a:lvl7pPr>
-            <a:lvl8pPr marL="3200400" indent="0">
-              <a:buNone/>
-              <a:defRPr sz="2000"/>
-            </a:lvl8pPr>
-            <a:lvl9pPr marL="3657600" indent="0">
-              <a:buNone/>
-              <a:defRPr sz="2000"/>
-            </a:lvl9pPr>
-          </a:lstStyle>
-          <a:p>
-            <a:endParaRPr lang="pt-BR"/>
-          </a:p>
-        </p:txBody>
-      </p:sp>
-      <p:sp>
-        <p:nvSpPr>
-          <p:cNvPr id="4" name="Espaço Reservado para Texto 3"/>
-          <p:cNvSpPr>
-            <a:spLocks noGrp="1"/>
-          </p:cNvSpPr>
-          <p:nvPr>
-            <p:ph type="body" sz="half" idx="2"/>
-          </p:nvPr>
-        </p:nvSpPr>
-        <p:spPr>
-          <a:xfrm>
-            <a:off x="1792288" y="5367338"/>
-            <a:ext cx="5486400" cy="804862"/>
-          </a:xfrm>
-        </p:spPr>
-        <p:txBody>
-          <a:bodyPr/>
-          <a:lstStyle>
-            <a:lvl1pPr marL="0" indent="0">
-              <a:buNone/>
-              <a:defRPr sz="1400"/>
+              <a:defRPr sz="1200"/>
             </a:lvl1pPr>
             <a:lvl2pPr marL="457200" indent="0">
               <a:buNone/>
@@ -2440,15 +5137,15 @@
           <a:p>
             <a:pPr lvl="0"/>
             <a:r>
-              <a:rPr lang="pt-BR" smtClean="0"/>
-              <a:t>Clique para editar os estilos do texto mestre</a:t>
-            </a:r>
-          </a:p>
-        </p:txBody>
-      </p:sp>
-      <p:sp>
-        <p:nvSpPr>
-          <p:cNvPr id="5" name="Espaço Reservado para Data 4"/>
+              <a:rPr lang="pt-BR"/>
+              <a:t>Clique para editar os estilos de texto Mestres</a:t>
+            </a:r>
+          </a:p>
+        </p:txBody>
+      </p:sp>
+      <p:sp>
+        <p:nvSpPr>
+          <p:cNvPr id="5" name="Date Placeholder 4"/>
           <p:cNvSpPr>
             <a:spLocks noGrp="1"/>
           </p:cNvSpPr>
@@ -2463,7 +5160,7 @@
           <a:p>
             <a:fld id="{39F04FFC-F542-43E7-9AF8-932ABA3A3110}" type="datetimeFigureOut">
               <a:rPr lang="pt-BR" smtClean="0"/>
-              <a:t>25/04/2016</a:t>
+              <a:t>03/06/2019</a:t>
             </a:fld>
             <a:endParaRPr lang="pt-BR"/>
           </a:p>
@@ -2471,7 +5168,7 @@
       </p:sp>
       <p:sp>
         <p:nvSpPr>
-          <p:cNvPr id="6" name="Espaço Reservado para Rodapé 5"/>
+          <p:cNvPr id="6" name="Footer Placeholder 5"/>
           <p:cNvSpPr>
             <a:spLocks noGrp="1"/>
           </p:cNvSpPr>
@@ -2490,7 +5187,7 @@
       </p:sp>
       <p:sp>
         <p:nvSpPr>
-          <p:cNvPr id="7" name="Espaço Reservado para Número de Slide 6"/>
+          <p:cNvPr id="7" name="Slide Number Placeholder 6"/>
           <p:cNvSpPr>
             <a:spLocks noGrp="1"/>
           </p:cNvSpPr>
@@ -2512,6 +5209,11 @@
         </p:txBody>
       </p:sp>
     </p:spTree>
+    <p:extLst>
+      <p:ext uri="{BB962C8B-B14F-4D97-AF65-F5344CB8AC3E}">
+        <p14:creationId xmlns:p14="http://schemas.microsoft.com/office/powerpoint/2010/main" val="1441200884"/>
+      </p:ext>
+    </p:extLst>
   </p:cSld>
   <p:clrMapOvr>
     <a:masterClrMapping/>
@@ -2541,9 +5243,610 @@
           <a:chExt cx="0" cy="0"/>
         </a:xfrm>
       </p:grpSpPr>
-      <p:sp>
-        <p:nvSpPr>
-          <p:cNvPr id="2" name="Espaço Reservado para Título 1"/>
+      <p:grpSp>
+        <p:nvGrpSpPr>
+          <p:cNvPr id="17" name="Group 16"/>
+          <p:cNvGrpSpPr/>
+          <p:nvPr/>
+        </p:nvGrpSpPr>
+        <p:grpSpPr>
+          <a:xfrm>
+            <a:off x="-8467" y="-8468"/>
+            <a:ext cx="9169805" cy="6874935"/>
+            <a:chOff x="-8467" y="-8468"/>
+            <a:chExt cx="9169805" cy="6874935"/>
+          </a:xfrm>
+        </p:grpSpPr>
+        <p:sp>
+          <p:nvSpPr>
+            <p:cNvPr id="7" name="Freeform 6"/>
+            <p:cNvSpPr/>
+            <p:nvPr/>
+          </p:nvSpPr>
+          <p:spPr>
+            <a:xfrm>
+              <a:off x="-8467" y="4013200"/>
+              <a:ext cx="457200" cy="2853267"/>
+            </a:xfrm>
+            <a:custGeom>
+              <a:avLst/>
+              <a:gdLst/>
+              <a:ahLst/>
+              <a:cxnLst/>
+              <a:rect l="l" t="t" r="r" b="b"/>
+              <a:pathLst>
+                <a:path w="457200" h="2853267">
+                  <a:moveTo>
+                    <a:pt x="0" y="0"/>
+                  </a:moveTo>
+                  <a:lnTo>
+                    <a:pt x="457200" y="2853267"/>
+                  </a:lnTo>
+                  <a:lnTo>
+                    <a:pt x="0" y="2844800"/>
+                  </a:lnTo>
+                  <a:cubicBezTo>
+                    <a:pt x="2822" y="1905000"/>
+                    <a:pt x="5645" y="965200"/>
+                    <a:pt x="0" y="0"/>
+                  </a:cubicBezTo>
+                  <a:close/>
+                </a:path>
+              </a:pathLst>
+            </a:custGeom>
+            <a:solidFill>
+              <a:schemeClr val="accent1">
+                <a:alpha val="85000"/>
+              </a:schemeClr>
+            </a:solidFill>
+            <a:ln>
+              <a:noFill/>
+            </a:ln>
+            <a:effectLst/>
+          </p:spPr>
+          <p:style>
+            <a:lnRef idx="1">
+              <a:schemeClr val="accent1"/>
+            </a:lnRef>
+            <a:fillRef idx="3">
+              <a:schemeClr val="accent1"/>
+            </a:fillRef>
+            <a:effectRef idx="2">
+              <a:schemeClr val="accent1"/>
+            </a:effectRef>
+            <a:fontRef idx="minor">
+              <a:schemeClr val="lt1"/>
+            </a:fontRef>
+          </p:style>
+        </p:sp>
+        <p:cxnSp>
+          <p:nvCxnSpPr>
+            <p:cNvPr id="8" name="Straight Connector 7"/>
+            <p:cNvCxnSpPr/>
+            <p:nvPr/>
+          </p:nvCxnSpPr>
+          <p:spPr>
+            <a:xfrm flipV="1">
+              <a:off x="5130830" y="4175605"/>
+              <a:ext cx="4022475" cy="2682396"/>
+            </a:xfrm>
+            <a:prstGeom prst="line">
+              <a:avLst/>
+            </a:prstGeom>
+            <a:ln w="9525">
+              <a:solidFill>
+                <a:schemeClr val="bg1">
+                  <a:lumMod val="85000"/>
+                </a:schemeClr>
+              </a:solidFill>
+            </a:ln>
+          </p:spPr>
+          <p:style>
+            <a:lnRef idx="2">
+              <a:schemeClr val="accent1"/>
+            </a:lnRef>
+            <a:fillRef idx="0">
+              <a:schemeClr val="accent1"/>
+            </a:fillRef>
+            <a:effectRef idx="1">
+              <a:schemeClr val="accent1"/>
+            </a:effectRef>
+            <a:fontRef idx="minor">
+              <a:schemeClr val="tx1"/>
+            </a:fontRef>
+          </p:style>
+        </p:cxnSp>
+        <p:cxnSp>
+          <p:nvCxnSpPr>
+            <p:cNvPr id="9" name="Straight Connector 8"/>
+            <p:cNvCxnSpPr/>
+            <p:nvPr/>
+          </p:nvCxnSpPr>
+          <p:spPr>
+            <a:xfrm>
+              <a:off x="7042707" y="0"/>
+              <a:ext cx="1219200" cy="6858000"/>
+            </a:xfrm>
+            <a:prstGeom prst="line">
+              <a:avLst/>
+            </a:prstGeom>
+            <a:ln w="9525">
+              <a:solidFill>
+                <a:schemeClr val="bg1">
+                  <a:lumMod val="75000"/>
+                </a:schemeClr>
+              </a:solidFill>
+            </a:ln>
+          </p:spPr>
+          <p:style>
+            <a:lnRef idx="2">
+              <a:schemeClr val="accent1"/>
+            </a:lnRef>
+            <a:fillRef idx="0">
+              <a:schemeClr val="accent1"/>
+            </a:fillRef>
+            <a:effectRef idx="1">
+              <a:schemeClr val="accent1"/>
+            </a:effectRef>
+            <a:fontRef idx="minor">
+              <a:schemeClr val="tx1"/>
+            </a:fontRef>
+          </p:style>
+        </p:cxnSp>
+        <p:sp>
+          <p:nvSpPr>
+            <p:cNvPr id="10" name="Freeform 9"/>
+            <p:cNvSpPr/>
+            <p:nvPr/>
+          </p:nvSpPr>
+          <p:spPr>
+            <a:xfrm>
+              <a:off x="6891896" y="1"/>
+              <a:ext cx="2269442" cy="6866466"/>
+            </a:xfrm>
+            <a:custGeom>
+              <a:avLst/>
+              <a:gdLst/>
+              <a:ahLst/>
+              <a:cxnLst/>
+              <a:rect l="l" t="t" r="r" b="b"/>
+              <a:pathLst>
+                <a:path w="2269442" h="6866466">
+                  <a:moveTo>
+                    <a:pt x="2023534" y="0"/>
+                  </a:moveTo>
+                  <a:lnTo>
+                    <a:pt x="0" y="6858000"/>
+                  </a:lnTo>
+                  <a:lnTo>
+                    <a:pt x="2269067" y="6866466"/>
+                  </a:lnTo>
+                  <a:cubicBezTo>
+                    <a:pt x="2271889" y="4580466"/>
+                    <a:pt x="2257778" y="2294466"/>
+                    <a:pt x="2260600" y="8466"/>
+                  </a:cubicBezTo>
+                  <a:lnTo>
+                    <a:pt x="2023534" y="0"/>
+                  </a:lnTo>
+                  <a:close/>
+                </a:path>
+              </a:pathLst>
+            </a:custGeom>
+            <a:solidFill>
+              <a:schemeClr val="accent1">
+                <a:alpha val="30000"/>
+              </a:schemeClr>
+            </a:solidFill>
+            <a:ln>
+              <a:noFill/>
+            </a:ln>
+            <a:effectLst/>
+          </p:spPr>
+          <p:style>
+            <a:lnRef idx="1">
+              <a:schemeClr val="accent1"/>
+            </a:lnRef>
+            <a:fillRef idx="3">
+              <a:schemeClr val="accent1"/>
+            </a:fillRef>
+            <a:effectRef idx="2">
+              <a:schemeClr val="accent1"/>
+            </a:effectRef>
+            <a:fontRef idx="minor">
+              <a:schemeClr val="lt1"/>
+            </a:fontRef>
+          </p:style>
+        </p:sp>
+        <p:sp>
+          <p:nvSpPr>
+            <p:cNvPr id="11" name="Freeform 10"/>
+            <p:cNvSpPr/>
+            <p:nvPr/>
+          </p:nvSpPr>
+          <p:spPr>
+            <a:xfrm>
+              <a:off x="7205158" y="-8467"/>
+              <a:ext cx="1948147" cy="6866467"/>
+            </a:xfrm>
+            <a:custGeom>
+              <a:avLst/>
+              <a:gdLst/>
+              <a:ahLst/>
+              <a:cxnLst/>
+              <a:rect l="l" t="t" r="r" b="b"/>
+              <a:pathLst>
+                <a:path w="1948147" h="6866467">
+                  <a:moveTo>
+                    <a:pt x="0" y="0"/>
+                  </a:moveTo>
+                  <a:lnTo>
+                    <a:pt x="1202267" y="6866467"/>
+                  </a:lnTo>
+                  <a:lnTo>
+                    <a:pt x="1947333" y="6866467"/>
+                  </a:lnTo>
+                  <a:cubicBezTo>
+                    <a:pt x="1944511" y="4577645"/>
+                    <a:pt x="1950155" y="2288822"/>
+                    <a:pt x="1947333" y="0"/>
+                  </a:cubicBezTo>
+                  <a:lnTo>
+                    <a:pt x="0" y="0"/>
+                  </a:lnTo>
+                  <a:close/>
+                </a:path>
+              </a:pathLst>
+            </a:custGeom>
+            <a:solidFill>
+              <a:schemeClr val="accent1">
+                <a:alpha val="20000"/>
+              </a:schemeClr>
+            </a:solidFill>
+            <a:ln>
+              <a:noFill/>
+            </a:ln>
+            <a:effectLst/>
+          </p:spPr>
+          <p:style>
+            <a:lnRef idx="1">
+              <a:schemeClr val="accent1"/>
+            </a:lnRef>
+            <a:fillRef idx="3">
+              <a:schemeClr val="accent1"/>
+            </a:fillRef>
+            <a:effectRef idx="2">
+              <a:schemeClr val="accent1"/>
+            </a:effectRef>
+            <a:fontRef idx="minor">
+              <a:schemeClr val="lt1"/>
+            </a:fontRef>
+          </p:style>
+        </p:sp>
+        <p:sp>
+          <p:nvSpPr>
+            <p:cNvPr id="12" name="Freeform 11"/>
+            <p:cNvSpPr/>
+            <p:nvPr/>
+          </p:nvSpPr>
+          <p:spPr>
+            <a:xfrm>
+              <a:off x="6637896" y="3920066"/>
+              <a:ext cx="2513565" cy="2937933"/>
+            </a:xfrm>
+            <a:custGeom>
+              <a:avLst/>
+              <a:gdLst/>
+              <a:ahLst/>
+              <a:cxnLst/>
+              <a:rect l="l" t="t" r="r" b="b"/>
+              <a:pathLst>
+                <a:path w="3259667" h="3810000">
+                  <a:moveTo>
+                    <a:pt x="0" y="3810000"/>
+                  </a:moveTo>
+                  <a:lnTo>
+                    <a:pt x="3251200" y="0"/>
+                  </a:lnTo>
+                  <a:cubicBezTo>
+                    <a:pt x="3254022" y="1270000"/>
+                    <a:pt x="3256845" y="2540000"/>
+                    <a:pt x="3259667" y="3810000"/>
+                  </a:cubicBezTo>
+                  <a:lnTo>
+                    <a:pt x="0" y="3810000"/>
+                  </a:lnTo>
+                  <a:close/>
+                </a:path>
+              </a:pathLst>
+            </a:custGeom>
+            <a:solidFill>
+              <a:schemeClr val="accent2">
+                <a:alpha val="72000"/>
+              </a:schemeClr>
+            </a:solidFill>
+            <a:ln>
+              <a:noFill/>
+            </a:ln>
+            <a:effectLst/>
+          </p:spPr>
+          <p:style>
+            <a:lnRef idx="1">
+              <a:schemeClr val="accent1"/>
+            </a:lnRef>
+            <a:fillRef idx="3">
+              <a:schemeClr val="accent1"/>
+            </a:fillRef>
+            <a:effectRef idx="2">
+              <a:schemeClr val="accent1"/>
+            </a:effectRef>
+            <a:fontRef idx="minor">
+              <a:schemeClr val="lt1"/>
+            </a:fontRef>
+          </p:style>
+        </p:sp>
+        <p:sp>
+          <p:nvSpPr>
+            <p:cNvPr id="13" name="Freeform 12"/>
+            <p:cNvSpPr/>
+            <p:nvPr/>
+          </p:nvSpPr>
+          <p:spPr>
+            <a:xfrm>
+              <a:off x="7010429" y="-8467"/>
+              <a:ext cx="2142876" cy="6866467"/>
+            </a:xfrm>
+            <a:custGeom>
+              <a:avLst/>
+              <a:gdLst/>
+              <a:ahLst/>
+              <a:cxnLst/>
+              <a:rect l="l" t="t" r="r" b="b"/>
+              <a:pathLst>
+                <a:path w="2853267" h="6866467">
+                  <a:moveTo>
+                    <a:pt x="0" y="0"/>
+                  </a:moveTo>
+                  <a:lnTo>
+                    <a:pt x="2472267" y="6866467"/>
+                  </a:lnTo>
+                  <a:lnTo>
+                    <a:pt x="2853267" y="6858000"/>
+                  </a:lnTo>
+                  <a:lnTo>
+                    <a:pt x="2853267" y="0"/>
+                  </a:lnTo>
+                  <a:lnTo>
+                    <a:pt x="0" y="0"/>
+                  </a:lnTo>
+                  <a:close/>
+                </a:path>
+              </a:pathLst>
+            </a:custGeom>
+            <a:solidFill>
+              <a:schemeClr val="accent2">
+                <a:lumMod val="75000"/>
+                <a:alpha val="70000"/>
+              </a:schemeClr>
+            </a:solidFill>
+            <a:ln>
+              <a:noFill/>
+            </a:ln>
+            <a:effectLst/>
+          </p:spPr>
+          <p:style>
+            <a:lnRef idx="1">
+              <a:schemeClr val="accent1"/>
+            </a:lnRef>
+            <a:fillRef idx="3">
+              <a:schemeClr val="accent1"/>
+            </a:fillRef>
+            <a:effectRef idx="2">
+              <a:schemeClr val="accent1"/>
+            </a:effectRef>
+            <a:fontRef idx="minor">
+              <a:schemeClr val="lt1"/>
+            </a:fontRef>
+          </p:style>
+        </p:sp>
+        <p:sp>
+          <p:nvSpPr>
+            <p:cNvPr id="14" name="Freeform 13"/>
+            <p:cNvSpPr/>
+            <p:nvPr/>
+          </p:nvSpPr>
+          <p:spPr>
+            <a:xfrm>
+              <a:off x="8295776" y="-8467"/>
+              <a:ext cx="857530" cy="6866467"/>
+            </a:xfrm>
+            <a:custGeom>
+              <a:avLst/>
+              <a:gdLst/>
+              <a:ahLst/>
+              <a:cxnLst/>
+              <a:rect l="l" t="t" r="r" b="b"/>
+              <a:pathLst>
+                <a:path w="1286933" h="6866467">
+                  <a:moveTo>
+                    <a:pt x="1016000" y="0"/>
+                  </a:moveTo>
+                  <a:lnTo>
+                    <a:pt x="0" y="6866467"/>
+                  </a:lnTo>
+                  <a:lnTo>
+                    <a:pt x="1286933" y="6866467"/>
+                  </a:lnTo>
+                  <a:cubicBezTo>
+                    <a:pt x="1284111" y="4577645"/>
+                    <a:pt x="1281288" y="2288822"/>
+                    <a:pt x="1278466" y="0"/>
+                  </a:cubicBezTo>
+                  <a:lnTo>
+                    <a:pt x="1016000" y="0"/>
+                  </a:lnTo>
+                  <a:close/>
+                </a:path>
+              </a:pathLst>
+            </a:custGeom>
+            <a:solidFill>
+              <a:schemeClr val="accent1">
+                <a:lumMod val="60000"/>
+                <a:lumOff val="40000"/>
+                <a:alpha val="70000"/>
+              </a:schemeClr>
+            </a:solidFill>
+            <a:ln>
+              <a:noFill/>
+            </a:ln>
+            <a:effectLst/>
+          </p:spPr>
+          <p:style>
+            <a:lnRef idx="1">
+              <a:schemeClr val="accent1"/>
+            </a:lnRef>
+            <a:fillRef idx="3">
+              <a:schemeClr val="accent1"/>
+            </a:fillRef>
+            <a:effectRef idx="2">
+              <a:schemeClr val="accent1"/>
+            </a:effectRef>
+            <a:fontRef idx="minor">
+              <a:schemeClr val="lt1"/>
+            </a:fontRef>
+          </p:style>
+        </p:sp>
+        <p:sp>
+          <p:nvSpPr>
+            <p:cNvPr id="15" name="Freeform 14"/>
+            <p:cNvSpPr/>
+            <p:nvPr/>
+          </p:nvSpPr>
+          <p:spPr>
+            <a:xfrm>
+              <a:off x="8077231" y="-8468"/>
+              <a:ext cx="1066770" cy="6866467"/>
+            </a:xfrm>
+            <a:custGeom>
+              <a:avLst/>
+              <a:gdLst/>
+              <a:ahLst/>
+              <a:cxnLst/>
+              <a:rect l="l" t="t" r="r" b="b"/>
+              <a:pathLst>
+                <a:path w="1270244" h="6866467">
+                  <a:moveTo>
+                    <a:pt x="0" y="0"/>
+                  </a:moveTo>
+                  <a:lnTo>
+                    <a:pt x="1117600" y="6866467"/>
+                  </a:lnTo>
+                  <a:lnTo>
+                    <a:pt x="1270000" y="6866467"/>
+                  </a:lnTo>
+                  <a:cubicBezTo>
+                    <a:pt x="1272822" y="4574822"/>
+                    <a:pt x="1250245" y="2291645"/>
+                    <a:pt x="1253067" y="0"/>
+                  </a:cubicBezTo>
+                  <a:lnTo>
+                    <a:pt x="0" y="0"/>
+                  </a:lnTo>
+                  <a:close/>
+                </a:path>
+              </a:pathLst>
+            </a:custGeom>
+            <a:solidFill>
+              <a:schemeClr val="accent1">
+                <a:alpha val="65000"/>
+              </a:schemeClr>
+            </a:solidFill>
+            <a:ln>
+              <a:noFill/>
+            </a:ln>
+            <a:effectLst/>
+          </p:spPr>
+          <p:style>
+            <a:lnRef idx="1">
+              <a:schemeClr val="accent1"/>
+            </a:lnRef>
+            <a:fillRef idx="3">
+              <a:schemeClr val="accent1"/>
+            </a:fillRef>
+            <a:effectRef idx="2">
+              <a:schemeClr val="accent1"/>
+            </a:effectRef>
+            <a:fontRef idx="minor">
+              <a:schemeClr val="lt1"/>
+            </a:fontRef>
+          </p:style>
+        </p:sp>
+        <p:sp>
+          <p:nvSpPr>
+            <p:cNvPr id="16" name="Freeform 15"/>
+            <p:cNvSpPr/>
+            <p:nvPr/>
+          </p:nvSpPr>
+          <p:spPr>
+            <a:xfrm>
+              <a:off x="8060297" y="4893733"/>
+              <a:ext cx="1094086" cy="1964267"/>
+            </a:xfrm>
+            <a:custGeom>
+              <a:avLst/>
+              <a:gdLst/>
+              <a:ahLst/>
+              <a:cxnLst/>
+              <a:rect l="l" t="t" r="r" b="b"/>
+              <a:pathLst>
+                <a:path w="1820333" h="3268133">
+                  <a:moveTo>
+                    <a:pt x="0" y="3268133"/>
+                  </a:moveTo>
+                  <a:lnTo>
+                    <a:pt x="1811866" y="0"/>
+                  </a:lnTo>
+                  <a:cubicBezTo>
+                    <a:pt x="1814688" y="1086555"/>
+                    <a:pt x="1817511" y="2173111"/>
+                    <a:pt x="1820333" y="3259666"/>
+                  </a:cubicBezTo>
+                  <a:lnTo>
+                    <a:pt x="0" y="3268133"/>
+                  </a:lnTo>
+                  <a:close/>
+                </a:path>
+              </a:pathLst>
+            </a:custGeom>
+            <a:solidFill>
+              <a:schemeClr val="accent1">
+                <a:alpha val="80000"/>
+              </a:schemeClr>
+            </a:solidFill>
+            <a:ln>
+              <a:noFill/>
+            </a:ln>
+            <a:effectLst/>
+          </p:spPr>
+          <p:style>
+            <a:lnRef idx="1">
+              <a:schemeClr val="accent1"/>
+            </a:lnRef>
+            <a:fillRef idx="3">
+              <a:schemeClr val="accent1"/>
+            </a:fillRef>
+            <a:effectRef idx="2">
+              <a:schemeClr val="accent1"/>
+            </a:effectRef>
+            <a:fontRef idx="minor">
+              <a:schemeClr val="lt1"/>
+            </a:fontRef>
+          </p:style>
+        </p:sp>
+      </p:grpSp>
+      <p:sp>
+        <p:nvSpPr>
+          <p:cNvPr id="2" name="Title Placeholder 1"/>
           <p:cNvSpPr>
             <a:spLocks noGrp="1"/>
           </p:cNvSpPr>
@@ -2553,30 +5856,30 @@
         </p:nvSpPr>
         <p:spPr>
           <a:xfrm>
-            <a:off x="457200" y="274638"/>
-            <a:ext cx="8229600" cy="1143000"/>
+            <a:off x="609599" y="609600"/>
+            <a:ext cx="6347713" cy="1320800"/>
           </a:xfrm>
           <a:prstGeom prst="rect">
             <a:avLst/>
           </a:prstGeom>
         </p:spPr>
         <p:txBody>
-          <a:bodyPr vert="horz" lIns="91440" tIns="45720" rIns="91440" bIns="45720" rtlCol="0" anchor="ctr">
+          <a:bodyPr vert="horz" lIns="91440" tIns="45720" rIns="91440" bIns="45720" rtlCol="0" anchor="t">
             <a:normAutofit/>
           </a:bodyPr>
           <a:lstStyle/>
           <a:p>
             <a:r>
-              <a:rPr lang="pt-BR" smtClean="0"/>
-              <a:t>Clique para editar o estilo do título mestre</a:t>
-            </a:r>
-            <a:endParaRPr lang="pt-BR"/>
-          </a:p>
-        </p:txBody>
-      </p:sp>
-      <p:sp>
-        <p:nvSpPr>
-          <p:cNvPr id="3" name="Espaço Reservado para Texto 2"/>
+              <a:rPr lang="pt-BR"/>
+              <a:t>Clique para editar o título Mestre</a:t>
+            </a:r>
+            <a:endParaRPr lang="en-US" dirty="0"/>
+          </a:p>
+        </p:txBody>
+      </p:sp>
+      <p:sp>
+        <p:nvSpPr>
+          <p:cNvPr id="3" name="Text Placeholder 2"/>
           <p:cNvSpPr>
             <a:spLocks noGrp="1"/>
           </p:cNvSpPr>
@@ -2586,8 +5889,8 @@
         </p:nvSpPr>
         <p:spPr>
           <a:xfrm>
-            <a:off x="457200" y="1600200"/>
-            <a:ext cx="8229600" cy="4525963"/>
+            <a:off x="609599" y="2160590"/>
+            <a:ext cx="6347714" cy="3880773"/>
           </a:xfrm>
           <a:prstGeom prst="rect">
             <a:avLst/>
@@ -2601,44 +5904,44 @@
           <a:p>
             <a:pPr lvl="0"/>
             <a:r>
-              <a:rPr lang="pt-BR" smtClean="0"/>
-              <a:t>Clique para editar os estilos do texto mestre</a:t>
+              <a:rPr lang="pt-BR"/>
+              <a:t>Clique para editar os estilos de texto Mestres</a:t>
             </a:r>
           </a:p>
           <a:p>
             <a:pPr lvl="1"/>
             <a:r>
-              <a:rPr lang="pt-BR" smtClean="0"/>
+              <a:rPr lang="pt-BR"/>
               <a:t>Segundo nível</a:t>
             </a:r>
           </a:p>
           <a:p>
             <a:pPr lvl="2"/>
             <a:r>
-              <a:rPr lang="pt-BR" smtClean="0"/>
+              <a:rPr lang="pt-BR"/>
               <a:t>Terceiro nível</a:t>
             </a:r>
           </a:p>
           <a:p>
             <a:pPr lvl="3"/>
             <a:r>
-              <a:rPr lang="pt-BR" smtClean="0"/>
+              <a:rPr lang="pt-BR"/>
               <a:t>Quarto nível</a:t>
             </a:r>
           </a:p>
           <a:p>
             <a:pPr lvl="4"/>
             <a:r>
-              <a:rPr lang="pt-BR" smtClean="0"/>
+              <a:rPr lang="pt-BR"/>
               <a:t>Quinto nível</a:t>
             </a:r>
-            <a:endParaRPr lang="pt-BR"/>
-          </a:p>
-        </p:txBody>
-      </p:sp>
-      <p:sp>
-        <p:nvSpPr>
-          <p:cNvPr id="4" name="Espaço Reservado para Data 3"/>
+            <a:endParaRPr lang="en-US" dirty="0"/>
+          </a:p>
+        </p:txBody>
+      </p:sp>
+      <p:sp>
+        <p:nvSpPr>
+          <p:cNvPr id="4" name="Date Placeholder 3"/>
           <p:cNvSpPr>
             <a:spLocks noGrp="1"/>
           </p:cNvSpPr>
@@ -2648,8 +5951,8 @@
         </p:nvSpPr>
         <p:spPr>
           <a:xfrm>
-            <a:off x="457200" y="6356350"/>
-            <a:ext cx="2133600" cy="365125"/>
+            <a:off x="5405258" y="6041363"/>
+            <a:ext cx="684132" cy="365125"/>
           </a:xfrm>
           <a:prstGeom prst="rect">
             <a:avLst/>
@@ -2658,8 +5961,8 @@
         <p:txBody>
           <a:bodyPr vert="horz" lIns="91440" tIns="45720" rIns="91440" bIns="45720" rtlCol="0" anchor="ctr"/>
           <a:lstStyle>
-            <a:lvl1pPr algn="l">
-              <a:defRPr sz="1200">
+            <a:lvl1pPr algn="r">
+              <a:defRPr sz="900">
                 <a:solidFill>
                   <a:schemeClr val="tx1">
                     <a:tint val="75000"/>
@@ -2671,7 +5974,7 @@
           <a:p>
             <a:fld id="{39F04FFC-F542-43E7-9AF8-932ABA3A3110}" type="datetimeFigureOut">
               <a:rPr lang="pt-BR" smtClean="0"/>
-              <a:t>25/04/2016</a:t>
+              <a:t>03/06/2019</a:t>
             </a:fld>
             <a:endParaRPr lang="pt-BR"/>
           </a:p>
@@ -2679,7 +5982,7 @@
       </p:sp>
       <p:sp>
         <p:nvSpPr>
-          <p:cNvPr id="5" name="Espaço Reservado para Rodapé 4"/>
+          <p:cNvPr id="5" name="Footer Placeholder 4"/>
           <p:cNvSpPr>
             <a:spLocks noGrp="1"/>
           </p:cNvSpPr>
@@ -2689,8 +5992,8 @@
         </p:nvSpPr>
         <p:spPr>
           <a:xfrm>
-            <a:off x="3124200" y="6356350"/>
-            <a:ext cx="2895600" cy="365125"/>
+            <a:off x="609599" y="6041363"/>
+            <a:ext cx="4622973" cy="365125"/>
           </a:xfrm>
           <a:prstGeom prst="rect">
             <a:avLst/>
@@ -2699,8 +6002,8 @@
         <p:txBody>
           <a:bodyPr vert="horz" lIns="91440" tIns="45720" rIns="91440" bIns="45720" rtlCol="0" anchor="ctr"/>
           <a:lstStyle>
-            <a:lvl1pPr algn="ctr">
-              <a:defRPr sz="1200">
+            <a:lvl1pPr algn="l">
+              <a:defRPr sz="900">
                 <a:solidFill>
                   <a:schemeClr val="tx1">
                     <a:tint val="75000"/>
@@ -2716,7 +6019,7 @@
       </p:sp>
       <p:sp>
         <p:nvSpPr>
-          <p:cNvPr id="6" name="Espaço Reservado para Número de Slide 5"/>
+          <p:cNvPr id="6" name="Slide Number Placeholder 5"/>
           <p:cNvSpPr>
             <a:spLocks noGrp="1"/>
           </p:cNvSpPr>
@@ -2726,8 +6029,8 @@
         </p:nvSpPr>
         <p:spPr>
           <a:xfrm>
-            <a:off x="6553200" y="6356350"/>
-            <a:ext cx="2133600" cy="365125"/>
+            <a:off x="6444676" y="6041363"/>
+            <a:ext cx="512638" cy="365125"/>
           </a:xfrm>
           <a:prstGeom prst="rect">
             <a:avLst/>
@@ -2737,11 +6040,9 @@
           <a:bodyPr vert="horz" lIns="91440" tIns="45720" rIns="91440" bIns="45720" rtlCol="0" anchor="ctr"/>
           <a:lstStyle>
             <a:lvl1pPr algn="r">
-              <a:defRPr sz="1200">
-                <a:solidFill>
-                  <a:schemeClr val="tx1">
-                    <a:tint val="75000"/>
-                  </a:schemeClr>
+              <a:defRPr sz="900">
+                <a:solidFill>
+                  <a:schemeClr val="accent1"/>
                 </a:solidFill>
               </a:defRPr>
             </a:lvl1pPr>
@@ -2756,168 +6057,324 @@
         </p:txBody>
       </p:sp>
     </p:spTree>
+    <p:extLst>
+      <p:ext uri="{BB962C8B-B14F-4D97-AF65-F5344CB8AC3E}">
+        <p14:creationId xmlns:p14="http://schemas.microsoft.com/office/powerpoint/2010/main" val="1492306306"/>
+      </p:ext>
+    </p:extLst>
   </p:cSld>
   <p:clrMap bg1="lt1" tx1="dk1" bg2="lt2" tx2="dk2" accent1="accent1" accent2="accent2" accent3="accent3" accent4="accent4" accent5="accent5" accent6="accent6" hlink="hlink" folHlink="folHlink"/>
   <p:sldLayoutIdLst>
-    <p:sldLayoutId id="2147483649" r:id="rId1"/>
-    <p:sldLayoutId id="2147483650" r:id="rId2"/>
-    <p:sldLayoutId id="2147483651" r:id="rId3"/>
-    <p:sldLayoutId id="2147483652" r:id="rId4"/>
-    <p:sldLayoutId id="2147483653" r:id="rId5"/>
-    <p:sldLayoutId id="2147483654" r:id="rId6"/>
-    <p:sldLayoutId id="2147483655" r:id="rId7"/>
-    <p:sldLayoutId id="2147483656" r:id="rId8"/>
-    <p:sldLayoutId id="2147483657" r:id="rId9"/>
-    <p:sldLayoutId id="2147483658" r:id="rId10"/>
-    <p:sldLayoutId id="2147483659" r:id="rId11"/>
+    <p:sldLayoutId id="2147483661" r:id="rId1"/>
+    <p:sldLayoutId id="2147483662" r:id="rId2"/>
+    <p:sldLayoutId id="2147483663" r:id="rId3"/>
+    <p:sldLayoutId id="2147483664" r:id="rId4"/>
+    <p:sldLayoutId id="2147483665" r:id="rId5"/>
+    <p:sldLayoutId id="2147483666" r:id="rId6"/>
+    <p:sldLayoutId id="2147483667" r:id="rId7"/>
+    <p:sldLayoutId id="2147483668" r:id="rId8"/>
+    <p:sldLayoutId id="2147483669" r:id="rId9"/>
+    <p:sldLayoutId id="2147483670" r:id="rId10"/>
+    <p:sldLayoutId id="2147483671" r:id="rId11"/>
+    <p:sldLayoutId id="2147483672" r:id="rId12"/>
+    <p:sldLayoutId id="2147483673" r:id="rId13"/>
+    <p:sldLayoutId id="2147483674" r:id="rId14"/>
+    <p:sldLayoutId id="2147483675" r:id="rId15"/>
+    <p:sldLayoutId id="2147483676" r:id="rId16"/>
   </p:sldLayoutIdLst>
   <p:txStyles>
     <p:titleStyle>
-      <a:lvl1pPr algn="ctr" defTabSz="914400" rtl="0" eaLnBrk="1" latinLnBrk="0" hangingPunct="1">
+      <a:lvl1pPr algn="l" defTabSz="457200" rtl="0" eaLnBrk="1" latinLnBrk="0" hangingPunct="1">
         <a:spcBef>
           <a:spcPct val="0"/>
         </a:spcBef>
         <a:buNone/>
-        <a:defRPr sz="4400" kern="1200">
+        <a:defRPr sz="3600" kern="1200">
           <a:solidFill>
-            <a:schemeClr val="tx1"/>
+            <a:schemeClr val="accent1"/>
           </a:solidFill>
           <a:latin typeface="+mj-lt"/>
           <a:ea typeface="+mj-ea"/>
           <a:cs typeface="+mj-cs"/>
         </a:defRPr>
       </a:lvl1pPr>
+      <a:lvl2pPr eaLnBrk="1" hangingPunct="1">
+        <a:defRPr>
+          <a:solidFill>
+            <a:schemeClr val="tx2"/>
+          </a:solidFill>
+        </a:defRPr>
+      </a:lvl2pPr>
+      <a:lvl3pPr eaLnBrk="1" hangingPunct="1">
+        <a:defRPr>
+          <a:solidFill>
+            <a:schemeClr val="tx2"/>
+          </a:solidFill>
+        </a:defRPr>
+      </a:lvl3pPr>
+      <a:lvl4pPr eaLnBrk="1" hangingPunct="1">
+        <a:defRPr>
+          <a:solidFill>
+            <a:schemeClr val="tx2"/>
+          </a:solidFill>
+        </a:defRPr>
+      </a:lvl4pPr>
+      <a:lvl5pPr eaLnBrk="1" hangingPunct="1">
+        <a:defRPr>
+          <a:solidFill>
+            <a:schemeClr val="tx2"/>
+          </a:solidFill>
+        </a:defRPr>
+      </a:lvl5pPr>
+      <a:lvl6pPr eaLnBrk="1" hangingPunct="1">
+        <a:defRPr>
+          <a:solidFill>
+            <a:schemeClr val="tx2"/>
+          </a:solidFill>
+        </a:defRPr>
+      </a:lvl6pPr>
+      <a:lvl7pPr eaLnBrk="1" hangingPunct="1">
+        <a:defRPr>
+          <a:solidFill>
+            <a:schemeClr val="tx2"/>
+          </a:solidFill>
+        </a:defRPr>
+      </a:lvl7pPr>
+      <a:lvl8pPr eaLnBrk="1" hangingPunct="1">
+        <a:defRPr>
+          <a:solidFill>
+            <a:schemeClr val="tx2"/>
+          </a:solidFill>
+        </a:defRPr>
+      </a:lvl8pPr>
+      <a:lvl9pPr eaLnBrk="1" hangingPunct="1">
+        <a:defRPr>
+          <a:solidFill>
+            <a:schemeClr val="tx2"/>
+          </a:solidFill>
+        </a:defRPr>
+      </a:lvl9pPr>
     </p:titleStyle>
     <p:bodyStyle>
-      <a:lvl1pPr marL="342900" indent="-342900" algn="l" defTabSz="914400" rtl="0" eaLnBrk="1" latinLnBrk="0" hangingPunct="1">
+      <a:lvl1pPr marL="342900" indent="-342900" algn="l" defTabSz="457200" rtl="0" eaLnBrk="1" latinLnBrk="0" hangingPunct="1">
         <a:spcBef>
-          <a:spcPct val="20000"/>
+          <a:spcPts val="1000"/>
         </a:spcBef>
-        <a:buFont typeface="Arial" pitchFamily="34" charset="0"/>
-        <a:buChar char="•"/>
-        <a:defRPr sz="3200" kern="1200">
+        <a:spcAft>
+          <a:spcPts val="0"/>
+        </a:spcAft>
+        <a:buClr>
+          <a:schemeClr val="accent1"/>
+        </a:buClr>
+        <a:buSzPct val="80000"/>
+        <a:buFont typeface="Wingdings 3" charset="2"/>
+        <a:buChar char=""/>
+        <a:defRPr sz="1800" kern="1200">
           <a:solidFill>
-            <a:schemeClr val="tx1"/>
+            <a:schemeClr val="tx1">
+              <a:lumMod val="75000"/>
+              <a:lumOff val="25000"/>
+            </a:schemeClr>
           </a:solidFill>
           <a:latin typeface="+mn-lt"/>
           <a:ea typeface="+mn-ea"/>
           <a:cs typeface="+mn-cs"/>
         </a:defRPr>
       </a:lvl1pPr>
-      <a:lvl2pPr marL="742950" indent="-285750" algn="l" defTabSz="914400" rtl="0" eaLnBrk="1" latinLnBrk="0" hangingPunct="1">
+      <a:lvl2pPr marL="742950" indent="-285750" algn="l" defTabSz="457200" rtl="0" eaLnBrk="1" latinLnBrk="0" hangingPunct="1">
         <a:spcBef>
-          <a:spcPct val="20000"/>
+          <a:spcPts val="1000"/>
         </a:spcBef>
-        <a:buFont typeface="Arial" pitchFamily="34" charset="0"/>
-        <a:buChar char="–"/>
-        <a:defRPr sz="2800" kern="1200">
+        <a:spcAft>
+          <a:spcPts val="0"/>
+        </a:spcAft>
+        <a:buClr>
+          <a:schemeClr val="accent1"/>
+        </a:buClr>
+        <a:buSzPct val="80000"/>
+        <a:buFont typeface="Wingdings 3" charset="2"/>
+        <a:buChar char=""/>
+        <a:defRPr sz="1600" kern="1200">
           <a:solidFill>
-            <a:schemeClr val="tx1"/>
+            <a:schemeClr val="tx1">
+              <a:lumMod val="75000"/>
+              <a:lumOff val="25000"/>
+            </a:schemeClr>
           </a:solidFill>
           <a:latin typeface="+mn-lt"/>
           <a:ea typeface="+mn-ea"/>
           <a:cs typeface="+mn-cs"/>
         </a:defRPr>
       </a:lvl2pPr>
-      <a:lvl3pPr marL="1143000" indent="-228600" algn="l" defTabSz="914400" rtl="0" eaLnBrk="1" latinLnBrk="0" hangingPunct="1">
+      <a:lvl3pPr marL="1143000" indent="-228600" algn="l" defTabSz="457200" rtl="0" eaLnBrk="1" latinLnBrk="0" hangingPunct="1">
         <a:spcBef>
-          <a:spcPct val="20000"/>
+          <a:spcPts val="1000"/>
         </a:spcBef>
-        <a:buFont typeface="Arial" pitchFamily="34" charset="0"/>
-        <a:buChar char="•"/>
-        <a:defRPr sz="2400" kern="1200">
+        <a:spcAft>
+          <a:spcPts val="0"/>
+        </a:spcAft>
+        <a:buClr>
+          <a:schemeClr val="accent1"/>
+        </a:buClr>
+        <a:buSzPct val="80000"/>
+        <a:buFont typeface="Wingdings 3" charset="2"/>
+        <a:buChar char=""/>
+        <a:defRPr sz="1400" kern="1200">
           <a:solidFill>
-            <a:schemeClr val="tx1"/>
+            <a:schemeClr val="tx1">
+              <a:lumMod val="75000"/>
+              <a:lumOff val="25000"/>
+            </a:schemeClr>
           </a:solidFill>
           <a:latin typeface="+mn-lt"/>
           <a:ea typeface="+mn-ea"/>
           <a:cs typeface="+mn-cs"/>
         </a:defRPr>
       </a:lvl3pPr>
-      <a:lvl4pPr marL="1600200" indent="-228600" algn="l" defTabSz="914400" rtl="0" eaLnBrk="1" latinLnBrk="0" hangingPunct="1">
+      <a:lvl4pPr marL="1600200" indent="-228600" algn="l" defTabSz="457200" rtl="0" eaLnBrk="1" latinLnBrk="0" hangingPunct="1">
         <a:spcBef>
-          <a:spcPct val="20000"/>
+          <a:spcPts val="1000"/>
         </a:spcBef>
-        <a:buFont typeface="Arial" pitchFamily="34" charset="0"/>
-        <a:buChar char="–"/>
-        <a:defRPr sz="2000" kern="1200">
+        <a:spcAft>
+          <a:spcPts val="0"/>
+        </a:spcAft>
+        <a:buClr>
+          <a:schemeClr val="accent1"/>
+        </a:buClr>
+        <a:buSzPct val="80000"/>
+        <a:buFont typeface="Wingdings 3" charset="2"/>
+        <a:buChar char=""/>
+        <a:defRPr sz="1200" kern="1200">
           <a:solidFill>
-            <a:schemeClr val="tx1"/>
+            <a:schemeClr val="tx1">
+              <a:lumMod val="75000"/>
+              <a:lumOff val="25000"/>
+            </a:schemeClr>
           </a:solidFill>
           <a:latin typeface="+mn-lt"/>
           <a:ea typeface="+mn-ea"/>
           <a:cs typeface="+mn-cs"/>
         </a:defRPr>
       </a:lvl4pPr>
-      <a:lvl5pPr marL="2057400" indent="-228600" algn="l" defTabSz="914400" rtl="0" eaLnBrk="1" latinLnBrk="0" hangingPunct="1">
+      <a:lvl5pPr marL="2057400" indent="-228600" algn="l" defTabSz="457200" rtl="0" eaLnBrk="1" latinLnBrk="0" hangingPunct="1">
         <a:spcBef>
-          <a:spcPct val="20000"/>
+          <a:spcPts val="1000"/>
         </a:spcBef>
-        <a:buFont typeface="Arial" pitchFamily="34" charset="0"/>
-        <a:buChar char="»"/>
-        <a:defRPr sz="2000" kern="1200">
+        <a:spcAft>
+          <a:spcPts val="0"/>
+        </a:spcAft>
+        <a:buClr>
+          <a:schemeClr val="accent1"/>
+        </a:buClr>
+        <a:buSzPct val="80000"/>
+        <a:buFont typeface="Wingdings 3" charset="2"/>
+        <a:buChar char=""/>
+        <a:defRPr sz="1200" kern="1200">
           <a:solidFill>
-            <a:schemeClr val="tx1"/>
+            <a:schemeClr val="tx1">
+              <a:lumMod val="75000"/>
+              <a:lumOff val="25000"/>
+            </a:schemeClr>
           </a:solidFill>
           <a:latin typeface="+mn-lt"/>
           <a:ea typeface="+mn-ea"/>
           <a:cs typeface="+mn-cs"/>
         </a:defRPr>
       </a:lvl5pPr>
-      <a:lvl6pPr marL="2514600" indent="-228600" algn="l" defTabSz="914400" rtl="0" eaLnBrk="1" latinLnBrk="0" hangingPunct="1">
+      <a:lvl6pPr marL="2514600" indent="-228600" algn="l" defTabSz="457200" rtl="0" eaLnBrk="1" latinLnBrk="0" hangingPunct="1">
         <a:spcBef>
-          <a:spcPct val="20000"/>
+          <a:spcPts val="1000"/>
         </a:spcBef>
-        <a:buFont typeface="Arial" pitchFamily="34" charset="0"/>
-        <a:buChar char="•"/>
-        <a:defRPr sz="2000" kern="1200">
+        <a:spcAft>
+          <a:spcPts val="0"/>
+        </a:spcAft>
+        <a:buClr>
+          <a:schemeClr val="accent1"/>
+        </a:buClr>
+        <a:buSzPct val="80000"/>
+        <a:buFont typeface="Wingdings 3" charset="2"/>
+        <a:buChar char=""/>
+        <a:defRPr sz="1200" kern="1200">
           <a:solidFill>
-            <a:schemeClr val="tx1"/>
+            <a:schemeClr val="tx1">
+              <a:lumMod val="75000"/>
+              <a:lumOff val="25000"/>
+            </a:schemeClr>
           </a:solidFill>
           <a:latin typeface="+mn-lt"/>
           <a:ea typeface="+mn-ea"/>
           <a:cs typeface="+mn-cs"/>
         </a:defRPr>
       </a:lvl6pPr>
-      <a:lvl7pPr marL="2971800" indent="-228600" algn="l" defTabSz="914400" rtl="0" eaLnBrk="1" latinLnBrk="0" hangingPunct="1">
+      <a:lvl7pPr marL="2971800" indent="-228600" algn="l" defTabSz="457200" rtl="0" eaLnBrk="1" latinLnBrk="0" hangingPunct="1">
         <a:spcBef>
-          <a:spcPct val="20000"/>
+          <a:spcPts val="1000"/>
         </a:spcBef>
-        <a:buFont typeface="Arial" pitchFamily="34" charset="0"/>
-        <a:buChar char="•"/>
-        <a:defRPr sz="2000" kern="1200">
+        <a:spcAft>
+          <a:spcPts val="0"/>
+        </a:spcAft>
+        <a:buClr>
+          <a:schemeClr val="accent1"/>
+        </a:buClr>
+        <a:buSzPct val="80000"/>
+        <a:buFont typeface="Wingdings 3" charset="2"/>
+        <a:buChar char=""/>
+        <a:defRPr sz="1200" kern="1200">
           <a:solidFill>
-            <a:schemeClr val="tx1"/>
+            <a:schemeClr val="tx1">
+              <a:lumMod val="75000"/>
+              <a:lumOff val="25000"/>
+            </a:schemeClr>
           </a:solidFill>
           <a:latin typeface="+mn-lt"/>
           <a:ea typeface="+mn-ea"/>
           <a:cs typeface="+mn-cs"/>
         </a:defRPr>
       </a:lvl7pPr>
-      <a:lvl8pPr marL="3429000" indent="-228600" algn="l" defTabSz="914400" rtl="0" eaLnBrk="1" latinLnBrk="0" hangingPunct="1">
+      <a:lvl8pPr marL="3429000" indent="-228600" algn="l" defTabSz="457200" rtl="0" eaLnBrk="1" latinLnBrk="0" hangingPunct="1">
         <a:spcBef>
-          <a:spcPct val="20000"/>
+          <a:spcPts val="1000"/>
         </a:spcBef>
-        <a:buFont typeface="Arial" pitchFamily="34" charset="0"/>
-        <a:buChar char="•"/>
-        <a:defRPr sz="2000" kern="1200">
+        <a:spcAft>
+          <a:spcPts val="0"/>
+        </a:spcAft>
+        <a:buClr>
+          <a:schemeClr val="accent1"/>
+        </a:buClr>
+        <a:buSzPct val="80000"/>
+        <a:buFont typeface="Wingdings 3" charset="2"/>
+        <a:buChar char=""/>
+        <a:defRPr sz="1200" kern="1200">
           <a:solidFill>
-            <a:schemeClr val="tx1"/>
+            <a:schemeClr val="tx1">
+              <a:lumMod val="75000"/>
+              <a:lumOff val="25000"/>
+            </a:schemeClr>
           </a:solidFill>
           <a:latin typeface="+mn-lt"/>
           <a:ea typeface="+mn-ea"/>
           <a:cs typeface="+mn-cs"/>
         </a:defRPr>
       </a:lvl8pPr>
-      <a:lvl9pPr marL="3886200" indent="-228600" algn="l" defTabSz="914400" rtl="0" eaLnBrk="1" latinLnBrk="0" hangingPunct="1">
+      <a:lvl9pPr marL="3886200" indent="-228600" algn="l" defTabSz="457200" rtl="0" eaLnBrk="1" latinLnBrk="0" hangingPunct="1">
         <a:spcBef>
-          <a:spcPct val="20000"/>
+          <a:spcPts val="1000"/>
         </a:spcBef>
-        <a:buFont typeface="Arial" pitchFamily="34" charset="0"/>
-        <a:buChar char="•"/>
-        <a:defRPr sz="2000" kern="1200">
+        <a:spcAft>
+          <a:spcPts val="0"/>
+        </a:spcAft>
+        <a:buClr>
+          <a:schemeClr val="accent1"/>
+        </a:buClr>
+        <a:buSzPct val="80000"/>
+        <a:buFont typeface="Wingdings 3" charset="2"/>
+        <a:buChar char=""/>
+        <a:defRPr sz="1200" kern="1200">
           <a:solidFill>
-            <a:schemeClr val="tx1"/>
+            <a:schemeClr val="tx1">
+              <a:lumMod val="75000"/>
+              <a:lumOff val="25000"/>
+            </a:schemeClr>
           </a:solidFill>
           <a:latin typeface="+mn-lt"/>
           <a:ea typeface="+mn-ea"/>
@@ -2927,9 +6384,9 @@
     </p:bodyStyle>
     <p:otherStyle>
       <a:defPPr>
-        <a:defRPr lang="pt-BR"/>
+        <a:defRPr lang="en-US"/>
       </a:defPPr>
-      <a:lvl1pPr marL="0" algn="l" defTabSz="914400" rtl="0" eaLnBrk="1" latinLnBrk="0" hangingPunct="1">
+      <a:lvl1pPr marL="0" algn="l" defTabSz="457200" rtl="0" eaLnBrk="1" latinLnBrk="0" hangingPunct="1">
         <a:defRPr sz="1800" kern="1200">
           <a:solidFill>
             <a:schemeClr val="tx1"/>
@@ -2939,7 +6396,7 @@
           <a:cs typeface="+mn-cs"/>
         </a:defRPr>
       </a:lvl1pPr>
-      <a:lvl2pPr marL="457200" algn="l" defTabSz="914400" rtl="0" eaLnBrk="1" latinLnBrk="0" hangingPunct="1">
+      <a:lvl2pPr marL="457200" algn="l" defTabSz="457200" rtl="0" eaLnBrk="1" latinLnBrk="0" hangingPunct="1">
         <a:defRPr sz="1800" kern="1200">
           <a:solidFill>
             <a:schemeClr val="tx1"/>
@@ -2949,7 +6406,7 @@
           <a:cs typeface="+mn-cs"/>
         </a:defRPr>
       </a:lvl2pPr>
-      <a:lvl3pPr marL="914400" algn="l" defTabSz="914400" rtl="0" eaLnBrk="1" latinLnBrk="0" hangingPunct="1">
+      <a:lvl3pPr marL="914400" algn="l" defTabSz="457200" rtl="0" eaLnBrk="1" latinLnBrk="0" hangingPunct="1">
         <a:defRPr sz="1800" kern="1200">
           <a:solidFill>
             <a:schemeClr val="tx1"/>
@@ -2959,7 +6416,7 @@
           <a:cs typeface="+mn-cs"/>
         </a:defRPr>
       </a:lvl3pPr>
-      <a:lvl4pPr marL="1371600" algn="l" defTabSz="914400" rtl="0" eaLnBrk="1" latinLnBrk="0" hangingPunct="1">
+      <a:lvl4pPr marL="1371600" algn="l" defTabSz="457200" rtl="0" eaLnBrk="1" latinLnBrk="0" hangingPunct="1">
         <a:defRPr sz="1800" kern="1200">
           <a:solidFill>
             <a:schemeClr val="tx1"/>
@@ -2969,7 +6426,7 @@
           <a:cs typeface="+mn-cs"/>
         </a:defRPr>
       </a:lvl4pPr>
-      <a:lvl5pPr marL="1828800" algn="l" defTabSz="914400" rtl="0" eaLnBrk="1" latinLnBrk="0" hangingPunct="1">
+      <a:lvl5pPr marL="1828800" algn="l" defTabSz="457200" rtl="0" eaLnBrk="1" latinLnBrk="0" hangingPunct="1">
         <a:defRPr sz="1800" kern="1200">
           <a:solidFill>
             <a:schemeClr val="tx1"/>
@@ -2979,7 +6436,7 @@
           <a:cs typeface="+mn-cs"/>
         </a:defRPr>
       </a:lvl5pPr>
-      <a:lvl6pPr marL="2286000" algn="l" defTabSz="914400" rtl="0" eaLnBrk="1" latinLnBrk="0" hangingPunct="1">
+      <a:lvl6pPr marL="2286000" algn="l" defTabSz="457200" rtl="0" eaLnBrk="1" latinLnBrk="0" hangingPunct="1">
         <a:defRPr sz="1800" kern="1200">
           <a:solidFill>
             <a:schemeClr val="tx1"/>
@@ -2989,7 +6446,7 @@
           <a:cs typeface="+mn-cs"/>
         </a:defRPr>
       </a:lvl6pPr>
-      <a:lvl7pPr marL="2743200" algn="l" defTabSz="914400" rtl="0" eaLnBrk="1" latinLnBrk="0" hangingPunct="1">
+      <a:lvl7pPr marL="2743200" algn="l" defTabSz="457200" rtl="0" eaLnBrk="1" latinLnBrk="0" hangingPunct="1">
         <a:defRPr sz="1800" kern="1200">
           <a:solidFill>
             <a:schemeClr val="tx1"/>
@@ -2999,7 +6456,7 @@
           <a:cs typeface="+mn-cs"/>
         </a:defRPr>
       </a:lvl7pPr>
-      <a:lvl8pPr marL="3200400" algn="l" defTabSz="914400" rtl="0" eaLnBrk="1" latinLnBrk="0" hangingPunct="1">
+      <a:lvl8pPr marL="3200400" algn="l" defTabSz="457200" rtl="0" eaLnBrk="1" latinLnBrk="0" hangingPunct="1">
         <a:defRPr sz="1800" kern="1200">
           <a:solidFill>
             <a:schemeClr val="tx1"/>
@@ -3009,7 +6466,7 @@
           <a:cs typeface="+mn-cs"/>
         </a:defRPr>
       </a:lvl8pPr>
-      <a:lvl9pPr marL="3657600" algn="l" defTabSz="914400" rtl="0" eaLnBrk="1" latinLnBrk="0" hangingPunct="1">
+      <a:lvl9pPr marL="3657600" algn="l" defTabSz="457200" rtl="0" eaLnBrk="1" latinLnBrk="0" hangingPunct="1">
         <a:defRPr sz="1800" kern="1200">
           <a:solidFill>
             <a:schemeClr val="tx1"/>
@@ -3064,99 +6521,83 @@
           <a:lstStyle/>
           <a:p>
             <a:r>
-              <a:rPr lang="en-US" sz="4000" b="1" dirty="0" err="1" smtClean="0"/>
+              <a:rPr lang="en-US" sz="4000" b="1" dirty="0" err="1"/>
               <a:t>Faculdade</a:t>
             </a:r>
             <a:r>
-              <a:rPr lang="en-US" sz="4000" b="1" dirty="0" smtClean="0"/>
+              <a:rPr lang="en-US" sz="4000" b="1" dirty="0"/>
               <a:t> de </a:t>
             </a:r>
             <a:r>
-              <a:rPr lang="en-US" sz="4000" b="1" dirty="0" err="1" smtClean="0"/>
+              <a:rPr lang="en-US" sz="4000" b="1" dirty="0" err="1"/>
               <a:t>Tecnologia</a:t>
             </a:r>
             <a:r>
-              <a:rPr lang="en-US" sz="4000" b="1" dirty="0" smtClean="0"/>
+              <a:rPr lang="en-US" sz="4000" b="1" dirty="0"/>
               <a:t> de </a:t>
             </a:r>
             <a:r>
-              <a:rPr lang="en-US" sz="4000" b="1" dirty="0" err="1" smtClean="0"/>
+              <a:rPr lang="en-US" sz="4000" b="1" dirty="0" err="1"/>
               <a:t>Ourinhos</a:t>
             </a:r>
             <a:r>
-              <a:rPr lang="en-US" sz="4000" b="1" dirty="0" smtClean="0"/>
+              <a:rPr lang="en-US" sz="4000" b="1" dirty="0"/>
               <a:t> – </a:t>
             </a:r>
             <a:r>
-              <a:rPr lang="en-US" sz="4000" b="1" dirty="0" err="1" smtClean="0"/>
+              <a:rPr lang="en-US" sz="4000" b="1" dirty="0" err="1"/>
               <a:t>Fatec</a:t>
-            </a:r>
-            <a:r>
-              <a:rPr lang="en-US" sz="4000" b="1" dirty="0" smtClean="0"/>
-              <a:t/>
-            </a:r>
-            <a:br>
-              <a:rPr lang="en-US" sz="4000" b="1" dirty="0" smtClean="0"/>
-            </a:br>
-            <a:r>
-              <a:rPr lang="en-US" sz="4000" b="1" dirty="0"/>
-              <a:t/>
             </a:r>
             <a:br>
               <a:rPr lang="en-US" sz="4000" b="1" dirty="0"/>
             </a:br>
-            <a:r>
-              <a:rPr lang="en-US" sz="4000" b="1" dirty="0" err="1" smtClean="0"/>
+            <a:br>
+              <a:rPr lang="en-US" sz="4000" b="1" dirty="0"/>
+            </a:br>
+            <a:r>
+              <a:rPr lang="en-US" sz="4000" b="1" dirty="0" err="1"/>
               <a:t>Análise</a:t>
             </a:r>
             <a:r>
-              <a:rPr lang="en-US" sz="4000" b="1" dirty="0" smtClean="0"/>
+              <a:rPr lang="en-US" sz="4000" b="1" dirty="0"/>
               <a:t> e </a:t>
             </a:r>
             <a:r>
-              <a:rPr lang="en-US" sz="4000" b="1" dirty="0" err="1" smtClean="0"/>
+              <a:rPr lang="en-US" sz="4000" b="1" dirty="0" err="1"/>
               <a:t>Desenvolvimento</a:t>
             </a:r>
             <a:r>
-              <a:rPr lang="en-US" sz="4000" b="1" dirty="0" smtClean="0"/>
+              <a:rPr lang="en-US" sz="4000" b="1" dirty="0"/>
               <a:t> de </a:t>
             </a:r>
             <a:r>
-              <a:rPr lang="en-US" sz="4000" b="1" dirty="0" err="1" smtClean="0"/>
+              <a:rPr lang="en-US" sz="4000" b="1" dirty="0" err="1"/>
               <a:t>Sistemas</a:t>
             </a:r>
             <a:r>
-              <a:rPr lang="en-US" sz="4000" b="1" dirty="0" smtClean="0"/>
+              <a:rPr lang="en-US" sz="4000" b="1" dirty="0"/>
               <a:t> (ADS)</a:t>
-            </a:r>
-            <a:r>
-              <a:rPr lang="en-US" b="1" dirty="0" smtClean="0"/>
-              <a:t/>
-            </a:r>
-            <a:br>
-              <a:rPr lang="en-US" b="1" dirty="0" smtClean="0"/>
-            </a:br>
-            <a:r>
-              <a:rPr lang="en-US" b="1" dirty="0"/>
-              <a:t/>
             </a:r>
             <a:br>
               <a:rPr lang="en-US" b="1" dirty="0"/>
             </a:br>
-            <a:r>
-              <a:rPr lang="en-US" b="1" dirty="0" err="1" smtClean="0"/>
+            <a:br>
+              <a:rPr lang="en-US" b="1" dirty="0"/>
+            </a:br>
+            <a:r>
+              <a:rPr lang="en-US" b="1" dirty="0" err="1"/>
               <a:t>Laboratório</a:t>
             </a:r>
             <a:r>
-              <a:rPr lang="en-US" b="1" dirty="0" smtClean="0"/>
+              <a:rPr lang="en-US" b="1" dirty="0"/>
               <a:t> de </a:t>
             </a:r>
             <a:r>
-              <a:rPr lang="en-US" b="1" dirty="0" err="1" smtClean="0"/>
+              <a:rPr lang="en-US" b="1" dirty="0" err="1"/>
               <a:t>Engenharia</a:t>
             </a:r>
             <a:r>
-              <a:rPr lang="en-US" b="1" dirty="0" smtClean="0"/>
+              <a:rPr lang="en-US" b="1" dirty="0"/>
               <a:t> de Software</a:t>
             </a:r>
             <a:endParaRPr lang="pt-BR" b="1" dirty="0"/>
@@ -3175,11 +6616,13 @@
         </p:nvSpPr>
         <p:spPr/>
         <p:txBody>
-          <a:bodyPr/>
-          <a:lstStyle/>
-          <a:p>
-            <a:r>
-              <a:rPr lang="en-US" b="1" dirty="0" smtClean="0">
+          <a:bodyPr>
+            <a:normAutofit lnSpcReduction="10000"/>
+          </a:bodyPr>
+          <a:lstStyle/>
+          <a:p>
+            <a:r>
+              <a:rPr lang="en-US" b="1" dirty="0">
                 <a:solidFill>
                   <a:schemeClr val="tx1"/>
                 </a:solidFill>
@@ -3187,14 +6630,14 @@
               <a:t>Nome do </a:t>
             </a:r>
             <a:r>
-              <a:rPr lang="en-US" b="1" dirty="0" err="1" smtClean="0">
+              <a:rPr lang="en-US" b="1" dirty="0" err="1">
                 <a:solidFill>
                   <a:schemeClr val="tx1"/>
                 </a:solidFill>
               </a:rPr>
               <a:t>sistema</a:t>
             </a:r>
-            <a:endParaRPr lang="en-US" b="1" dirty="0" smtClean="0">
+            <a:endParaRPr lang="en-US" b="1" dirty="0">
               <a:solidFill>
                 <a:schemeClr val="tx1"/>
               </a:solidFill>
@@ -3209,7 +6652,7 @@
           </a:p>
           <a:p>
             <a:r>
-              <a:rPr lang="en-US" dirty="0" err="1" smtClean="0">
+              <a:rPr lang="en-US" dirty="0" err="1">
                 <a:solidFill>
                   <a:schemeClr val="tx1"/>
                 </a:solidFill>
@@ -3217,7 +6660,7 @@
               <a:t>Nomes</a:t>
             </a:r>
             <a:r>
-              <a:rPr lang="en-US" dirty="0" smtClean="0">
+              <a:rPr lang="en-US" dirty="0">
                 <a:solidFill>
                   <a:schemeClr val="tx1"/>
                 </a:solidFill>
@@ -3225,7 +6668,7 @@
               <a:t> dos </a:t>
             </a:r>
             <a:r>
-              <a:rPr lang="en-US" dirty="0" err="1" smtClean="0">
+              <a:rPr lang="en-US" dirty="0" err="1">
                 <a:solidFill>
                   <a:schemeClr val="tx1"/>
                 </a:solidFill>
@@ -3281,7 +6724,7 @@
           <a:lstStyle/>
           <a:p>
             <a:r>
-              <a:rPr lang="en-US" b="1" dirty="0" err="1" smtClean="0"/>
+              <a:rPr lang="en-US" b="1" dirty="0" err="1"/>
               <a:t>Justificativa</a:t>
             </a:r>
             <a:endParaRPr lang="pt-BR" b="1" dirty="0"/>
@@ -3300,30 +6743,15 @@
         </p:nvSpPr>
         <p:spPr/>
         <p:txBody>
-          <a:bodyPr/>
-          <a:lstStyle/>
-          <a:p>
-            <a:r>
-              <a:rPr lang="en-US" dirty="0" err="1" smtClean="0"/>
-              <a:t>Escrever</a:t>
-            </a:r>
-            <a:r>
-              <a:rPr lang="en-US" dirty="0" smtClean="0"/>
-              <a:t> </a:t>
-            </a:r>
-            <a:r>
-              <a:rPr lang="en-US" dirty="0" err="1" smtClean="0"/>
-              <a:t>usando</a:t>
-            </a:r>
-            <a:r>
-              <a:rPr lang="en-US" dirty="0" smtClean="0"/>
-              <a:t> </a:t>
-            </a:r>
-            <a:r>
-              <a:rPr lang="en-US" dirty="0" err="1" smtClean="0"/>
-              <a:t>tópicos</a:t>
-            </a:r>
-            <a:endParaRPr lang="pt-BR" dirty="0"/>
+          <a:bodyPr>
+            <a:normAutofit/>
+          </a:bodyPr>
+          <a:lstStyle/>
+          <a:p>
+            <a:r>
+              <a:rPr lang="pt-BR" dirty="0"/>
+              <a:t>Use tópicos</a:t>
+            </a:r>
           </a:p>
         </p:txBody>
       </p:sp>
@@ -3368,7 +6796,7 @@
           <a:lstStyle/>
           <a:p>
             <a:r>
-              <a:rPr lang="en-US" b="1" dirty="0" err="1" smtClean="0"/>
+              <a:rPr lang="en-US" b="1" dirty="0" err="1"/>
               <a:t>Objetivo</a:t>
             </a:r>
             <a:endParaRPr lang="pt-BR" b="1" dirty="0"/>
@@ -3435,11 +6863,11 @@
           <a:lstStyle/>
           <a:p>
             <a:r>
-              <a:rPr lang="en-US" b="1" dirty="0" err="1" smtClean="0"/>
+              <a:rPr lang="en-US" b="1" dirty="0" err="1"/>
               <a:t>Método</a:t>
             </a:r>
             <a:r>
-              <a:rPr lang="en-US" dirty="0" smtClean="0"/>
+              <a:rPr lang="en-US" dirty="0"/>
               <a:t> </a:t>
             </a:r>
             <a:endParaRPr lang="pt-BR" dirty="0"/>
@@ -3462,38 +6890,38 @@
           <a:lstStyle/>
           <a:p>
             <a:r>
-              <a:rPr lang="en-US" dirty="0" err="1" smtClean="0"/>
+              <a:rPr lang="en-US" dirty="0" err="1"/>
               <a:t>Instrumentos</a:t>
             </a:r>
             <a:r>
-              <a:rPr lang="en-US" dirty="0" smtClean="0"/>
+              <a:rPr lang="en-US" dirty="0"/>
               <a:t>:</a:t>
             </a:r>
           </a:p>
           <a:p>
             <a:pPr lvl="1"/>
             <a:r>
-              <a:rPr lang="en-US" dirty="0" err="1" smtClean="0"/>
+              <a:rPr lang="en-US" dirty="0" err="1"/>
               <a:t>Banco</a:t>
             </a:r>
             <a:r>
-              <a:rPr lang="en-US" dirty="0" smtClean="0"/>
+              <a:rPr lang="en-US" dirty="0"/>
               <a:t> de dados e </a:t>
             </a:r>
             <a:r>
-              <a:rPr lang="en-US" dirty="0" err="1" smtClean="0"/>
+              <a:rPr lang="en-US" dirty="0" err="1"/>
               <a:t>linguagem</a:t>
             </a:r>
             <a:r>
-              <a:rPr lang="en-US" dirty="0" smtClean="0"/>
+              <a:rPr lang="en-US" dirty="0"/>
               <a:t> de </a:t>
             </a:r>
             <a:r>
-              <a:rPr lang="en-US" dirty="0" err="1" smtClean="0"/>
+              <a:rPr lang="en-US" dirty="0" err="1"/>
               <a:t>programação</a:t>
             </a:r>
             <a:r>
-              <a:rPr lang="en-US" dirty="0" smtClean="0"/>
+              <a:rPr lang="en-US" dirty="0"/>
               <a:t> </a:t>
             </a:r>
             <a:endParaRPr lang="pt-BR" dirty="0"/>
@@ -3541,11 +6969,11 @@
           <a:lstStyle/>
           <a:p>
             <a:r>
-              <a:rPr lang="en-US" b="1" dirty="0" err="1" smtClean="0"/>
+              <a:rPr lang="en-US" b="1" dirty="0" err="1"/>
               <a:t>Método</a:t>
             </a:r>
             <a:r>
-              <a:rPr lang="en-US" dirty="0" smtClean="0"/>
+              <a:rPr lang="en-US" dirty="0"/>
               <a:t> </a:t>
             </a:r>
             <a:endParaRPr lang="pt-BR" dirty="0"/>
@@ -3568,67 +6996,67 @@
           <a:lstStyle/>
           <a:p>
             <a:r>
-              <a:rPr lang="en-US" dirty="0" err="1" smtClean="0"/>
+              <a:rPr lang="en-US" dirty="0" err="1"/>
               <a:t>Procedimentos</a:t>
             </a:r>
             <a:r>
-              <a:rPr lang="en-US" dirty="0" smtClean="0"/>
+              <a:rPr lang="en-US" dirty="0"/>
               <a:t> </a:t>
             </a:r>
           </a:p>
           <a:p>
             <a:pPr lvl="1"/>
             <a:r>
-              <a:rPr lang="en-US" dirty="0" smtClean="0"/>
+              <a:rPr lang="en-US" dirty="0"/>
               <a:t>Como </a:t>
             </a:r>
             <a:r>
-              <a:rPr lang="en-US" dirty="0" err="1" smtClean="0"/>
+              <a:rPr lang="en-US" dirty="0" err="1"/>
               <a:t>foi</a:t>
             </a:r>
             <a:r>
-              <a:rPr lang="en-US" dirty="0" smtClean="0"/>
+              <a:rPr lang="en-US" dirty="0"/>
               <a:t> </a:t>
             </a:r>
             <a:r>
-              <a:rPr lang="en-US" dirty="0" err="1" smtClean="0"/>
+              <a:rPr lang="en-US" dirty="0" err="1"/>
               <a:t>desenvolvido</a:t>
             </a:r>
-            <a:endParaRPr lang="en-US" dirty="0" smtClean="0"/>
-          </a:p>
-          <a:p>
             <a:endParaRPr lang="en-US" dirty="0"/>
           </a:p>
           <a:p>
-            <a:r>
-              <a:rPr lang="en-US" dirty="0" err="1" smtClean="0"/>
+            <a:endParaRPr lang="en-US" dirty="0"/>
+          </a:p>
+          <a:p>
+            <a:r>
+              <a:rPr lang="en-US" dirty="0" err="1"/>
               <a:t>Apresentação</a:t>
             </a:r>
             <a:r>
-              <a:rPr lang="en-US" dirty="0" smtClean="0"/>
+              <a:rPr lang="en-US" dirty="0"/>
               <a:t> do </a:t>
             </a:r>
             <a:r>
-              <a:rPr lang="en-US" dirty="0" err="1" smtClean="0"/>
+              <a:rPr lang="en-US" dirty="0" err="1"/>
               <a:t>sistema</a:t>
             </a:r>
-            <a:endParaRPr lang="en-US" dirty="0" smtClean="0"/>
+            <a:endParaRPr lang="en-US" dirty="0"/>
           </a:p>
           <a:p>
             <a:pPr lvl="1"/>
             <a:r>
-              <a:rPr lang="en-US" dirty="0" err="1" smtClean="0"/>
+              <a:rPr lang="en-US" dirty="0" err="1"/>
               <a:t>Execução</a:t>
             </a:r>
             <a:r>
-              <a:rPr lang="en-US" dirty="0" smtClean="0"/>
+              <a:rPr lang="en-US" dirty="0"/>
               <a:t> do </a:t>
             </a:r>
             <a:r>
-              <a:rPr lang="en-US" dirty="0" err="1" smtClean="0"/>
+              <a:rPr lang="en-US" dirty="0" err="1"/>
               <a:t>sistema</a:t>
             </a:r>
-            <a:endParaRPr lang="en-US" dirty="0" smtClean="0"/>
+            <a:endParaRPr lang="en-US" dirty="0"/>
           </a:p>
           <a:p>
             <a:pPr lvl="1"/>
@@ -3677,15 +7105,15 @@
           <a:lstStyle/>
           <a:p>
             <a:r>
-              <a:rPr lang="en-US" b="1" dirty="0" err="1" smtClean="0"/>
+              <a:rPr lang="en-US" b="1" dirty="0" err="1"/>
               <a:t>Considerações</a:t>
             </a:r>
             <a:r>
-              <a:rPr lang="en-US" b="1" dirty="0" smtClean="0"/>
+              <a:rPr lang="en-US" b="1" dirty="0"/>
               <a:t> </a:t>
             </a:r>
             <a:r>
-              <a:rPr lang="en-US" b="1" dirty="0" err="1" smtClean="0"/>
+              <a:rPr lang="en-US" b="1" dirty="0" err="1"/>
               <a:t>finais</a:t>
             </a:r>
             <a:endParaRPr lang="pt-BR" b="1" dirty="0"/>
@@ -3752,11 +7180,11 @@
           <a:lstStyle/>
           <a:p>
             <a:r>
-              <a:rPr lang="en-US" b="1" dirty="0" err="1" smtClean="0"/>
+              <a:rPr lang="en-US" b="1" dirty="0" err="1"/>
               <a:t>Agradecimentos</a:t>
             </a:r>
             <a:r>
-              <a:rPr lang="en-US" b="1" dirty="0" smtClean="0"/>
+              <a:rPr lang="en-US" b="1" dirty="0"/>
               <a:t> </a:t>
             </a:r>
             <a:endParaRPr lang="pt-BR" b="1" dirty="0"/>
@@ -3779,7 +7207,7 @@
           <a:lstStyle/>
           <a:p>
             <a:r>
-              <a:rPr lang="en-US" smtClean="0"/>
+              <a:rPr lang="en-US"/>
               <a:t>opcional</a:t>
             </a:r>
             <a:endParaRPr lang="pt-BR" dirty="0"/>
@@ -3795,9 +7223,9 @@
 </file>
 
 <file path=ppt/theme/theme1.xml><?xml version="1.0" encoding="utf-8"?>
-<a:theme xmlns:a="http://schemas.openxmlformats.org/drawingml/2006/main" name="Tema do Office">
+<a:theme xmlns:a="http://schemas.openxmlformats.org/drawingml/2006/main" name="Facetado">
   <a:themeElements>
-    <a:clrScheme name="Escritório">
+    <a:clrScheme name="Facetado">
       <a:dk1>
         <a:sysClr val="windowText" lastClr="000000"/>
       </a:dk1>
@@ -3805,44 +7233,301 @@
         <a:sysClr val="window" lastClr="FFFFFF"/>
       </a:lt1>
       <a:dk2>
-        <a:srgbClr val="1F497D"/>
+        <a:srgbClr val="2C3C43"/>
       </a:dk2>
       <a:lt2>
-        <a:srgbClr val="EEECE1"/>
+        <a:srgbClr val="EBEBEB"/>
       </a:lt2>
       <a:accent1>
-        <a:srgbClr val="4F81BD"/>
+        <a:srgbClr val="90C226"/>
       </a:accent1>
       <a:accent2>
-        <a:srgbClr val="C0504D"/>
+        <a:srgbClr val="54A021"/>
       </a:accent2>
       <a:accent3>
-        <a:srgbClr val="9BBB59"/>
+        <a:srgbClr val="E6B91E"/>
       </a:accent3>
       <a:accent4>
-        <a:srgbClr val="8064A2"/>
+        <a:srgbClr val="E76618"/>
       </a:accent4>
       <a:accent5>
-        <a:srgbClr val="4BACC6"/>
+        <a:srgbClr val="C42F1A"/>
       </a:accent5>
       <a:accent6>
-        <a:srgbClr val="F79646"/>
+        <a:srgbClr val="918655"/>
       </a:accent6>
       <a:hlink>
-        <a:srgbClr val="0000FF"/>
+        <a:srgbClr val="99CA3C"/>
       </a:hlink>
       <a:folHlink>
-        <a:srgbClr val="800080"/>
+        <a:srgbClr val="B9D181"/>
       </a:folHlink>
     </a:clrScheme>
-    <a:fontScheme name="Escritório">
+    <a:fontScheme name="Facetado">
       <a:majorFont>
-        <a:latin typeface="Calibri"/>
+        <a:latin typeface="Trebuchet MS" panose="020B0603020202020204"/>
         <a:ea typeface=""/>
         <a:cs typeface=""/>
-        <a:font script="Jpan" typeface="ＭＳ Ｐゴシック"/>
+        <a:font script="Jpan" typeface="メイリオ"/>
         <a:font script="Hang" typeface="맑은 고딕"/>
-        <a:font script="Hans" typeface="宋体"/>
+        <a:font script="Hans" typeface="方正姚体"/>
+        <a:font script="Hant" typeface="微軟正黑體"/>
+        <a:font script="Arab" typeface="Tahoma"/>
+        <a:font script="Hebr" typeface="Arial"/>
+        <a:font script="Thai" typeface="Cordia New"/>
+        <a:font script="Ethi" typeface="Nyala"/>
+        <a:font script="Beng" typeface="Vrinda"/>
+        <a:font script="Gujr" typeface="Shruti"/>
+        <a:font script="Khmr" typeface="DaunPenh"/>
+        <a:font script="Knda" typeface="Tunga"/>
+        <a:font script="Guru" typeface="Raavi"/>
+        <a:font script="Cans" typeface="Euphemia"/>
+        <a:font script="Cher" typeface="Plantagenet Cherokee"/>
+        <a:font script="Yiii" typeface="Microsoft Yi Baiti"/>
+        <a:font script="Tibt" typeface="Microsoft Himalaya"/>
+        <a:font script="Thaa" typeface="MV Boli"/>
+        <a:font script="Deva" typeface="Mangal"/>
+        <a:font script="Telu" typeface="Gautami"/>
+        <a:font script="Taml" typeface="Latha"/>
+        <a:font script="Syrc" typeface="Estrangelo Edessa"/>
+        <a:font script="Orya" typeface="Kalinga"/>
+        <a:font script="Mlym" typeface="Kartika"/>
+        <a:font script="Laoo" typeface="DokChampa"/>
+        <a:font script="Sinh" typeface="Iskoola Pota"/>
+        <a:font script="Mong" typeface="Mongolian Baiti"/>
+        <a:font script="Viet" typeface="Tahoma"/>
+        <a:font script="Uigh" typeface="Microsoft Uighur"/>
+        <a:font script="Geor" typeface="Sylfaen"/>
+      </a:majorFont>
+      <a:minorFont>
+        <a:latin typeface="Trebuchet MS" panose="020B0603020202020204"/>
+        <a:ea typeface=""/>
+        <a:cs typeface=""/>
+        <a:font script="Jpan" typeface="メイリオ"/>
+        <a:font script="Hang" typeface="HY그래픽M"/>
+        <a:font script="Hans" typeface="华文新魏"/>
+        <a:font script="Hant" typeface="微軟正黑體"/>
+        <a:font script="Arab" typeface="Tahoma"/>
+        <a:font script="Hebr" typeface="Gisha"/>
+        <a:font script="Thai" typeface="IrisUPC"/>
+        <a:font script="Ethi" typeface="Nyala"/>
+        <a:font script="Beng" typeface="Vrinda"/>
+        <a:font script="Gujr" typeface="Shruti"/>
+        <a:font script="Khmr" typeface="DaunPenh"/>
+        <a:font script="Knda" typeface="Tunga"/>
+        <a:font script="Guru" typeface="Raavi"/>
+        <a:font script="Cans" typeface="Euphemia"/>
+        <a:font script="Cher" typeface="Plantagenet Cherokee"/>
+        <a:font script="Yiii" typeface="Microsoft Yi Baiti"/>
+        <a:font script="Tibt" typeface="Microsoft Himalaya"/>
+        <a:font script="Thaa" typeface="MV Boli"/>
+        <a:font script="Deva" typeface="Mangal"/>
+        <a:font script="Telu" typeface="Gautami"/>
+        <a:font script="Taml" typeface="Latha"/>
+        <a:font script="Syrc" typeface="Estrangelo Edessa"/>
+        <a:font script="Orya" typeface="Kalinga"/>
+        <a:font script="Mlym" typeface="Kartika"/>
+        <a:font script="Laoo" typeface="DokChampa"/>
+        <a:font script="Sinh" typeface="Iskoola Pota"/>
+        <a:font script="Mong" typeface="Mongolian Baiti"/>
+        <a:font script="Viet" typeface="Arial"/>
+        <a:font script="Uigh" typeface="Microsoft Uighur"/>
+        <a:font script="Geor" typeface="Sylfaen"/>
+      </a:minorFont>
+    </a:fontScheme>
+    <a:fmtScheme name="Facetado">
+      <a:fillStyleLst>
+        <a:solidFill>
+          <a:schemeClr val="phClr"/>
+        </a:solidFill>
+        <a:gradFill rotWithShape="1">
+          <a:gsLst>
+            <a:gs pos="0">
+              <a:schemeClr val="phClr">
+                <a:tint val="65000"/>
+                <a:lumMod val="110000"/>
+              </a:schemeClr>
+            </a:gs>
+            <a:gs pos="88000">
+              <a:schemeClr val="phClr">
+                <a:tint val="90000"/>
+              </a:schemeClr>
+            </a:gs>
+          </a:gsLst>
+          <a:lin ang="5400000" scaled="0"/>
+        </a:gradFill>
+        <a:gradFill rotWithShape="1">
+          <a:gsLst>
+            <a:gs pos="0">
+              <a:schemeClr val="phClr">
+                <a:tint val="96000"/>
+                <a:lumMod val="100000"/>
+              </a:schemeClr>
+            </a:gs>
+            <a:gs pos="78000">
+              <a:schemeClr val="phClr">
+                <a:shade val="94000"/>
+                <a:lumMod val="94000"/>
+              </a:schemeClr>
+            </a:gs>
+          </a:gsLst>
+          <a:lin ang="5400000" scaled="0"/>
+        </a:gradFill>
+      </a:fillStyleLst>
+      <a:lnStyleLst>
+        <a:ln w="12700" cap="rnd" cmpd="sng" algn="ctr">
+          <a:solidFill>
+            <a:schemeClr val="phClr"/>
+          </a:solidFill>
+          <a:prstDash val="solid"/>
+        </a:ln>
+        <a:ln w="19050" cap="rnd" cmpd="sng" algn="ctr">
+          <a:solidFill>
+            <a:schemeClr val="phClr"/>
+          </a:solidFill>
+          <a:prstDash val="solid"/>
+        </a:ln>
+        <a:ln w="25400" cap="rnd" cmpd="sng" algn="ctr">
+          <a:solidFill>
+            <a:schemeClr val="phClr"/>
+          </a:solidFill>
+          <a:prstDash val="solid"/>
+        </a:ln>
+      </a:lnStyleLst>
+      <a:effectStyleLst>
+        <a:effectStyle>
+          <a:effectLst/>
+        </a:effectStyle>
+        <a:effectStyle>
+          <a:effectLst>
+            <a:outerShdw blurRad="38100" dist="25400" dir="5400000" rotWithShape="0">
+              <a:srgbClr val="000000">
+                <a:alpha val="35000"/>
+              </a:srgbClr>
+            </a:outerShdw>
+          </a:effectLst>
+        </a:effectStyle>
+        <a:effectStyle>
+          <a:effectLst>
+            <a:outerShdw blurRad="50800" dist="38100" dir="5400000" rotWithShape="0">
+              <a:srgbClr val="000000">
+                <a:alpha val="35000"/>
+              </a:srgbClr>
+            </a:outerShdw>
+          </a:effectLst>
+          <a:scene3d>
+            <a:camera prst="orthographicFront">
+              <a:rot lat="0" lon="0" rev="0"/>
+            </a:camera>
+            <a:lightRig rig="threePt" dir="tl"/>
+          </a:scene3d>
+          <a:sp3d prstMaterial="plastic">
+            <a:bevelT w="0" h="0"/>
+          </a:sp3d>
+        </a:effectStyle>
+      </a:effectStyleLst>
+      <a:bgFillStyleLst>
+        <a:solidFill>
+          <a:schemeClr val="phClr"/>
+        </a:solidFill>
+        <a:gradFill rotWithShape="1">
+          <a:gsLst>
+            <a:gs pos="0">
+              <a:schemeClr val="phClr">
+                <a:tint val="90000"/>
+                <a:lumMod val="104000"/>
+              </a:schemeClr>
+            </a:gs>
+            <a:gs pos="94000">
+              <a:schemeClr val="phClr">
+                <a:shade val="96000"/>
+                <a:lumMod val="82000"/>
+              </a:schemeClr>
+            </a:gs>
+          </a:gsLst>
+          <a:lin ang="5400000" scaled="0"/>
+        </a:gradFill>
+        <a:gradFill rotWithShape="1">
+          <a:gsLst>
+            <a:gs pos="0">
+              <a:schemeClr val="phClr">
+                <a:tint val="90000"/>
+                <a:lumMod val="110000"/>
+              </a:schemeClr>
+            </a:gs>
+            <a:gs pos="100000">
+              <a:schemeClr val="phClr">
+                <a:shade val="94000"/>
+                <a:lumMod val="96000"/>
+              </a:schemeClr>
+            </a:gs>
+          </a:gsLst>
+          <a:path path="circle">
+            <a:fillToRect l="50000" t="50000" r="100000" b="100000"/>
+          </a:path>
+        </a:gradFill>
+      </a:bgFillStyleLst>
+    </a:fmtScheme>
+  </a:themeElements>
+  <a:objectDefaults/>
+  <a:extraClrSchemeLst/>
+  <a:extLst>
+    <a:ext uri="{05A4C25C-085E-4340-85A3-A5531E510DB2}">
+      <thm15:themeFamily xmlns:thm15="http://schemas.microsoft.com/office/thememl/2012/main" name="Facet" id="{C0C680CD-088A-49FC-A102-D699147F32B2}" vid="{CFBC31BA-B70F-4F30-BCAA-4F3011E16C4D}"/>
+    </a:ext>
+  </a:extLst>
+</a:theme>
+</file>
+
+<file path=ppt/theme/theme2.xml><?xml version="1.0" encoding="utf-8"?>
+<a:theme xmlns:a="http://schemas.openxmlformats.org/drawingml/2006/main" name="Tema do Office">
+  <a:themeElements>
+    <a:clrScheme name="Office">
+      <a:dk1>
+        <a:sysClr val="windowText" lastClr="000000"/>
+      </a:dk1>
+      <a:lt1>
+        <a:sysClr val="window" lastClr="FFFFFF"/>
+      </a:lt1>
+      <a:dk2>
+        <a:srgbClr val="44546A"/>
+      </a:dk2>
+      <a:lt2>
+        <a:srgbClr val="E7E6E6"/>
+      </a:lt2>
+      <a:accent1>
+        <a:srgbClr val="4472C4"/>
+      </a:accent1>
+      <a:accent2>
+        <a:srgbClr val="ED7D31"/>
+      </a:accent2>
+      <a:accent3>
+        <a:srgbClr val="A5A5A5"/>
+      </a:accent3>
+      <a:accent4>
+        <a:srgbClr val="FFC000"/>
+      </a:accent4>
+      <a:accent5>
+        <a:srgbClr val="5B9BD5"/>
+      </a:accent5>
+      <a:accent6>
+        <a:srgbClr val="70AD47"/>
+      </a:accent6>
+      <a:hlink>
+        <a:srgbClr val="0563C1"/>
+      </a:hlink>
+      <a:folHlink>
+        <a:srgbClr val="954F72"/>
+      </a:folHlink>
+    </a:clrScheme>
+    <a:fontScheme name="Office">
+      <a:majorFont>
+        <a:latin typeface="Calibri Light" panose="020F0302020204030204"/>
+        <a:ea typeface=""/>
+        <a:cs typeface=""/>
+        <a:font script="Jpan" typeface="游ゴシック Light"/>
+        <a:font script="Hang" typeface="맑은 고딕"/>
+        <a:font script="Hans" typeface="等线 Light"/>
         <a:font script="Hant" typeface="新細明體"/>
         <a:font script="Arab" typeface="Times New Roman"/>
         <a:font script="Hebr" typeface="Times New Roman"/>
@@ -3869,14 +7554,32 @@
         <a:font script="Mong" typeface="Mongolian Baiti"/>
         <a:font script="Viet" typeface="Times New Roman"/>
         <a:font script="Uigh" typeface="Microsoft Uighur"/>
+        <a:font script="Geor" typeface="Sylfaen"/>
+        <a:font script="Armn" typeface="Arial"/>
+        <a:font script="Bugi" typeface="Leelawadee UI"/>
+        <a:font script="Bopo" typeface="Microsoft JhengHei"/>
+        <a:font script="Java" typeface="Javanese Text"/>
+        <a:font script="Lisu" typeface="Segoe UI"/>
+        <a:font script="Mymr" typeface="Myanmar Text"/>
+        <a:font script="Nkoo" typeface="Ebrima"/>
+        <a:font script="Olck" typeface="Nirmala UI"/>
+        <a:font script="Osma" typeface="Ebrima"/>
+        <a:font script="Phag" typeface="Phagspa"/>
+        <a:font script="Syrn" typeface="Estrangelo Edessa"/>
+        <a:font script="Syrj" typeface="Estrangelo Edessa"/>
+        <a:font script="Syre" typeface="Estrangelo Edessa"/>
+        <a:font script="Sora" typeface="Nirmala UI"/>
+        <a:font script="Tale" typeface="Microsoft Tai Le"/>
+        <a:font script="Talu" typeface="Microsoft New Tai Lue"/>
+        <a:font script="Tfng" typeface="Ebrima"/>
       </a:majorFont>
       <a:minorFont>
-        <a:latin typeface="Calibri"/>
+        <a:latin typeface="Calibri" panose="020F0502020204030204"/>
         <a:ea typeface=""/>
         <a:cs typeface=""/>
-        <a:font script="Jpan" typeface="ＭＳ Ｐゴシック"/>
+        <a:font script="Jpan" typeface="游ゴシック"/>
         <a:font script="Hang" typeface="맑은 고딕"/>
-        <a:font script="Hans" typeface="宋体"/>
+        <a:font script="Hans" typeface="等线"/>
         <a:font script="Hant" typeface="新細明體"/>
         <a:font script="Arab" typeface="Arial"/>
         <a:font script="Hebr" typeface="Arial"/>
@@ -3903,9 +7606,27 @@
         <a:font script="Mong" typeface="Mongolian Baiti"/>
         <a:font script="Viet" typeface="Arial"/>
         <a:font script="Uigh" typeface="Microsoft Uighur"/>
+        <a:font script="Geor" typeface="Sylfaen"/>
+        <a:font script="Armn" typeface="Arial"/>
+        <a:font script="Bugi" typeface="Leelawadee UI"/>
+        <a:font script="Bopo" typeface="Microsoft JhengHei"/>
+        <a:font script="Java" typeface="Javanese Text"/>
+        <a:font script="Lisu" typeface="Segoe UI"/>
+        <a:font script="Mymr" typeface="Myanmar Text"/>
+        <a:font script="Nkoo" typeface="Ebrima"/>
+        <a:font script="Olck" typeface="Nirmala UI"/>
+        <a:font script="Osma" typeface="Ebrima"/>
+        <a:font script="Phag" typeface="Phagspa"/>
+        <a:font script="Syrn" typeface="Estrangelo Edessa"/>
+        <a:font script="Syrj" typeface="Estrangelo Edessa"/>
+        <a:font script="Syre" typeface="Estrangelo Edessa"/>
+        <a:font script="Sora" typeface="Nirmala UI"/>
+        <a:font script="Tale" typeface="Microsoft Tai Le"/>
+        <a:font script="Talu" typeface="Microsoft New Tai Lue"/>
+        <a:font script="Tfng" typeface="Ebrima"/>
       </a:minorFont>
     </a:fontScheme>
-    <a:fmtScheme name="Escritório">
+    <a:fmtScheme name="Office">
       <a:fillStyleLst>
         <a:solidFill>
           <a:schemeClr val="phClr"/>
@@ -3914,165 +7635,141 @@
           <a:gsLst>
             <a:gs pos="0">
               <a:schemeClr val="phClr">
-                <a:tint val="50000"/>
-                <a:satMod val="300000"/>
+                <a:lumMod val="110000"/>
+                <a:satMod val="105000"/>
+                <a:tint val="67000"/>
               </a:schemeClr>
             </a:gs>
-            <a:gs pos="35000">
+            <a:gs pos="50000">
               <a:schemeClr val="phClr">
-                <a:tint val="37000"/>
-                <a:satMod val="300000"/>
+                <a:lumMod val="105000"/>
+                <a:satMod val="103000"/>
+                <a:tint val="73000"/>
               </a:schemeClr>
             </a:gs>
             <a:gs pos="100000">
               <a:schemeClr val="phClr">
-                <a:tint val="15000"/>
-                <a:satMod val="350000"/>
+                <a:lumMod val="105000"/>
+                <a:satMod val="109000"/>
+                <a:tint val="81000"/>
               </a:schemeClr>
             </a:gs>
           </a:gsLst>
-          <a:lin ang="16200000" scaled="1"/>
+          <a:lin ang="5400000" scaled="0"/>
         </a:gradFill>
         <a:gradFill rotWithShape="1">
           <a:gsLst>
             <a:gs pos="0">
               <a:schemeClr val="phClr">
-                <a:shade val="51000"/>
-                <a:satMod val="130000"/>
+                <a:satMod val="103000"/>
+                <a:lumMod val="102000"/>
+                <a:tint val="94000"/>
               </a:schemeClr>
             </a:gs>
-            <a:gs pos="80000">
+            <a:gs pos="50000">
               <a:schemeClr val="phClr">
-                <a:shade val="93000"/>
-                <a:satMod val="130000"/>
+                <a:satMod val="110000"/>
+                <a:lumMod val="100000"/>
+                <a:shade val="100000"/>
               </a:schemeClr>
             </a:gs>
             <a:gs pos="100000">
               <a:schemeClr val="phClr">
-                <a:shade val="94000"/>
-                <a:satMod val="135000"/>
+                <a:lumMod val="99000"/>
+                <a:satMod val="120000"/>
+                <a:shade val="78000"/>
               </a:schemeClr>
             </a:gs>
           </a:gsLst>
-          <a:lin ang="16200000" scaled="0"/>
+          <a:lin ang="5400000" scaled="0"/>
         </a:gradFill>
       </a:fillStyleLst>
       <a:lnStyleLst>
-        <a:ln w="9525" cap="flat" cmpd="sng" algn="ctr">
-          <a:solidFill>
-            <a:schemeClr val="phClr">
-              <a:shade val="95000"/>
-              <a:satMod val="105000"/>
-            </a:schemeClr>
-          </a:solidFill>
-          <a:prstDash val="solid"/>
-        </a:ln>
-        <a:ln w="25400" cap="flat" cmpd="sng" algn="ctr">
+        <a:ln w="6350" cap="flat" cmpd="sng" algn="ctr">
           <a:solidFill>
             <a:schemeClr val="phClr"/>
           </a:solidFill>
           <a:prstDash val="solid"/>
+          <a:miter lim="800000"/>
         </a:ln>
-        <a:ln w="38100" cap="flat" cmpd="sng" algn="ctr">
+        <a:ln w="12700" cap="flat" cmpd="sng" algn="ctr">
           <a:solidFill>
             <a:schemeClr val="phClr"/>
           </a:solidFill>
           <a:prstDash val="solid"/>
+          <a:miter lim="800000"/>
+        </a:ln>
+        <a:ln w="19050" cap="flat" cmpd="sng" algn="ctr">
+          <a:solidFill>
+            <a:schemeClr val="phClr"/>
+          </a:solidFill>
+          <a:prstDash val="solid"/>
+          <a:miter lim="800000"/>
         </a:ln>
       </a:lnStyleLst>
       <a:effectStyleLst>
         <a:effectStyle>
+          <a:effectLst/>
+        </a:effectStyle>
+        <a:effectStyle>
+          <a:effectLst/>
+        </a:effectStyle>
+        <a:effectStyle>
           <a:effectLst>
-            <a:outerShdw blurRad="40000" dist="20000" dir="5400000" rotWithShape="0">
+            <a:outerShdw blurRad="57150" dist="19050" dir="5400000" algn="ctr" rotWithShape="0">
               <a:srgbClr val="000000">
-                <a:alpha val="38000"/>
+                <a:alpha val="63000"/>
               </a:srgbClr>
             </a:outerShdw>
           </a:effectLst>
-        </a:effectStyle>
-        <a:effectStyle>
-          <a:effectLst>
-            <a:outerShdw blurRad="40000" dist="23000" dir="5400000" rotWithShape="0">
-              <a:srgbClr val="000000">
-                <a:alpha val="35000"/>
-              </a:srgbClr>
-            </a:outerShdw>
-          </a:effectLst>
-        </a:effectStyle>
-        <a:effectStyle>
-          <a:effectLst>
-            <a:outerShdw blurRad="40000" dist="23000" dir="5400000" rotWithShape="0">
-              <a:srgbClr val="000000">
-                <a:alpha val="35000"/>
-              </a:srgbClr>
-            </a:outerShdw>
-          </a:effectLst>
-          <a:scene3d>
-            <a:camera prst="orthographicFront">
-              <a:rot lat="0" lon="0" rev="0"/>
-            </a:camera>
-            <a:lightRig rig="threePt" dir="t">
-              <a:rot lat="0" lon="0" rev="1200000"/>
-            </a:lightRig>
-          </a:scene3d>
-          <a:sp3d>
-            <a:bevelT w="63500" h="25400"/>
-          </a:sp3d>
         </a:effectStyle>
       </a:effectStyleLst>
       <a:bgFillStyleLst>
         <a:solidFill>
           <a:schemeClr val="phClr"/>
         </a:solidFill>
+        <a:solidFill>
+          <a:schemeClr val="phClr">
+            <a:tint val="95000"/>
+            <a:satMod val="170000"/>
+          </a:schemeClr>
+        </a:solidFill>
         <a:gradFill rotWithShape="1">
           <a:gsLst>
             <a:gs pos="0">
               <a:schemeClr val="phClr">
-                <a:tint val="40000"/>
-                <a:satMod val="350000"/>
+                <a:tint val="93000"/>
+                <a:satMod val="150000"/>
+                <a:shade val="98000"/>
+                <a:lumMod val="102000"/>
               </a:schemeClr>
             </a:gs>
-            <a:gs pos="40000">
+            <a:gs pos="50000">
               <a:schemeClr val="phClr">
-                <a:tint val="45000"/>
-                <a:shade val="99000"/>
-                <a:satMod val="350000"/>
+                <a:tint val="98000"/>
+                <a:satMod val="130000"/>
+                <a:shade val="90000"/>
+                <a:lumMod val="103000"/>
               </a:schemeClr>
             </a:gs>
             <a:gs pos="100000">
               <a:schemeClr val="phClr">
-                <a:shade val="20000"/>
-                <a:satMod val="255000"/>
+                <a:shade val="63000"/>
+                <a:satMod val="120000"/>
               </a:schemeClr>
             </a:gs>
           </a:gsLst>
-          <a:path path="circle">
-            <a:fillToRect l="50000" t="-80000" r="50000" b="180000"/>
-          </a:path>
-        </a:gradFill>
-        <a:gradFill rotWithShape="1">
-          <a:gsLst>
-            <a:gs pos="0">
-              <a:schemeClr val="phClr">
-                <a:tint val="80000"/>
-                <a:satMod val="300000"/>
-              </a:schemeClr>
-            </a:gs>
-            <a:gs pos="100000">
-              <a:schemeClr val="phClr">
-                <a:shade val="30000"/>
-                <a:satMod val="200000"/>
-              </a:schemeClr>
-            </a:gs>
-          </a:gsLst>
-          <a:path path="circle">
-            <a:fillToRect l="50000" t="50000" r="50000" b="50000"/>
-          </a:path>
+          <a:lin ang="5400000" scaled="0"/>
         </a:gradFill>
       </a:bgFillStyleLst>
     </a:fmtScheme>
   </a:themeElements>
   <a:objectDefaults/>
   <a:extraClrSchemeLst/>
+  <a:extLst>
+    <a:ext uri="{05A4C25C-085E-4340-85A3-A5531E510DB2}">
+      <thm15:themeFamily xmlns:thm15="http://schemas.microsoft.com/office/thememl/2012/main" name="Office Theme" id="{62F939B6-93AF-4DB8-9C6B-D6C7DFDC589F}" vid="{4A3C46E8-61CC-4603-A589-7422A47A8E4A}"/>
+    </a:ext>
+  </a:extLst>
 </a:theme>
 </file>